--- a/Study_revise/JAVA-PPT/JAVA정리.pptx
+++ b/Study_revise/JAVA-PPT/JAVA정리.pptx
@@ -203,7 +203,7 @@
           <a:p>
             <a:fld id="{6B9FE7A6-2D33-4782-874A-A2DEBAC3A7CB}" type="datetimeFigureOut">
               <a:rPr lang="ko-KR" altLang="en-US" smtClean="0"/>
-              <a:t>2021-10-27</a:t>
+              <a:t>2021-10-28</a:t>
             </a:fld>
             <a:endParaRPr lang="ko-KR" altLang="en-US"/>
           </a:p>
@@ -736,7 +736,7 @@
           <a:p>
             <a:fld id="{83921F6A-BA09-41D7-82B2-313B2D910A95}" type="datetimeFigureOut">
               <a:rPr lang="ko-KR" altLang="en-US" smtClean="0"/>
-              <a:t>2021-10-27</a:t>
+              <a:t>2021-10-28</a:t>
             </a:fld>
             <a:endParaRPr lang="ko-KR" altLang="en-US"/>
           </a:p>
@@ -906,7 +906,7 @@
           <a:p>
             <a:fld id="{83921F6A-BA09-41D7-82B2-313B2D910A95}" type="datetimeFigureOut">
               <a:rPr lang="ko-KR" altLang="en-US" smtClean="0"/>
-              <a:t>2021-10-27</a:t>
+              <a:t>2021-10-28</a:t>
             </a:fld>
             <a:endParaRPr lang="ko-KR" altLang="en-US"/>
           </a:p>
@@ -1086,7 +1086,7 @@
           <a:p>
             <a:fld id="{83921F6A-BA09-41D7-82B2-313B2D910A95}" type="datetimeFigureOut">
               <a:rPr lang="ko-KR" altLang="en-US" smtClean="0"/>
-              <a:t>2021-10-27</a:t>
+              <a:t>2021-10-28</a:t>
             </a:fld>
             <a:endParaRPr lang="ko-KR" altLang="en-US"/>
           </a:p>
@@ -1256,7 +1256,7 @@
           <a:p>
             <a:fld id="{83921F6A-BA09-41D7-82B2-313B2D910A95}" type="datetimeFigureOut">
               <a:rPr lang="ko-KR" altLang="en-US" smtClean="0"/>
-              <a:t>2021-10-27</a:t>
+              <a:t>2021-10-28</a:t>
             </a:fld>
             <a:endParaRPr lang="ko-KR" altLang="en-US"/>
           </a:p>
@@ -1502,7 +1502,7 @@
           <a:p>
             <a:fld id="{83921F6A-BA09-41D7-82B2-313B2D910A95}" type="datetimeFigureOut">
               <a:rPr lang="ko-KR" altLang="en-US" smtClean="0"/>
-              <a:t>2021-10-27</a:t>
+              <a:t>2021-10-28</a:t>
             </a:fld>
             <a:endParaRPr lang="ko-KR" altLang="en-US"/>
           </a:p>
@@ -1790,7 +1790,7 @@
           <a:p>
             <a:fld id="{83921F6A-BA09-41D7-82B2-313B2D910A95}" type="datetimeFigureOut">
               <a:rPr lang="ko-KR" altLang="en-US" smtClean="0"/>
-              <a:t>2021-10-27</a:t>
+              <a:t>2021-10-28</a:t>
             </a:fld>
             <a:endParaRPr lang="ko-KR" altLang="en-US"/>
           </a:p>
@@ -2217,7 +2217,7 @@
           <a:p>
             <a:fld id="{83921F6A-BA09-41D7-82B2-313B2D910A95}" type="datetimeFigureOut">
               <a:rPr lang="ko-KR" altLang="en-US" smtClean="0"/>
-              <a:t>2021-10-27</a:t>
+              <a:t>2021-10-28</a:t>
             </a:fld>
             <a:endParaRPr lang="ko-KR" altLang="en-US"/>
           </a:p>
@@ -2335,7 +2335,7 @@
           <a:p>
             <a:fld id="{83921F6A-BA09-41D7-82B2-313B2D910A95}" type="datetimeFigureOut">
               <a:rPr lang="ko-KR" altLang="en-US" smtClean="0"/>
-              <a:t>2021-10-27</a:t>
+              <a:t>2021-10-28</a:t>
             </a:fld>
             <a:endParaRPr lang="ko-KR" altLang="en-US"/>
           </a:p>
@@ -2430,7 +2430,7 @@
           <a:p>
             <a:fld id="{83921F6A-BA09-41D7-82B2-313B2D910A95}" type="datetimeFigureOut">
               <a:rPr lang="ko-KR" altLang="en-US" smtClean="0"/>
-              <a:t>2021-10-27</a:t>
+              <a:t>2021-10-28</a:t>
             </a:fld>
             <a:endParaRPr lang="ko-KR" altLang="en-US"/>
           </a:p>
@@ -2707,7 +2707,7 @@
           <a:p>
             <a:fld id="{83921F6A-BA09-41D7-82B2-313B2D910A95}" type="datetimeFigureOut">
               <a:rPr lang="ko-KR" altLang="en-US" smtClean="0"/>
-              <a:t>2021-10-27</a:t>
+              <a:t>2021-10-28</a:t>
             </a:fld>
             <a:endParaRPr lang="ko-KR" altLang="en-US"/>
           </a:p>
@@ -2960,7 +2960,7 @@
           <a:p>
             <a:fld id="{83921F6A-BA09-41D7-82B2-313B2D910A95}" type="datetimeFigureOut">
               <a:rPr lang="ko-KR" altLang="en-US" smtClean="0"/>
-              <a:t>2021-10-27</a:t>
+              <a:t>2021-10-28</a:t>
             </a:fld>
             <a:endParaRPr lang="ko-KR" altLang="en-US"/>
           </a:p>
@@ -3173,7 +3173,7 @@
           <a:p>
             <a:fld id="{83921F6A-BA09-41D7-82B2-313B2D910A95}" type="datetimeFigureOut">
               <a:rPr lang="ko-KR" altLang="en-US" smtClean="0"/>
-              <a:t>2021-10-27</a:t>
+              <a:t>2021-10-28</a:t>
             </a:fld>
             <a:endParaRPr lang="ko-KR" altLang="en-US"/>
           </a:p>
@@ -5237,655 +5237,7 @@
           <a:bodyPr rtlCol="0" anchor="t"/>
           <a:lstStyle/>
           <a:p>
-            <a:r>
-              <a:rPr lang="en-US" altLang="ko-KR">
-                <a:solidFill>
-                  <a:schemeClr val="tx1"/>
-                </a:solidFill>
-                <a:latin typeface="1훈새마을운동 R" panose="02020603020101020101" pitchFamily="18" charset="-127"/>
-                <a:ea typeface="1훈새마을운동 R" panose="02020603020101020101" pitchFamily="18" charset="-127"/>
-              </a:rPr>
-              <a:t>*</a:t>
-            </a:r>
-            <a:r>
-              <a:rPr lang="ko-KR" altLang="en-US">
-                <a:solidFill>
-                  <a:schemeClr val="tx1"/>
-                </a:solidFill>
-                <a:latin typeface="1훈새마을운동 R" panose="02020603020101020101" pitchFamily="18" charset="-127"/>
-                <a:ea typeface="1훈새마을운동 R" panose="02020603020101020101" pitchFamily="18" charset="-127"/>
-              </a:rPr>
-              <a:t>객체 </a:t>
-            </a:r>
-            <a:r>
-              <a:rPr lang="en-US" altLang="ko-KR">
-                <a:solidFill>
-                  <a:schemeClr val="tx1"/>
-                </a:solidFill>
-                <a:latin typeface="1훈새마을운동 R" panose="02020603020101020101" pitchFamily="18" charset="-127"/>
-                <a:ea typeface="1훈새마을운동 R" panose="02020603020101020101" pitchFamily="18" charset="-127"/>
-              </a:rPr>
-              <a:t>: </a:t>
-            </a:r>
-            <a:r>
-              <a:rPr lang="ko-KR" altLang="en-US">
-                <a:solidFill>
-                  <a:schemeClr val="tx1"/>
-                </a:solidFill>
-                <a:latin typeface="1훈새마을운동 R" panose="02020603020101020101" pitchFamily="18" charset="-127"/>
-                <a:ea typeface="1훈새마을운동 R" panose="02020603020101020101" pitchFamily="18" charset="-127"/>
-              </a:rPr>
-              <a:t>실제로 존재하는 것 </a:t>
-            </a:r>
-            <a:r>
-              <a:rPr lang="en-US" altLang="ko-KR">
-                <a:solidFill>
-                  <a:schemeClr val="tx1"/>
-                </a:solidFill>
-                <a:latin typeface="1훈새마을운동 R" panose="02020603020101020101" pitchFamily="18" charset="-127"/>
-                <a:ea typeface="1훈새마을운동 R" panose="02020603020101020101" pitchFamily="18" charset="-127"/>
-              </a:rPr>
-              <a:t>, </a:t>
-            </a:r>
-            <a:r>
-              <a:rPr lang="ko-KR" altLang="en-US">
-                <a:solidFill>
-                  <a:schemeClr val="tx1"/>
-                </a:solidFill>
-                <a:latin typeface="1훈새마을운동 R" panose="02020603020101020101" pitchFamily="18" charset="-127"/>
-                <a:ea typeface="1훈새마을운동 R" panose="02020603020101020101" pitchFamily="18" charset="-127"/>
-              </a:rPr>
-              <a:t>사물 또는 개념 </a:t>
-            </a:r>
-            <a:r>
-              <a:rPr lang="en-US" altLang="ko-KR">
-                <a:solidFill>
-                  <a:schemeClr val="tx1"/>
-                </a:solidFill>
-                <a:latin typeface="1훈새마을운동 R" panose="02020603020101020101" pitchFamily="18" charset="-127"/>
-                <a:ea typeface="1훈새마을운동 R" panose="02020603020101020101" pitchFamily="18" charset="-127"/>
-              </a:rPr>
-              <a:t> [ </a:t>
-            </a:r>
-            <a:r>
-              <a:rPr lang="ko-KR" altLang="en-US">
-                <a:solidFill>
-                  <a:schemeClr val="tx1"/>
-                </a:solidFill>
-                <a:latin typeface="1훈새마을운동 R" panose="02020603020101020101" pitchFamily="18" charset="-127"/>
-                <a:ea typeface="1훈새마을운동 R" panose="02020603020101020101" pitchFamily="18" charset="-127"/>
-              </a:rPr>
-              <a:t>실물 </a:t>
-            </a:r>
-            <a:r>
-              <a:rPr lang="en-US" altLang="ko-KR">
-                <a:solidFill>
-                  <a:schemeClr val="tx1"/>
-                </a:solidFill>
-                <a:latin typeface="1훈새마을운동 R" panose="02020603020101020101" pitchFamily="18" charset="-127"/>
-                <a:ea typeface="1훈새마을운동 R" panose="02020603020101020101" pitchFamily="18" charset="-127"/>
-              </a:rPr>
-              <a:t>-</a:t>
-            </a:r>
-            <a:r>
-              <a:rPr lang="en-US" altLang="ko-KR">
-                <a:solidFill>
-                  <a:schemeClr val="tx1"/>
-                </a:solidFill>
-                <a:latin typeface="1훈새마을운동 R" panose="02020603020101020101" pitchFamily="18" charset="-127"/>
-                <a:ea typeface="1훈새마을운동 R" panose="02020603020101020101" pitchFamily="18" charset="-127"/>
-                <a:sym typeface="Wingdings" panose="05000000000000000000" pitchFamily="2" charset="2"/>
-              </a:rPr>
-              <a:t>&gt; </a:t>
-            </a:r>
-            <a:r>
-              <a:rPr lang="ko-KR" altLang="en-US">
-                <a:solidFill>
-                  <a:schemeClr val="tx1"/>
-                </a:solidFill>
-                <a:latin typeface="1훈새마을운동 R" panose="02020603020101020101" pitchFamily="18" charset="-127"/>
-                <a:ea typeface="1훈새마을운동 R" panose="02020603020101020101" pitchFamily="18" charset="-127"/>
-                <a:sym typeface="Wingdings" panose="05000000000000000000" pitchFamily="2" charset="2"/>
-              </a:rPr>
-              <a:t>코드화 </a:t>
-            </a:r>
-            <a:r>
-              <a:rPr lang="en-US" altLang="ko-KR" smtClean="0">
-                <a:solidFill>
-                  <a:schemeClr val="tx1"/>
-                </a:solidFill>
-                <a:latin typeface="1훈새마을운동 R" panose="02020603020101020101" pitchFamily="18" charset="-127"/>
-                <a:ea typeface="1훈새마을운동 R" panose="02020603020101020101" pitchFamily="18" charset="-127"/>
-                <a:sym typeface="Wingdings" panose="05000000000000000000" pitchFamily="2" charset="2"/>
-              </a:rPr>
-              <a:t>]</a:t>
-            </a:r>
-            <a:endParaRPr lang="en-US" altLang="ko-KR" smtClean="0">
-              <a:solidFill>
-                <a:schemeClr val="tx1"/>
-              </a:solidFill>
-              <a:latin typeface="1훈새마을운동 R" panose="02020603020101020101" pitchFamily="18" charset="-127"/>
-              <a:ea typeface="1훈새마을운동 R" panose="02020603020101020101" pitchFamily="18" charset="-127"/>
-            </a:endParaRPr>
-          </a:p>
-          <a:p>
-            <a:r>
-              <a:rPr lang="en-US" altLang="ko-KR" smtClean="0">
-                <a:solidFill>
-                  <a:schemeClr val="tx1"/>
-                </a:solidFill>
-                <a:latin typeface="1훈새마을운동 R" panose="02020603020101020101" pitchFamily="18" charset="-127"/>
-                <a:ea typeface="1훈새마을운동 R" panose="02020603020101020101" pitchFamily="18" charset="-127"/>
-              </a:rPr>
-              <a:t>*</a:t>
-            </a:r>
-            <a:r>
-              <a:rPr lang="ko-KR" altLang="en-US" smtClean="0">
-                <a:solidFill>
-                  <a:schemeClr val="tx1"/>
-                </a:solidFill>
-                <a:latin typeface="1훈새마을운동 R" panose="02020603020101020101" pitchFamily="18" charset="-127"/>
-                <a:ea typeface="1훈새마을운동 R" panose="02020603020101020101" pitchFamily="18" charset="-127"/>
-              </a:rPr>
-              <a:t>클래스 </a:t>
-            </a:r>
-            <a:r>
-              <a:rPr lang="en-US" altLang="ko-KR" smtClean="0">
-                <a:solidFill>
-                  <a:schemeClr val="tx1"/>
-                </a:solidFill>
-                <a:latin typeface="1훈새마을운동 R" panose="02020603020101020101" pitchFamily="18" charset="-127"/>
-                <a:ea typeface="1훈새마을운동 R" panose="02020603020101020101" pitchFamily="18" charset="-127"/>
-              </a:rPr>
-              <a:t>: </a:t>
-            </a:r>
-            <a:r>
-              <a:rPr lang="ko-KR" altLang="en-US" smtClean="0">
-                <a:solidFill>
-                  <a:schemeClr val="tx1"/>
-                </a:solidFill>
-                <a:latin typeface="1훈새마을운동 R" panose="02020603020101020101" pitchFamily="18" charset="-127"/>
-                <a:ea typeface="1훈새마을운동 R" panose="02020603020101020101" pitchFamily="18" charset="-127"/>
-              </a:rPr>
-              <a:t>객체의 설계도 </a:t>
-            </a:r>
-            <a:endParaRPr lang="en-US" altLang="ko-KR" smtClean="0">
-              <a:solidFill>
-                <a:schemeClr val="tx1"/>
-              </a:solidFill>
-              <a:latin typeface="1훈새마을운동 R" panose="02020603020101020101" pitchFamily="18" charset="-127"/>
-              <a:ea typeface="1훈새마을운동 R" panose="02020603020101020101" pitchFamily="18" charset="-127"/>
-            </a:endParaRPr>
-          </a:p>
-          <a:p>
-            <a:r>
-              <a:rPr lang="en-US" altLang="ko-KR" smtClean="0">
-                <a:solidFill>
-                  <a:schemeClr val="tx1"/>
-                </a:solidFill>
-                <a:latin typeface="1훈새마을운동 R" panose="02020603020101020101" pitchFamily="18" charset="-127"/>
-                <a:ea typeface="1훈새마을운동 R" panose="02020603020101020101" pitchFamily="18" charset="-127"/>
-              </a:rPr>
-              <a:t>*</a:t>
-            </a:r>
-            <a:r>
-              <a:rPr lang="ko-KR" altLang="en-US" smtClean="0">
-                <a:solidFill>
-                  <a:schemeClr val="tx1"/>
-                </a:solidFill>
-                <a:latin typeface="1훈새마을운동 R" panose="02020603020101020101" pitchFamily="18" charset="-127"/>
-                <a:ea typeface="1훈새마을운동 R" panose="02020603020101020101" pitchFamily="18" charset="-127"/>
-              </a:rPr>
-              <a:t>인스턴스 </a:t>
-            </a:r>
-            <a:r>
-              <a:rPr lang="en-US" altLang="ko-KR" smtClean="0">
-                <a:solidFill>
-                  <a:schemeClr val="tx1"/>
-                </a:solidFill>
-                <a:latin typeface="1훈새마을운동 R" panose="02020603020101020101" pitchFamily="18" charset="-127"/>
-                <a:ea typeface="1훈새마을운동 R" panose="02020603020101020101" pitchFamily="18" charset="-127"/>
-              </a:rPr>
-              <a:t>: new </a:t>
-            </a:r>
-            <a:r>
-              <a:rPr lang="ko-KR" altLang="en-US" smtClean="0">
-                <a:solidFill>
-                  <a:schemeClr val="tx1"/>
-                </a:solidFill>
-                <a:latin typeface="1훈새마을운동 R" panose="02020603020101020101" pitchFamily="18" charset="-127"/>
-                <a:ea typeface="1훈새마을운동 R" panose="02020603020101020101" pitchFamily="18" charset="-127"/>
-              </a:rPr>
-              <a:t>이용한 메모리 할당 변수</a:t>
-            </a:r>
-            <a:endParaRPr lang="en-US" altLang="ko-KR" smtClean="0">
-              <a:solidFill>
-                <a:schemeClr val="tx1"/>
-              </a:solidFill>
-              <a:latin typeface="1훈새마을운동 R" panose="02020603020101020101" pitchFamily="18" charset="-127"/>
-              <a:ea typeface="1훈새마을운동 R" panose="02020603020101020101" pitchFamily="18" charset="-127"/>
-            </a:endParaRPr>
-          </a:p>
-          <a:p>
-            <a:r>
-              <a:rPr lang="en-US" altLang="ko-KR" smtClean="0">
-                <a:solidFill>
-                  <a:schemeClr val="tx1"/>
-                </a:solidFill>
-                <a:latin typeface="1훈새마을운동 R" panose="02020603020101020101" pitchFamily="18" charset="-127"/>
-                <a:ea typeface="1훈새마을운동 R" panose="02020603020101020101" pitchFamily="18" charset="-127"/>
-              </a:rPr>
-              <a:t>*</a:t>
-            </a:r>
-            <a:r>
-              <a:rPr lang="ko-KR" altLang="en-US">
-                <a:solidFill>
-                  <a:schemeClr val="tx1"/>
-                </a:solidFill>
-                <a:latin typeface="1훈새마을운동 R" panose="02020603020101020101" pitchFamily="18" charset="-127"/>
-                <a:ea typeface="1훈새마을운동 R" panose="02020603020101020101" pitchFamily="18" charset="-127"/>
-              </a:rPr>
-              <a:t> </a:t>
-            </a:r>
-            <a:r>
-              <a:rPr lang="ko-KR" altLang="en-US" smtClean="0">
-                <a:solidFill>
-                  <a:schemeClr val="tx1"/>
-                </a:solidFill>
-                <a:latin typeface="1훈새마을운동 R" panose="02020603020101020101" pitchFamily="18" charset="-127"/>
-                <a:ea typeface="1훈새마을운동 R" panose="02020603020101020101" pitchFamily="18" charset="-127"/>
-              </a:rPr>
-              <a:t>선언 </a:t>
-            </a:r>
-            <a:r>
-              <a:rPr lang="en-US" altLang="ko-KR" smtClean="0">
-                <a:solidFill>
-                  <a:schemeClr val="tx1"/>
-                </a:solidFill>
-                <a:latin typeface="1훈새마을운동 R" panose="02020603020101020101" pitchFamily="18" charset="-127"/>
-                <a:ea typeface="1훈새마을운동 R" panose="02020603020101020101" pitchFamily="18" charset="-127"/>
-              </a:rPr>
-              <a:t>: </a:t>
-            </a:r>
-            <a:r>
-              <a:rPr lang="ko-KR" altLang="en-US" smtClean="0">
-                <a:solidFill>
-                  <a:schemeClr val="tx1"/>
-                </a:solidFill>
-                <a:latin typeface="1훈새마을운동 R" panose="02020603020101020101" pitchFamily="18" charset="-127"/>
-                <a:ea typeface="1훈새마을운동 R" panose="02020603020101020101" pitchFamily="18" charset="-127"/>
-              </a:rPr>
-              <a:t>클래스명  변수명</a:t>
-            </a:r>
-            <a:r>
-              <a:rPr lang="en-US" altLang="ko-KR" smtClean="0">
-                <a:solidFill>
-                  <a:schemeClr val="tx1"/>
-                </a:solidFill>
-                <a:latin typeface="1훈새마을운동 R" panose="02020603020101020101" pitchFamily="18" charset="-127"/>
-                <a:ea typeface="1훈새마을운동 R" panose="02020603020101020101" pitchFamily="18" charset="-127"/>
-              </a:rPr>
-              <a:t>(</a:t>
-            </a:r>
-            <a:r>
-              <a:rPr lang="ko-KR" altLang="en-US" smtClean="0">
-                <a:solidFill>
-                  <a:schemeClr val="tx1"/>
-                </a:solidFill>
-                <a:latin typeface="1훈새마을운동 R" panose="02020603020101020101" pitchFamily="18" charset="-127"/>
-                <a:ea typeface="1훈새마을운동 R" panose="02020603020101020101" pitchFamily="18" charset="-127"/>
-              </a:rPr>
-              <a:t>객체명</a:t>
-            </a:r>
-            <a:r>
-              <a:rPr lang="en-US" altLang="ko-KR" smtClean="0">
-                <a:solidFill>
-                  <a:schemeClr val="tx1"/>
-                </a:solidFill>
-                <a:latin typeface="1훈새마을운동 R" panose="02020603020101020101" pitchFamily="18" charset="-127"/>
-                <a:ea typeface="1훈새마을운동 R" panose="02020603020101020101" pitchFamily="18" charset="-127"/>
-              </a:rPr>
-              <a:t>) = new </a:t>
-            </a:r>
-            <a:r>
-              <a:rPr lang="ko-KR" altLang="en-US" smtClean="0">
-                <a:solidFill>
-                  <a:schemeClr val="tx1"/>
-                </a:solidFill>
-                <a:latin typeface="1훈새마을운동 R" panose="02020603020101020101" pitchFamily="18" charset="-127"/>
-                <a:ea typeface="1훈새마을운동 R" panose="02020603020101020101" pitchFamily="18" charset="-127"/>
-              </a:rPr>
-              <a:t>생성자명</a:t>
-            </a:r>
-            <a:r>
-              <a:rPr lang="en-US" altLang="ko-KR" smtClean="0">
-                <a:solidFill>
-                  <a:schemeClr val="tx1"/>
-                </a:solidFill>
-                <a:latin typeface="1훈새마을운동 R" panose="02020603020101020101" pitchFamily="18" charset="-127"/>
-                <a:ea typeface="1훈새마을운동 R" panose="02020603020101020101" pitchFamily="18" charset="-127"/>
-              </a:rPr>
-              <a:t>(  ) </a:t>
-            </a:r>
-            <a:endParaRPr lang="en-US" altLang="ko-KR" smtClean="0">
-              <a:solidFill>
-                <a:schemeClr val="tx1"/>
-              </a:solidFill>
-              <a:latin typeface="1훈새마을운동 R" panose="02020603020101020101" pitchFamily="18" charset="-127"/>
-              <a:ea typeface="1훈새마을운동 R" panose="02020603020101020101" pitchFamily="18" charset="-127"/>
-            </a:endParaRPr>
-          </a:p>
-          <a:p>
-            <a:r>
-              <a:rPr lang="en-US" altLang="ko-KR" smtClean="0">
-                <a:solidFill>
-                  <a:schemeClr val="tx1"/>
-                </a:solidFill>
-                <a:latin typeface="1훈새마을운동 R" panose="02020603020101020101" pitchFamily="18" charset="-127"/>
-                <a:ea typeface="1훈새마을운동 R" panose="02020603020101020101" pitchFamily="18" charset="-127"/>
-              </a:rPr>
-              <a:t> * </a:t>
-            </a:r>
-            <a:r>
-              <a:rPr lang="ko-KR" altLang="en-US" smtClean="0">
-                <a:solidFill>
-                  <a:schemeClr val="tx1"/>
-                </a:solidFill>
-                <a:latin typeface="1훈새마을운동 R" panose="02020603020101020101" pitchFamily="18" charset="-127"/>
-                <a:ea typeface="1훈새마을운동 R" panose="02020603020101020101" pitchFamily="18" charset="-127"/>
-              </a:rPr>
-              <a:t>멤버 </a:t>
-            </a:r>
-            <a:r>
-              <a:rPr lang="en-US" altLang="ko-KR" smtClean="0">
-                <a:solidFill>
-                  <a:schemeClr val="tx1"/>
-                </a:solidFill>
-                <a:latin typeface="1훈새마을운동 R" panose="02020603020101020101" pitchFamily="18" charset="-127"/>
-                <a:ea typeface="1훈새마을운동 R" panose="02020603020101020101" pitchFamily="18" charset="-127"/>
-              </a:rPr>
-              <a:t>[ </a:t>
-            </a:r>
-            <a:r>
-              <a:rPr lang="ko-KR" altLang="en-US" smtClean="0">
-                <a:solidFill>
-                  <a:schemeClr val="tx1"/>
-                </a:solidFill>
-                <a:latin typeface="1훈새마을운동 R" panose="02020603020101020101" pitchFamily="18" charset="-127"/>
-                <a:ea typeface="1훈새마을운동 R" panose="02020603020101020101" pitchFamily="18" charset="-127"/>
-              </a:rPr>
-              <a:t>객체</a:t>
-            </a:r>
-            <a:r>
-              <a:rPr lang="ko-KR" altLang="en-US" smtClean="0">
-                <a:solidFill>
-                  <a:schemeClr val="tx1"/>
-                </a:solidFill>
-                <a:latin typeface="1훈새마을운동 R" panose="02020603020101020101" pitchFamily="18" charset="-127"/>
-                <a:ea typeface="1훈새마을운동 R" panose="02020603020101020101" pitchFamily="18" charset="-127"/>
-              </a:rPr>
-              <a:t>명 </a:t>
-            </a:r>
-            <a:r>
-              <a:rPr lang="ko-KR" altLang="en-US" smtClean="0">
-                <a:solidFill>
-                  <a:schemeClr val="tx1"/>
-                </a:solidFill>
-                <a:latin typeface="1훈새마을운동 R" panose="02020603020101020101" pitchFamily="18" charset="-127"/>
-                <a:ea typeface="1훈새마을운동 R" panose="02020603020101020101" pitchFamily="18" charset="-127"/>
-              </a:rPr>
-              <a:t>뒤에 </a:t>
-            </a:r>
-            <a:r>
-              <a:rPr lang="en-US" altLang="ko-KR" smtClean="0">
-                <a:solidFill>
-                  <a:schemeClr val="tx1"/>
-                </a:solidFill>
-                <a:latin typeface="1훈새마을운동 R" panose="02020603020101020101" pitchFamily="18" charset="-127"/>
-                <a:ea typeface="1훈새마을운동 R" panose="02020603020101020101" pitchFamily="18" charset="-127"/>
-              </a:rPr>
-              <a:t>. </a:t>
-            </a:r>
-            <a:r>
-              <a:rPr lang="ko-KR" altLang="en-US" smtClean="0">
-                <a:solidFill>
-                  <a:schemeClr val="tx1"/>
-                </a:solidFill>
-                <a:latin typeface="1훈새마을운동 R" panose="02020603020101020101" pitchFamily="18" charset="-127"/>
-                <a:ea typeface="1훈새마을운동 R" panose="02020603020101020101" pitchFamily="18" charset="-127"/>
-              </a:rPr>
-              <a:t>연산자 통한 필드</a:t>
-            </a:r>
-            <a:r>
-              <a:rPr lang="en-US" altLang="ko-KR" smtClean="0">
-                <a:solidFill>
-                  <a:schemeClr val="tx1"/>
-                </a:solidFill>
-                <a:latin typeface="1훈새마을운동 R" panose="02020603020101020101" pitchFamily="18" charset="-127"/>
-                <a:ea typeface="1훈새마을운동 R" panose="02020603020101020101" pitchFamily="18" charset="-127"/>
-              </a:rPr>
-              <a:t>or</a:t>
-            </a:r>
-            <a:r>
-              <a:rPr lang="ko-KR" altLang="en-US" smtClean="0">
-                <a:solidFill>
-                  <a:schemeClr val="tx1"/>
-                </a:solidFill>
-                <a:latin typeface="1훈새마을운동 R" panose="02020603020101020101" pitchFamily="18" charset="-127"/>
-                <a:ea typeface="1훈새마을운동 R" panose="02020603020101020101" pitchFamily="18" charset="-127"/>
-              </a:rPr>
-              <a:t>메소드 접근 </a:t>
-            </a:r>
-            <a:r>
-              <a:rPr lang="en-US" altLang="ko-KR" smtClean="0">
-                <a:solidFill>
-                  <a:schemeClr val="tx1"/>
-                </a:solidFill>
-                <a:latin typeface="1훈새마을운동 R" panose="02020603020101020101" pitchFamily="18" charset="-127"/>
-                <a:ea typeface="1훈새마을운동 R" panose="02020603020101020101" pitchFamily="18" charset="-127"/>
-              </a:rPr>
-              <a:t>/ new </a:t>
-            </a:r>
-            <a:r>
-              <a:rPr lang="ko-KR" altLang="en-US" smtClean="0">
-                <a:solidFill>
-                  <a:schemeClr val="tx1"/>
-                </a:solidFill>
-                <a:latin typeface="1훈새마을운동 R" panose="02020603020101020101" pitchFamily="18" charset="-127"/>
-                <a:ea typeface="1훈새마을운동 R" panose="02020603020101020101" pitchFamily="18" charset="-127"/>
-              </a:rPr>
-              <a:t>생성자  </a:t>
-            </a:r>
-            <a:r>
-              <a:rPr lang="en-US" altLang="ko-KR" smtClean="0">
-                <a:solidFill>
-                  <a:schemeClr val="tx1"/>
-                </a:solidFill>
-                <a:latin typeface="1훈새마을운동 R" panose="02020603020101020101" pitchFamily="18" charset="-127"/>
-                <a:ea typeface="1훈새마을운동 R" panose="02020603020101020101" pitchFamily="18" charset="-127"/>
-              </a:rPr>
-              <a:t>/ static </a:t>
-            </a:r>
-            <a:r>
-              <a:rPr lang="ko-KR" altLang="en-US" smtClean="0">
-                <a:solidFill>
-                  <a:schemeClr val="tx1"/>
-                </a:solidFill>
-                <a:latin typeface="1훈새마을운동 R" panose="02020603020101020101" pitchFamily="18" charset="-127"/>
-                <a:ea typeface="1훈새마을운동 R" panose="02020603020101020101" pitchFamily="18" charset="-127"/>
-              </a:rPr>
-              <a:t>필드</a:t>
-            </a:r>
-            <a:r>
-              <a:rPr lang="en-US" altLang="ko-KR" smtClean="0">
-                <a:solidFill>
-                  <a:schemeClr val="tx1"/>
-                </a:solidFill>
-                <a:latin typeface="1훈새마을운동 R" panose="02020603020101020101" pitchFamily="18" charset="-127"/>
-                <a:ea typeface="1훈새마을운동 R" panose="02020603020101020101" pitchFamily="18" charset="-127"/>
-              </a:rPr>
-              <a:t>,</a:t>
-            </a:r>
-            <a:r>
-              <a:rPr lang="ko-KR" altLang="en-US" smtClean="0">
-                <a:solidFill>
-                  <a:schemeClr val="tx1"/>
-                </a:solidFill>
-                <a:latin typeface="1훈새마을운동 R" panose="02020603020101020101" pitchFamily="18" charset="-127"/>
-                <a:ea typeface="1훈새마을운동 R" panose="02020603020101020101" pitchFamily="18" charset="-127"/>
-              </a:rPr>
-              <a:t>메소드</a:t>
-            </a:r>
-            <a:r>
-              <a:rPr lang="en-US" altLang="ko-KR" smtClean="0">
-                <a:solidFill>
-                  <a:schemeClr val="tx1"/>
-                </a:solidFill>
-                <a:latin typeface="1훈새마을운동 R" panose="02020603020101020101" pitchFamily="18" charset="-127"/>
-                <a:ea typeface="1훈새마을운동 R" panose="02020603020101020101" pitchFamily="18" charset="-127"/>
-              </a:rPr>
-              <a:t> : </a:t>
-            </a:r>
-            <a:r>
-              <a:rPr lang="ko-KR" altLang="en-US" smtClean="0">
-                <a:solidFill>
-                  <a:schemeClr val="tx1"/>
-                </a:solidFill>
-                <a:latin typeface="1훈새마을운동 R" panose="02020603020101020101" pitchFamily="18" charset="-127"/>
-                <a:ea typeface="1훈새마을운동 R" panose="02020603020101020101" pitchFamily="18" charset="-127"/>
-              </a:rPr>
-              <a:t>객체없이 바로 </a:t>
-            </a:r>
-            <a:r>
-              <a:rPr lang="en-US" altLang="ko-KR" smtClean="0">
-                <a:solidFill>
-                  <a:schemeClr val="tx1"/>
-                </a:solidFill>
-                <a:latin typeface="1훈새마을운동 R" panose="02020603020101020101" pitchFamily="18" charset="-127"/>
-                <a:ea typeface="1훈새마을운동 R" panose="02020603020101020101" pitchFamily="18" charset="-127"/>
-              </a:rPr>
-              <a:t>] </a:t>
-            </a:r>
-            <a:endParaRPr lang="en-US" altLang="ko-KR" smtClean="0">
-              <a:solidFill>
-                <a:schemeClr val="tx1"/>
-              </a:solidFill>
-              <a:latin typeface="1훈새마을운동 R" panose="02020603020101020101" pitchFamily="18" charset="-127"/>
-              <a:ea typeface="1훈새마을운동 R" panose="02020603020101020101" pitchFamily="18" charset="-127"/>
-            </a:endParaRPr>
-          </a:p>
-          <a:p>
-            <a:r>
-              <a:rPr lang="en-US" altLang="ko-KR">
-                <a:solidFill>
-                  <a:schemeClr val="tx1"/>
-                </a:solidFill>
-                <a:latin typeface="1훈새마을운동 R" panose="02020603020101020101" pitchFamily="18" charset="-127"/>
-                <a:ea typeface="1훈새마을운동 R" panose="02020603020101020101" pitchFamily="18" charset="-127"/>
-              </a:rPr>
-              <a:t>	</a:t>
-            </a:r>
-            <a:r>
-              <a:rPr lang="ko-KR" altLang="en-US" smtClean="0">
-                <a:solidFill>
-                  <a:schemeClr val="tx1"/>
-                </a:solidFill>
-                <a:latin typeface="1훈새마을운동 R" panose="02020603020101020101" pitchFamily="18" charset="-127"/>
-                <a:ea typeface="1훈새마을운동 R" panose="02020603020101020101" pitchFamily="18" charset="-127"/>
-              </a:rPr>
-              <a:t>객체명</a:t>
-            </a:r>
-            <a:r>
-              <a:rPr lang="en-US" altLang="ko-KR" smtClean="0">
-                <a:solidFill>
-                  <a:schemeClr val="tx1"/>
-                </a:solidFill>
-                <a:latin typeface="1훈새마을운동 R" panose="02020603020101020101" pitchFamily="18" charset="-127"/>
-                <a:ea typeface="1훈새마을운동 R" panose="02020603020101020101" pitchFamily="18" charset="-127"/>
-              </a:rPr>
-              <a:t>.</a:t>
-            </a:r>
-            <a:r>
-              <a:rPr lang="ko-KR" altLang="en-US" smtClean="0">
-                <a:solidFill>
-                  <a:schemeClr val="tx1"/>
-                </a:solidFill>
-                <a:latin typeface="1훈새마을운동 R" panose="02020603020101020101" pitchFamily="18" charset="-127"/>
-                <a:ea typeface="1훈새마을운동 R" panose="02020603020101020101" pitchFamily="18" charset="-127"/>
-              </a:rPr>
-              <a:t>필드명</a:t>
-            </a:r>
-            <a:r>
-              <a:rPr lang="en-US" altLang="ko-KR" smtClean="0">
-                <a:solidFill>
-                  <a:schemeClr val="tx1"/>
-                </a:solidFill>
-                <a:latin typeface="1훈새마을운동 R" panose="02020603020101020101" pitchFamily="18" charset="-127"/>
-                <a:ea typeface="1훈새마을운동 R" panose="02020603020101020101" pitchFamily="18" charset="-127"/>
-              </a:rPr>
-              <a:t>		</a:t>
-            </a:r>
-            <a:r>
-              <a:rPr lang="ko-KR" altLang="en-US" smtClean="0">
-                <a:solidFill>
-                  <a:schemeClr val="tx1"/>
-                </a:solidFill>
-                <a:latin typeface="1훈새마을운동 R" panose="02020603020101020101" pitchFamily="18" charset="-127"/>
-                <a:ea typeface="1훈새마을운동 R" panose="02020603020101020101" pitchFamily="18" charset="-127"/>
-              </a:rPr>
-              <a:t>객체명</a:t>
-            </a:r>
-            <a:r>
-              <a:rPr lang="en-US" altLang="ko-KR" smtClean="0">
-                <a:solidFill>
-                  <a:schemeClr val="tx1"/>
-                </a:solidFill>
-                <a:latin typeface="1훈새마을운동 R" panose="02020603020101020101" pitchFamily="18" charset="-127"/>
-                <a:ea typeface="1훈새마을운동 R" panose="02020603020101020101" pitchFamily="18" charset="-127"/>
-              </a:rPr>
-              <a:t>.</a:t>
-            </a:r>
-            <a:r>
-              <a:rPr lang="ko-KR" altLang="en-US" smtClean="0">
-                <a:solidFill>
-                  <a:schemeClr val="tx1"/>
-                </a:solidFill>
-                <a:latin typeface="1훈새마을운동 R" panose="02020603020101020101" pitchFamily="18" charset="-127"/>
-                <a:ea typeface="1훈새마을운동 R" panose="02020603020101020101" pitchFamily="18" charset="-127"/>
-              </a:rPr>
-              <a:t>메소드명</a:t>
-            </a:r>
-            <a:r>
-              <a:rPr lang="en-US" altLang="ko-KR" smtClean="0">
-                <a:solidFill>
-                  <a:schemeClr val="tx1"/>
-                </a:solidFill>
-                <a:latin typeface="1훈새마을운동 R" panose="02020603020101020101" pitchFamily="18" charset="-127"/>
-                <a:ea typeface="1훈새마을운동 R" panose="02020603020101020101" pitchFamily="18" charset="-127"/>
-              </a:rPr>
-              <a:t>( ) 			new </a:t>
-            </a:r>
-            <a:r>
-              <a:rPr lang="ko-KR" altLang="en-US" smtClean="0">
-                <a:solidFill>
-                  <a:schemeClr val="tx1"/>
-                </a:solidFill>
-                <a:latin typeface="1훈새마을운동 R" panose="02020603020101020101" pitchFamily="18" charset="-127"/>
-                <a:ea typeface="1훈새마을운동 R" panose="02020603020101020101" pitchFamily="18" charset="-127"/>
-              </a:rPr>
-              <a:t>생성자</a:t>
-            </a:r>
-            <a:r>
-              <a:rPr lang="en-US" altLang="ko-KR" smtClean="0">
-                <a:solidFill>
-                  <a:schemeClr val="tx1"/>
-                </a:solidFill>
-                <a:latin typeface="1훈새마을운동 R" panose="02020603020101020101" pitchFamily="18" charset="-127"/>
-                <a:ea typeface="1훈새마을운동 R" panose="02020603020101020101" pitchFamily="18" charset="-127"/>
-              </a:rPr>
-              <a:t>( ) </a:t>
-            </a:r>
-            <a:endParaRPr lang="en-US" altLang="ko-KR" smtClean="0">
+            <a:endParaRPr lang="en-US" altLang="ko-KR" dirty="0" smtClean="0">
               <a:solidFill>
                 <a:schemeClr val="tx1"/>
               </a:solidFill>
@@ -5930,7 +5282,7 @@
           <a:lstStyle/>
           <a:p>
             <a:r>
-              <a:rPr lang="ko-KR" altLang="en-US" smtClean="0">
+              <a:rPr lang="ko-KR" altLang="en-US" dirty="0" smtClean="0">
                 <a:solidFill>
                   <a:schemeClr val="tx1"/>
                 </a:solidFill>
@@ -5940,7 +5292,7 @@
               <a:t>필드 </a:t>
             </a:r>
             <a:r>
-              <a:rPr lang="en-US" altLang="ko-KR" smtClean="0">
+              <a:rPr lang="en-US" altLang="ko-KR" dirty="0" smtClean="0">
                 <a:solidFill>
                   <a:schemeClr val="tx1"/>
                 </a:solidFill>
@@ -5950,7 +5302,7 @@
               <a:t>[ </a:t>
             </a:r>
             <a:r>
-              <a:rPr lang="ko-KR" altLang="en-US" smtClean="0">
+              <a:rPr lang="ko-KR" altLang="en-US" dirty="0" smtClean="0">
                 <a:solidFill>
                   <a:schemeClr val="tx1"/>
                 </a:solidFill>
@@ -5960,7 +5312,7 @@
               <a:t>상태 </a:t>
             </a:r>
             <a:r>
-              <a:rPr lang="en-US" altLang="ko-KR" smtClean="0">
+              <a:rPr lang="en-US" altLang="ko-KR" dirty="0" smtClean="0">
                 <a:solidFill>
                   <a:schemeClr val="tx1"/>
                 </a:solidFill>
@@ -5972,7 +5324,7 @@
           </a:p>
           <a:p>
             <a:r>
-              <a:rPr lang="en-US" altLang="ko-KR" smtClean="0">
+              <a:rPr lang="en-US" altLang="ko-KR" dirty="0" smtClean="0">
                 <a:solidFill>
                   <a:schemeClr val="tx1"/>
                 </a:solidFill>
@@ -5982,7 +5334,7 @@
               <a:t>  1. </a:t>
             </a:r>
             <a:r>
-              <a:rPr lang="ko-KR" altLang="en-US" smtClean="0">
+              <a:rPr lang="ko-KR" altLang="en-US" dirty="0" smtClean="0">
                 <a:solidFill>
                   <a:schemeClr val="tx1"/>
                 </a:solidFill>
@@ -5991,7 +5343,7 @@
               </a:rPr>
               <a:t>변수</a:t>
             </a:r>
-            <a:endParaRPr lang="en-US" altLang="ko-KR" smtClean="0">
+            <a:endParaRPr lang="en-US" altLang="ko-KR" dirty="0" smtClean="0">
               <a:solidFill>
                 <a:schemeClr val="tx1"/>
               </a:solidFill>
@@ -6001,7 +5353,7 @@
           </a:p>
           <a:p>
             <a:r>
-              <a:rPr lang="en-US" altLang="ko-KR">
+              <a:rPr lang="en-US" altLang="ko-KR" dirty="0">
                 <a:solidFill>
                   <a:schemeClr val="tx1"/>
                 </a:solidFill>
@@ -6011,7 +5363,7 @@
               <a:t> </a:t>
             </a:r>
             <a:r>
-              <a:rPr lang="en-US" altLang="ko-KR" smtClean="0">
+              <a:rPr lang="en-US" altLang="ko-KR" dirty="0" smtClean="0">
                 <a:solidFill>
                   <a:schemeClr val="tx1"/>
                 </a:solidFill>
@@ -6021,7 +5373,7 @@
               <a:t> 2. </a:t>
             </a:r>
             <a:r>
-              <a:rPr lang="ko-KR" altLang="en-US" smtClean="0">
+              <a:rPr lang="ko-KR" altLang="en-US" dirty="0" smtClean="0">
                 <a:solidFill>
                   <a:schemeClr val="tx1"/>
                 </a:solidFill>
@@ -6031,7 +5383,7 @@
               <a:t>상수</a:t>
             </a:r>
             <a:r>
-              <a:rPr lang="en-US" altLang="ko-KR" smtClean="0">
+              <a:rPr lang="en-US" altLang="ko-KR" dirty="0" smtClean="0">
                 <a:solidFill>
                   <a:schemeClr val="tx1"/>
                 </a:solidFill>
@@ -6041,7 +5393,7 @@
               <a:t>[ final ]</a:t>
             </a:r>
             <a:r>
-              <a:rPr lang="ko-KR" altLang="en-US" smtClean="0">
+              <a:rPr lang="ko-KR" altLang="en-US" dirty="0" smtClean="0">
                 <a:solidFill>
                   <a:schemeClr val="tx1"/>
                 </a:solidFill>
@@ -6050,7 +5402,7 @@
               </a:rPr>
               <a:t>  </a:t>
             </a:r>
-            <a:endParaRPr lang="en-US" altLang="ko-KR" smtClean="0">
+            <a:endParaRPr lang="en-US" altLang="ko-KR" dirty="0" smtClean="0">
               <a:solidFill>
                 <a:schemeClr val="tx1"/>
               </a:solidFill>
@@ -6060,7 +5412,7 @@
           </a:p>
           <a:p>
             <a:r>
-              <a:rPr lang="en-US" altLang="ko-KR" smtClean="0">
+              <a:rPr lang="en-US" altLang="ko-KR" dirty="0" smtClean="0">
                 <a:solidFill>
                   <a:schemeClr val="tx1"/>
                 </a:solidFill>
@@ -6070,7 +5422,7 @@
               <a:t>  3. </a:t>
             </a:r>
             <a:r>
-              <a:rPr lang="ko-KR" altLang="en-US" smtClean="0">
+              <a:rPr lang="ko-KR" altLang="en-US" dirty="0" smtClean="0">
                 <a:solidFill>
                   <a:schemeClr val="tx1"/>
                 </a:solidFill>
@@ -6079,7 +5431,7 @@
               </a:rPr>
               <a:t>객체</a:t>
             </a:r>
-            <a:endParaRPr lang="en-US" altLang="ko-KR" smtClean="0">
+            <a:endParaRPr lang="en-US" altLang="ko-KR" dirty="0" smtClean="0">
               <a:solidFill>
                 <a:schemeClr val="tx1"/>
               </a:solidFill>
@@ -6089,7 +5441,7 @@
           </a:p>
           <a:p>
             <a:r>
-              <a:rPr lang="en-US" altLang="ko-KR" smtClean="0">
+              <a:rPr lang="en-US" altLang="ko-KR" dirty="0" smtClean="0">
                 <a:solidFill>
                   <a:schemeClr val="tx1"/>
                 </a:solidFill>
@@ -6099,7 +5451,7 @@
               <a:t>  4. static </a:t>
             </a:r>
             <a:r>
-              <a:rPr lang="ko-KR" altLang="en-US" smtClean="0">
+              <a:rPr lang="ko-KR" altLang="en-US" dirty="0" smtClean="0">
                 <a:solidFill>
                   <a:schemeClr val="tx1"/>
                 </a:solidFill>
@@ -6109,7 +5461,7 @@
               <a:t>변수</a:t>
             </a:r>
             <a:r>
-              <a:rPr lang="en-US" altLang="ko-KR" smtClean="0">
+              <a:rPr lang="en-US" altLang="ko-KR" dirty="0" smtClean="0">
                 <a:solidFill>
                   <a:schemeClr val="tx1"/>
                 </a:solidFill>
@@ -6121,7 +5473,7 @@
           </a:p>
           <a:p>
             <a:r>
-              <a:rPr lang="ko-KR" altLang="en-US" smtClean="0">
+              <a:rPr lang="ko-KR" altLang="en-US" dirty="0" smtClean="0">
                 <a:solidFill>
                   <a:schemeClr val="tx1"/>
                 </a:solidFill>
@@ -6131,7 +5483,7 @@
               <a:t>  </a:t>
             </a:r>
             <a:r>
-              <a:rPr lang="en-US" altLang="ko-KR">
+              <a:rPr lang="en-US" altLang="ko-KR" dirty="0">
                 <a:solidFill>
                   <a:schemeClr val="tx1"/>
                 </a:solidFill>
@@ -6141,7 +5493,7 @@
               <a:t>5</a:t>
             </a:r>
             <a:r>
-              <a:rPr lang="en-US" altLang="ko-KR" smtClean="0">
+              <a:rPr lang="en-US" altLang="ko-KR" dirty="0" smtClean="0">
                 <a:solidFill>
                   <a:schemeClr val="tx1"/>
                 </a:solidFill>
@@ -6151,7 +5503,7 @@
               <a:t>. </a:t>
             </a:r>
             <a:r>
-              <a:rPr lang="ko-KR" altLang="en-US" smtClean="0">
+              <a:rPr lang="ko-KR" altLang="en-US" dirty="0" smtClean="0">
                 <a:solidFill>
                   <a:schemeClr val="tx1"/>
                 </a:solidFill>
@@ -6160,7 +5512,7 @@
               </a:rPr>
               <a:t>인터페이스</a:t>
             </a:r>
-            <a:endParaRPr lang="en-US" altLang="ko-KR" smtClean="0">
+            <a:endParaRPr lang="en-US" altLang="ko-KR" dirty="0" smtClean="0">
               <a:solidFill>
                 <a:schemeClr val="tx1"/>
               </a:solidFill>
@@ -6170,7 +5522,7 @@
           </a:p>
           <a:p>
             <a:r>
-              <a:rPr lang="ko-KR" altLang="en-US" smtClean="0">
+              <a:rPr lang="ko-KR" altLang="en-US" dirty="0" smtClean="0">
                 <a:solidFill>
                   <a:schemeClr val="tx1"/>
                 </a:solidFill>
@@ -6180,27 +5532,17 @@
               <a:t> </a:t>
             </a:r>
             <a:r>
-              <a:rPr lang="en-US" altLang="ko-KR">
-                <a:solidFill>
-                  <a:schemeClr val="tx1"/>
-                </a:solidFill>
-                <a:latin typeface="1훈새마을운동 R" panose="02020603020101020101" pitchFamily="18" charset="-127"/>
-                <a:ea typeface="1훈새마을운동 R" panose="02020603020101020101" pitchFamily="18" charset="-127"/>
-              </a:rPr>
-              <a:t> </a:t>
-            </a:r>
-            <a:r>
-              <a:rPr lang="en-US" altLang="ko-KR">
-                <a:solidFill>
-                  <a:schemeClr val="tx1"/>
-                </a:solidFill>
-                <a:latin typeface="1훈새마을운동 R" panose="02020603020101020101" pitchFamily="18" charset="-127"/>
-                <a:ea typeface="1훈새마을운동 R" panose="02020603020101020101" pitchFamily="18" charset="-127"/>
-              </a:rPr>
-              <a:t>6</a:t>
-            </a:r>
-            <a:r>
-              <a:rPr lang="en-US" altLang="ko-KR" smtClean="0">
+              <a:rPr lang="en-US" altLang="ko-KR" dirty="0">
+                <a:solidFill>
+                  <a:schemeClr val="tx1"/>
+                </a:solidFill>
+                <a:latin typeface="1훈새마을운동 R" panose="02020603020101020101" pitchFamily="18" charset="-127"/>
+                <a:ea typeface="1훈새마을운동 R" panose="02020603020101020101" pitchFamily="18" charset="-127"/>
+              </a:rPr>
+              <a:t> 6</a:t>
+            </a:r>
+            <a:r>
+              <a:rPr lang="en-US" altLang="ko-KR" dirty="0" smtClean="0">
                 <a:solidFill>
                   <a:schemeClr val="tx1"/>
                 </a:solidFill>
@@ -6210,7 +5552,7 @@
               <a:t>. </a:t>
             </a:r>
             <a:r>
-              <a:rPr lang="ko-KR" altLang="en-US" smtClean="0">
+              <a:rPr lang="ko-KR" altLang="en-US" dirty="0" smtClean="0">
                 <a:solidFill>
                   <a:schemeClr val="tx1"/>
                 </a:solidFill>
@@ -6219,7 +5561,7 @@
               </a:rPr>
               <a:t>컬렉션프레임워크</a:t>
             </a:r>
-            <a:endParaRPr lang="en-US" altLang="ko-KR" smtClean="0">
+            <a:endParaRPr lang="en-US" altLang="ko-KR" dirty="0" smtClean="0">
               <a:solidFill>
                 <a:schemeClr val="tx1"/>
               </a:solidFill>
@@ -6228,7 +5570,7 @@
             </a:endParaRPr>
           </a:p>
           <a:p>
-            <a:endParaRPr lang="en-US" altLang="ko-KR" smtClean="0">
+            <a:endParaRPr lang="en-US" altLang="ko-KR" dirty="0" smtClean="0">
               <a:solidFill>
                 <a:schemeClr val="tx1"/>
               </a:solidFill>
@@ -6246,8 +5588,8 @@
         </p:nvSpPr>
         <p:spPr>
           <a:xfrm>
-            <a:off x="6921560" y="1916832"/>
-            <a:ext cx="2736304" cy="2376264"/>
+            <a:off x="6921560" y="-387424"/>
+            <a:ext cx="2736304" cy="4680520"/>
           </a:xfrm>
           <a:prstGeom prst="rect">
             <a:avLst/>
@@ -6273,7 +5615,7 @@
           <a:lstStyle/>
           <a:p>
             <a:r>
-              <a:rPr lang="ko-KR" altLang="en-US" smtClean="0">
+              <a:rPr lang="ko-KR" altLang="en-US" dirty="0" err="1" smtClean="0">
                 <a:solidFill>
                   <a:schemeClr val="tx1"/>
                 </a:solidFill>
@@ -6283,7 +5625,7 @@
               <a:t>생성자</a:t>
             </a:r>
             <a:r>
-              <a:rPr lang="en-US" altLang="ko-KR" smtClean="0">
+              <a:rPr lang="en-US" altLang="ko-KR" dirty="0" smtClean="0">
                 <a:solidFill>
                   <a:schemeClr val="tx1"/>
                 </a:solidFill>
@@ -6293,7 +5635,7 @@
               <a:t>[ </a:t>
             </a:r>
             <a:r>
-              <a:rPr lang="ko-KR" altLang="en-US" smtClean="0">
+              <a:rPr lang="ko-KR" altLang="en-US" dirty="0" smtClean="0">
                 <a:solidFill>
                   <a:schemeClr val="tx1"/>
                 </a:solidFill>
@@ -6303,7 +5645,7 @@
               <a:t>객체의 초기값 </a:t>
             </a:r>
             <a:r>
-              <a:rPr lang="en-US" altLang="ko-KR" smtClean="0">
+              <a:rPr lang="en-US" altLang="ko-KR" dirty="0" smtClean="0">
                 <a:solidFill>
                   <a:schemeClr val="tx1"/>
                 </a:solidFill>
@@ -6315,7 +5657,7 @@
           </a:p>
           <a:p>
             <a:r>
-              <a:rPr lang="en-US" altLang="ko-KR">
+              <a:rPr lang="en-US" altLang="ko-KR" dirty="0">
                 <a:solidFill>
                   <a:schemeClr val="tx1"/>
                 </a:solidFill>
@@ -6325,7 +5667,7 @@
               <a:t> </a:t>
             </a:r>
             <a:r>
-              <a:rPr lang="en-US" altLang="ko-KR" smtClean="0">
+              <a:rPr lang="en-US" altLang="ko-KR" dirty="0" smtClean="0">
                 <a:solidFill>
                   <a:schemeClr val="tx1"/>
                 </a:solidFill>
@@ -6335,16 +5677,36 @@
               <a:t> 1. </a:t>
             </a:r>
             <a:r>
-              <a:rPr lang="ko-KR" altLang="en-US" smtClean="0">
-                <a:solidFill>
-                  <a:schemeClr val="tx1"/>
-                </a:solidFill>
-                <a:latin typeface="1훈새마을운동 R" panose="02020603020101020101" pitchFamily="18" charset="-127"/>
-                <a:ea typeface="1훈새마을운동 R" panose="02020603020101020101" pitchFamily="18" charset="-127"/>
-              </a:rPr>
-              <a:t>빈 생성자 </a:t>
-            </a:r>
-            <a:endParaRPr lang="en-US" altLang="ko-KR" smtClean="0">
+              <a:rPr lang="ko-KR" altLang="en-US" dirty="0" smtClean="0">
+                <a:solidFill>
+                  <a:schemeClr val="tx1"/>
+                </a:solidFill>
+                <a:latin typeface="1훈새마을운동 R" panose="02020603020101020101" pitchFamily="18" charset="-127"/>
+                <a:ea typeface="1훈새마을운동 R" panose="02020603020101020101" pitchFamily="18" charset="-127"/>
+              </a:rPr>
+              <a:t>빈 </a:t>
+            </a:r>
+            <a:r>
+              <a:rPr lang="ko-KR" altLang="en-US" dirty="0" err="1" smtClean="0">
+                <a:solidFill>
+                  <a:schemeClr val="tx1"/>
+                </a:solidFill>
+                <a:latin typeface="1훈새마을운동 R" panose="02020603020101020101" pitchFamily="18" charset="-127"/>
+                <a:ea typeface="1훈새마을운동 R" panose="02020603020101020101" pitchFamily="18" charset="-127"/>
+              </a:rPr>
+              <a:t>생성자</a:t>
+            </a:r>
+            <a:r>
+              <a:rPr lang="ko-KR" altLang="en-US" dirty="0" smtClean="0">
+                <a:solidFill>
+                  <a:schemeClr val="tx1"/>
+                </a:solidFill>
+                <a:latin typeface="1훈새마을운동 R" panose="02020603020101020101" pitchFamily="18" charset="-127"/>
+                <a:ea typeface="1훈새마을운동 R" panose="02020603020101020101" pitchFamily="18" charset="-127"/>
+              </a:rPr>
+              <a:t> </a:t>
+            </a:r>
+            <a:endParaRPr lang="en-US" altLang="ko-KR" dirty="0" smtClean="0">
               <a:solidFill>
                 <a:schemeClr val="tx1"/>
               </a:solidFill>
@@ -6354,7 +5716,7 @@
           </a:p>
           <a:p>
             <a:r>
-              <a:rPr lang="en-US" altLang="ko-KR">
+              <a:rPr lang="en-US" altLang="ko-KR" dirty="0">
                 <a:solidFill>
                   <a:schemeClr val="tx1"/>
                 </a:solidFill>
@@ -6364,7 +5726,7 @@
               <a:t> </a:t>
             </a:r>
             <a:r>
-              <a:rPr lang="en-US" altLang="ko-KR" smtClean="0">
+              <a:rPr lang="en-US" altLang="ko-KR" dirty="0" smtClean="0">
                 <a:solidFill>
                   <a:schemeClr val="tx1"/>
                 </a:solidFill>
@@ -6374,16 +5736,26 @@
               <a:t> 2. </a:t>
             </a:r>
             <a:r>
-              <a:rPr lang="ko-KR" altLang="en-US" smtClean="0">
-                <a:solidFill>
-                  <a:schemeClr val="tx1"/>
-                </a:solidFill>
-                <a:latin typeface="1훈새마을운동 R" panose="02020603020101020101" pitchFamily="18" charset="-127"/>
-                <a:ea typeface="1훈새마을운동 R" panose="02020603020101020101" pitchFamily="18" charset="-127"/>
-              </a:rPr>
-              <a:t>모든 필드를 받는 생성자</a:t>
-            </a:r>
-            <a:endParaRPr lang="en-US" altLang="ko-KR" smtClean="0">
+              <a:rPr lang="ko-KR" altLang="en-US" dirty="0" smtClean="0">
+                <a:solidFill>
+                  <a:schemeClr val="tx1"/>
+                </a:solidFill>
+                <a:latin typeface="1훈새마을운동 R" panose="02020603020101020101" pitchFamily="18" charset="-127"/>
+                <a:ea typeface="1훈새마을운동 R" panose="02020603020101020101" pitchFamily="18" charset="-127"/>
+              </a:rPr>
+              <a:t>모든 필드를 받는 </a:t>
+            </a:r>
+            <a:r>
+              <a:rPr lang="ko-KR" altLang="en-US" dirty="0" err="1" smtClean="0">
+                <a:solidFill>
+                  <a:schemeClr val="tx1"/>
+                </a:solidFill>
+                <a:latin typeface="1훈새마을운동 R" panose="02020603020101020101" pitchFamily="18" charset="-127"/>
+                <a:ea typeface="1훈새마을운동 R" panose="02020603020101020101" pitchFamily="18" charset="-127"/>
+              </a:rPr>
+              <a:t>생성자</a:t>
+            </a:r>
+            <a:endParaRPr lang="en-US" altLang="ko-KR" dirty="0" smtClean="0">
               <a:solidFill>
                 <a:schemeClr val="tx1"/>
               </a:solidFill>
@@ -6393,7 +5765,7 @@
           </a:p>
           <a:p>
             <a:r>
-              <a:rPr lang="en-US" altLang="ko-KR">
+              <a:rPr lang="en-US" altLang="ko-KR" dirty="0">
                 <a:solidFill>
                   <a:schemeClr val="tx1"/>
                 </a:solidFill>
@@ -6403,7 +5775,7 @@
               <a:t> </a:t>
             </a:r>
             <a:r>
-              <a:rPr lang="en-US" altLang="ko-KR" smtClean="0">
+              <a:rPr lang="en-US" altLang="ko-KR" dirty="0" smtClean="0">
                 <a:solidFill>
                   <a:schemeClr val="tx1"/>
                 </a:solidFill>
@@ -6413,16 +5785,36 @@
               <a:t> 3. </a:t>
             </a:r>
             <a:r>
-              <a:rPr lang="ko-KR" altLang="en-US" smtClean="0">
-                <a:solidFill>
-                  <a:schemeClr val="tx1"/>
-                </a:solidFill>
-                <a:latin typeface="1훈새마을운동 R" panose="02020603020101020101" pitchFamily="18" charset="-127"/>
-                <a:ea typeface="1훈새마을운동 R" panose="02020603020101020101" pitchFamily="18" charset="-127"/>
-              </a:rPr>
-              <a:t>특정 필드를 받는 생성자 </a:t>
-            </a:r>
-            <a:endParaRPr lang="en-US" altLang="ko-KR" smtClean="0">
+              <a:rPr lang="ko-KR" altLang="en-US" dirty="0" smtClean="0">
+                <a:solidFill>
+                  <a:schemeClr val="tx1"/>
+                </a:solidFill>
+                <a:latin typeface="1훈새마을운동 R" panose="02020603020101020101" pitchFamily="18" charset="-127"/>
+                <a:ea typeface="1훈새마을운동 R" panose="02020603020101020101" pitchFamily="18" charset="-127"/>
+              </a:rPr>
+              <a:t>특정 필드를 받는 </a:t>
+            </a:r>
+            <a:r>
+              <a:rPr lang="ko-KR" altLang="en-US" dirty="0" err="1" smtClean="0">
+                <a:solidFill>
+                  <a:schemeClr val="tx1"/>
+                </a:solidFill>
+                <a:latin typeface="1훈새마을운동 R" panose="02020603020101020101" pitchFamily="18" charset="-127"/>
+                <a:ea typeface="1훈새마을운동 R" panose="02020603020101020101" pitchFamily="18" charset="-127"/>
+              </a:rPr>
+              <a:t>생성자</a:t>
+            </a:r>
+            <a:r>
+              <a:rPr lang="ko-KR" altLang="en-US" dirty="0" smtClean="0">
+                <a:solidFill>
+                  <a:schemeClr val="tx1"/>
+                </a:solidFill>
+                <a:latin typeface="1훈새마을운동 R" panose="02020603020101020101" pitchFamily="18" charset="-127"/>
+                <a:ea typeface="1훈새마을운동 R" panose="02020603020101020101" pitchFamily="18" charset="-127"/>
+              </a:rPr>
+              <a:t> </a:t>
+            </a:r>
+            <a:endParaRPr lang="en-US" altLang="ko-KR" dirty="0" smtClean="0">
               <a:solidFill>
                 <a:schemeClr val="tx1"/>
               </a:solidFill>
@@ -6432,7 +5824,7 @@
           </a:p>
           <a:p>
             <a:r>
-              <a:rPr lang="en-US" altLang="ko-KR" smtClean="0">
+              <a:rPr lang="en-US" altLang="ko-KR" dirty="0" smtClean="0">
                 <a:solidFill>
                   <a:schemeClr val="tx1"/>
                 </a:solidFill>
@@ -6444,7 +5836,7 @@
           </a:p>
           <a:p>
             <a:r>
-              <a:rPr lang="en-US" altLang="ko-KR">
+              <a:rPr lang="en-US" altLang="ko-KR" dirty="0">
                 <a:solidFill>
                   <a:schemeClr val="tx1"/>
                 </a:solidFill>
@@ -6454,7 +5846,7 @@
               <a:t> </a:t>
             </a:r>
             <a:r>
-              <a:rPr lang="en-US" altLang="ko-KR" smtClean="0">
+              <a:rPr lang="en-US" altLang="ko-KR" dirty="0" smtClean="0">
                 <a:solidFill>
                   <a:schemeClr val="tx1"/>
                 </a:solidFill>
@@ -6464,16 +5856,26 @@
               <a:t> * Setter </a:t>
             </a:r>
             <a:r>
-              <a:rPr lang="ko-KR" altLang="en-US" smtClean="0">
-                <a:solidFill>
-                  <a:schemeClr val="tx1"/>
-                </a:solidFill>
-                <a:latin typeface="1훈새마을운동 R" panose="02020603020101020101" pitchFamily="18" charset="-127"/>
-                <a:ea typeface="1훈새마을운동 R" panose="02020603020101020101" pitchFamily="18" charset="-127"/>
-              </a:rPr>
-              <a:t>메소드를 통한 필드      접근 </a:t>
-            </a:r>
-            <a:endParaRPr lang="en-US" altLang="ko-KR">
+              <a:rPr lang="ko-KR" altLang="en-US" dirty="0" err="1" smtClean="0">
+                <a:solidFill>
+                  <a:schemeClr val="tx1"/>
+                </a:solidFill>
+                <a:latin typeface="1훈새마을운동 R" panose="02020603020101020101" pitchFamily="18" charset="-127"/>
+                <a:ea typeface="1훈새마을운동 R" panose="02020603020101020101" pitchFamily="18" charset="-127"/>
+              </a:rPr>
+              <a:t>메소드를</a:t>
+            </a:r>
+            <a:r>
+              <a:rPr lang="ko-KR" altLang="en-US" dirty="0" smtClean="0">
+                <a:solidFill>
+                  <a:schemeClr val="tx1"/>
+                </a:solidFill>
+                <a:latin typeface="1훈새마을운동 R" panose="02020603020101020101" pitchFamily="18" charset="-127"/>
+                <a:ea typeface="1훈새마을운동 R" panose="02020603020101020101" pitchFamily="18" charset="-127"/>
+              </a:rPr>
+              <a:t> 통한 필드      접근 </a:t>
+            </a:r>
+            <a:endParaRPr lang="en-US" altLang="ko-KR" dirty="0">
               <a:solidFill>
                 <a:schemeClr val="tx1"/>
               </a:solidFill>
@@ -6482,7 +5884,7 @@
             </a:endParaRPr>
           </a:p>
           <a:p>
-            <a:endParaRPr lang="en-US" altLang="ko-KR" smtClean="0">
+            <a:endParaRPr lang="en-US" altLang="ko-KR" dirty="0" smtClean="0">
               <a:solidFill>
                 <a:schemeClr val="tx1"/>
               </a:solidFill>
@@ -6491,7 +5893,7 @@
             </a:endParaRPr>
           </a:p>
           <a:p>
-            <a:endParaRPr lang="en-US" altLang="ko-KR" smtClean="0">
+            <a:endParaRPr lang="en-US" altLang="ko-KR" dirty="0" smtClean="0">
               <a:solidFill>
                 <a:schemeClr val="tx1"/>
               </a:solidFill>
@@ -6500,7 +5902,7 @@
             </a:endParaRPr>
           </a:p>
           <a:p>
-            <a:endParaRPr lang="en-US" altLang="ko-KR" smtClean="0">
+            <a:endParaRPr lang="en-US" altLang="ko-KR" dirty="0" smtClean="0">
               <a:solidFill>
                 <a:schemeClr val="tx1"/>
               </a:solidFill>
@@ -6509,7 +5911,7 @@
             </a:endParaRPr>
           </a:p>
           <a:p>
-            <a:endParaRPr lang="en-US" altLang="ko-KR" smtClean="0">
+            <a:endParaRPr lang="en-US" altLang="ko-KR" dirty="0" smtClean="0">
               <a:solidFill>
                 <a:schemeClr val="tx1"/>
               </a:solidFill>
@@ -6527,8 +5929,8 @@
         </p:nvSpPr>
         <p:spPr>
           <a:xfrm>
-            <a:off x="3177144" y="1916832"/>
-            <a:ext cx="3312368" cy="2376264"/>
+            <a:off x="3177144" y="-739284"/>
+            <a:ext cx="3312368" cy="4456315"/>
           </a:xfrm>
           <a:prstGeom prst="rect">
             <a:avLst/>
@@ -6554,7 +5956,7 @@
           <a:lstStyle/>
           <a:p>
             <a:r>
-              <a:rPr lang="ko-KR" altLang="en-US" smtClean="0">
+              <a:rPr lang="ko-KR" altLang="en-US" dirty="0" err="1" smtClean="0">
                 <a:solidFill>
                   <a:schemeClr val="tx1"/>
                 </a:solidFill>
@@ -6564,7 +5966,7 @@
               <a:t>메소드</a:t>
             </a:r>
             <a:r>
-              <a:rPr lang="en-US" altLang="ko-KR" smtClean="0">
+              <a:rPr lang="en-US" altLang="ko-KR" dirty="0" smtClean="0">
                 <a:solidFill>
                   <a:schemeClr val="tx1"/>
                 </a:solidFill>
@@ -6574,7 +5976,7 @@
               <a:t>[ </a:t>
             </a:r>
             <a:r>
-              <a:rPr lang="ko-KR" altLang="en-US" smtClean="0">
+              <a:rPr lang="ko-KR" altLang="en-US" dirty="0" smtClean="0">
                 <a:solidFill>
                   <a:schemeClr val="tx1"/>
                 </a:solidFill>
@@ -6584,7 +5986,7 @@
               <a:t>행동 </a:t>
             </a:r>
             <a:r>
-              <a:rPr lang="en-US" altLang="ko-KR" smtClean="0">
+              <a:rPr lang="en-US" altLang="ko-KR" dirty="0" smtClean="0">
                 <a:solidFill>
                   <a:schemeClr val="tx1"/>
                 </a:solidFill>
@@ -6596,7 +5998,7 @@
           </a:p>
           <a:p>
             <a:r>
-              <a:rPr lang="en-US" altLang="ko-KR">
+              <a:rPr lang="en-US" altLang="ko-KR" dirty="0">
                 <a:solidFill>
                   <a:schemeClr val="tx1"/>
                 </a:solidFill>
@@ -6606,7 +6008,7 @@
               <a:t> </a:t>
             </a:r>
             <a:r>
-              <a:rPr lang="en-US" altLang="ko-KR" smtClean="0">
+              <a:rPr lang="en-US" altLang="ko-KR" dirty="0" smtClean="0">
                 <a:solidFill>
                   <a:schemeClr val="tx1"/>
                 </a:solidFill>
@@ -6616,7 +6018,7 @@
               <a:t>1.Getter , Setter [ </a:t>
             </a:r>
             <a:r>
-              <a:rPr lang="ko-KR" altLang="en-US" smtClean="0">
+              <a:rPr lang="ko-KR" altLang="en-US" dirty="0" smtClean="0">
                 <a:solidFill>
                   <a:schemeClr val="tx1"/>
                 </a:solidFill>
@@ -6626,7 +6028,7 @@
               <a:t>필드 </a:t>
             </a:r>
             <a:r>
-              <a:rPr lang="en-US" altLang="ko-KR" smtClean="0">
+              <a:rPr lang="en-US" altLang="ko-KR" dirty="0" smtClean="0">
                 <a:solidFill>
                   <a:schemeClr val="tx1"/>
                 </a:solidFill>
@@ -6638,7 +6040,7 @@
           </a:p>
           <a:p>
             <a:r>
-              <a:rPr lang="en-US" altLang="ko-KR">
+              <a:rPr lang="en-US" altLang="ko-KR" dirty="0">
                 <a:solidFill>
                   <a:schemeClr val="tx1"/>
                 </a:solidFill>
@@ -6648,7 +6050,7 @@
               <a:t> </a:t>
             </a:r>
             <a:r>
-              <a:rPr lang="en-US" altLang="ko-KR" smtClean="0">
+              <a:rPr lang="en-US" altLang="ko-KR" dirty="0" smtClean="0">
                 <a:solidFill>
                   <a:schemeClr val="tx1"/>
                 </a:solidFill>
@@ -6658,17 +6060,27 @@
               <a:t>2.Controller [ </a:t>
             </a:r>
             <a:r>
-              <a:rPr lang="ko-KR" altLang="en-US" smtClean="0">
-                <a:solidFill>
-                  <a:schemeClr val="tx1"/>
-                </a:solidFill>
-                <a:latin typeface="1훈새마을운동 R" panose="02020603020101020101" pitchFamily="18" charset="-127"/>
-                <a:ea typeface="1훈새마을운동 R" panose="02020603020101020101" pitchFamily="18" charset="-127"/>
-              </a:rPr>
-              <a:t>여러가지 기능 </a:t>
-            </a:r>
-            <a:r>
-              <a:rPr lang="en-US" altLang="ko-KR" smtClean="0">
+              <a:rPr lang="ko-KR" altLang="en-US" dirty="0" err="1" smtClean="0">
+                <a:solidFill>
+                  <a:schemeClr val="tx1"/>
+                </a:solidFill>
+                <a:latin typeface="1훈새마을운동 R" panose="02020603020101020101" pitchFamily="18" charset="-127"/>
+                <a:ea typeface="1훈새마을운동 R" panose="02020603020101020101" pitchFamily="18" charset="-127"/>
+              </a:rPr>
+              <a:t>여러가지</a:t>
+            </a:r>
+            <a:r>
+              <a:rPr lang="ko-KR" altLang="en-US" dirty="0" smtClean="0">
+                <a:solidFill>
+                  <a:schemeClr val="tx1"/>
+                </a:solidFill>
+                <a:latin typeface="1훈새마을운동 R" panose="02020603020101020101" pitchFamily="18" charset="-127"/>
+                <a:ea typeface="1훈새마을운동 R" panose="02020603020101020101" pitchFamily="18" charset="-127"/>
+              </a:rPr>
+              <a:t> 기능 </a:t>
+            </a:r>
+            <a:r>
+              <a:rPr lang="en-US" altLang="ko-KR" dirty="0" smtClean="0">
                 <a:solidFill>
                   <a:schemeClr val="tx1"/>
                 </a:solidFill>
@@ -6680,7 +6092,7 @@
           </a:p>
           <a:p>
             <a:r>
-              <a:rPr lang="en-US" altLang="ko-KR">
+              <a:rPr lang="en-US" altLang="ko-KR" dirty="0">
                 <a:solidFill>
                   <a:schemeClr val="tx1"/>
                 </a:solidFill>
@@ -6690,7 +6102,7 @@
               <a:t> </a:t>
             </a:r>
             <a:r>
-              <a:rPr lang="en-US" altLang="ko-KR" smtClean="0">
+              <a:rPr lang="en-US" altLang="ko-KR" dirty="0" smtClean="0">
                 <a:solidFill>
                   <a:schemeClr val="tx1"/>
                 </a:solidFill>
@@ -6700,17 +6112,27 @@
               <a:t>3.@Override [ </a:t>
             </a:r>
             <a:r>
-              <a:rPr lang="ko-KR" altLang="en-US" smtClean="0">
-                <a:solidFill>
-                  <a:schemeClr val="tx1"/>
-                </a:solidFill>
-                <a:latin typeface="1훈새마을운동 R" panose="02020603020101020101" pitchFamily="18" charset="-127"/>
-                <a:ea typeface="1훈새마을운동 R" panose="02020603020101020101" pitchFamily="18" charset="-127"/>
-              </a:rPr>
-              <a:t>기존메소드 재정의 </a:t>
-            </a:r>
-            <a:r>
-              <a:rPr lang="en-US" altLang="ko-KR" smtClean="0">
+              <a:rPr lang="ko-KR" altLang="en-US" dirty="0" err="1" smtClean="0">
+                <a:solidFill>
+                  <a:schemeClr val="tx1"/>
+                </a:solidFill>
+                <a:latin typeface="1훈새마을운동 R" panose="02020603020101020101" pitchFamily="18" charset="-127"/>
+                <a:ea typeface="1훈새마을운동 R" panose="02020603020101020101" pitchFamily="18" charset="-127"/>
+              </a:rPr>
+              <a:t>기존메소드</a:t>
+            </a:r>
+            <a:r>
+              <a:rPr lang="ko-KR" altLang="en-US" dirty="0" smtClean="0">
+                <a:solidFill>
+                  <a:schemeClr val="tx1"/>
+                </a:solidFill>
+                <a:latin typeface="1훈새마을운동 R" panose="02020603020101020101" pitchFamily="18" charset="-127"/>
+                <a:ea typeface="1훈새마을운동 R" panose="02020603020101020101" pitchFamily="18" charset="-127"/>
+              </a:rPr>
+              <a:t> 재정의 </a:t>
+            </a:r>
+            <a:r>
+              <a:rPr lang="en-US" altLang="ko-KR" dirty="0" smtClean="0">
                 <a:solidFill>
                   <a:schemeClr val="tx1"/>
                 </a:solidFill>
@@ -6722,7 +6144,7 @@
           </a:p>
           <a:p>
             <a:r>
-              <a:rPr lang="en-US" altLang="ko-KR" smtClean="0">
+              <a:rPr lang="en-US" altLang="ko-KR" dirty="0" smtClean="0">
                 <a:solidFill>
                   <a:schemeClr val="tx1"/>
                 </a:solidFill>
@@ -6732,7 +6154,7 @@
               <a:t>--- </a:t>
             </a:r>
             <a:r>
-              <a:rPr lang="ko-KR" altLang="en-US" smtClean="0">
+              <a:rPr lang="ko-KR" altLang="en-US" dirty="0" smtClean="0">
                 <a:solidFill>
                   <a:schemeClr val="tx1"/>
                 </a:solidFill>
@@ -6742,7 +6164,7 @@
               <a:t>인터페이스 </a:t>
             </a:r>
             <a:r>
-              <a:rPr lang="en-US" altLang="ko-KR" smtClean="0">
+              <a:rPr lang="en-US" altLang="ko-KR" dirty="0" smtClean="0">
                 <a:solidFill>
                   <a:schemeClr val="tx1"/>
                 </a:solidFill>
@@ -6754,7 +6176,7 @@
           </a:p>
           <a:p>
             <a:r>
-              <a:rPr lang="en-US" altLang="ko-KR">
+              <a:rPr lang="en-US" altLang="ko-KR" dirty="0">
                 <a:solidFill>
                   <a:schemeClr val="tx1"/>
                 </a:solidFill>
@@ -6764,7 +6186,7 @@
               <a:t> </a:t>
             </a:r>
             <a:r>
-              <a:rPr lang="en-US" altLang="ko-KR" smtClean="0">
+              <a:rPr lang="en-US" altLang="ko-KR" dirty="0" smtClean="0">
                 <a:solidFill>
                   <a:schemeClr val="tx1"/>
                 </a:solidFill>
@@ -6774,17 +6196,27 @@
               <a:t>4. </a:t>
             </a:r>
             <a:r>
-              <a:rPr lang="ko-KR" altLang="en-US" smtClean="0">
-                <a:solidFill>
-                  <a:schemeClr val="tx1"/>
-                </a:solidFill>
-                <a:latin typeface="1훈새마을운동 R" panose="02020603020101020101" pitchFamily="18" charset="-127"/>
-                <a:ea typeface="1훈새마을운동 R" panose="02020603020101020101" pitchFamily="18" charset="-127"/>
-              </a:rPr>
-              <a:t>추상메소드 </a:t>
-            </a:r>
-            <a:r>
-              <a:rPr lang="en-US" altLang="ko-KR" smtClean="0">
+              <a:rPr lang="ko-KR" altLang="en-US" dirty="0" err="1" smtClean="0">
+                <a:solidFill>
+                  <a:schemeClr val="tx1"/>
+                </a:solidFill>
+                <a:latin typeface="1훈새마을운동 R" panose="02020603020101020101" pitchFamily="18" charset="-127"/>
+                <a:ea typeface="1훈새마을운동 R" panose="02020603020101020101" pitchFamily="18" charset="-127"/>
+              </a:rPr>
+              <a:t>추상메소드</a:t>
+            </a:r>
+            <a:r>
+              <a:rPr lang="ko-KR" altLang="en-US" dirty="0" smtClean="0">
+                <a:solidFill>
+                  <a:schemeClr val="tx1"/>
+                </a:solidFill>
+                <a:latin typeface="1훈새마을운동 R" panose="02020603020101020101" pitchFamily="18" charset="-127"/>
+                <a:ea typeface="1훈새마을운동 R" panose="02020603020101020101" pitchFamily="18" charset="-127"/>
+              </a:rPr>
+              <a:t> </a:t>
+            </a:r>
+            <a:r>
+              <a:rPr lang="en-US" altLang="ko-KR" dirty="0" smtClean="0">
                 <a:solidFill>
                   <a:schemeClr val="tx1"/>
                 </a:solidFill>
@@ -6794,7 +6226,7 @@
               <a:t>[ </a:t>
             </a:r>
             <a:r>
-              <a:rPr lang="ko-KR" altLang="en-US" smtClean="0">
+              <a:rPr lang="ko-KR" altLang="en-US" dirty="0" smtClean="0">
                 <a:solidFill>
                   <a:schemeClr val="tx1"/>
                 </a:solidFill>
@@ -6804,7 +6236,7 @@
               <a:t>선언</a:t>
             </a:r>
             <a:r>
-              <a:rPr lang="en-US" altLang="ko-KR" smtClean="0">
+              <a:rPr lang="en-US" altLang="ko-KR" dirty="0" smtClean="0">
                 <a:solidFill>
                   <a:schemeClr val="tx1"/>
                 </a:solidFill>
@@ -6814,7 +6246,7 @@
               <a:t>O </a:t>
             </a:r>
             <a:r>
-              <a:rPr lang="ko-KR" altLang="en-US" smtClean="0">
+              <a:rPr lang="ko-KR" altLang="en-US" dirty="0" smtClean="0">
                 <a:solidFill>
                   <a:schemeClr val="tx1"/>
                 </a:solidFill>
@@ -6824,7 +6256,7 @@
               <a:t>정의</a:t>
             </a:r>
             <a:r>
-              <a:rPr lang="en-US" altLang="ko-KR" smtClean="0">
+              <a:rPr lang="en-US" altLang="ko-KR" dirty="0" smtClean="0">
                 <a:solidFill>
                   <a:schemeClr val="tx1"/>
                 </a:solidFill>
@@ -6836,7 +6268,7 @@
           </a:p>
           <a:p>
             <a:r>
-              <a:rPr lang="en-US" altLang="ko-KR">
+              <a:rPr lang="en-US" altLang="ko-KR" dirty="0">
                 <a:solidFill>
                   <a:schemeClr val="tx1"/>
                 </a:solidFill>
@@ -6846,7 +6278,7 @@
               <a:t> </a:t>
             </a:r>
             <a:r>
-              <a:rPr lang="en-US" altLang="ko-KR" smtClean="0">
+              <a:rPr lang="en-US" altLang="ko-KR" dirty="0" smtClean="0">
                 <a:solidFill>
                   <a:schemeClr val="tx1"/>
                 </a:solidFill>
@@ -6856,7 +6288,7 @@
               <a:t>5. </a:t>
             </a:r>
             <a:r>
-              <a:rPr lang="ko-KR" altLang="en-US" smtClean="0">
+              <a:rPr lang="ko-KR" altLang="en-US" dirty="0" err="1" smtClean="0">
                 <a:solidFill>
                   <a:schemeClr val="tx1"/>
                 </a:solidFill>
@@ -6866,7 +6298,7 @@
               <a:t>디폴트메소드</a:t>
             </a:r>
             <a:r>
-              <a:rPr lang="en-US" altLang="ko-KR" smtClean="0">
+              <a:rPr lang="en-US" altLang="ko-KR" dirty="0" smtClean="0">
                 <a:solidFill>
                   <a:schemeClr val="tx1"/>
                 </a:solidFill>
@@ -6876,7 +6308,7 @@
               <a:t>[ </a:t>
             </a:r>
             <a:r>
-              <a:rPr lang="ko-KR" altLang="en-US" smtClean="0">
+              <a:rPr lang="ko-KR" altLang="en-US" dirty="0" smtClean="0">
                 <a:solidFill>
                   <a:schemeClr val="tx1"/>
                 </a:solidFill>
@@ -6886,7 +6318,7 @@
               <a:t>선언</a:t>
             </a:r>
             <a:r>
-              <a:rPr lang="en-US" altLang="ko-KR" smtClean="0">
+              <a:rPr lang="en-US" altLang="ko-KR" dirty="0" smtClean="0">
                 <a:solidFill>
                   <a:schemeClr val="tx1"/>
                 </a:solidFill>
@@ -6896,7 +6328,7 @@
               <a:t>O </a:t>
             </a:r>
             <a:r>
-              <a:rPr lang="ko-KR" altLang="en-US" smtClean="0">
+              <a:rPr lang="ko-KR" altLang="en-US" dirty="0" smtClean="0">
                 <a:solidFill>
                   <a:schemeClr val="tx1"/>
                 </a:solidFill>
@@ -6906,7 +6338,7 @@
               <a:t>정의</a:t>
             </a:r>
             <a:r>
-              <a:rPr lang="en-US" altLang="ko-KR" smtClean="0">
+              <a:rPr lang="en-US" altLang="ko-KR" dirty="0" smtClean="0">
                 <a:solidFill>
                   <a:schemeClr val="tx1"/>
                 </a:solidFill>
@@ -6916,7 +6348,7 @@
               <a:t>O ]</a:t>
             </a:r>
             <a:r>
-              <a:rPr lang="ko-KR" altLang="en-US" smtClean="0">
+              <a:rPr lang="ko-KR" altLang="en-US" dirty="0" smtClean="0">
                 <a:solidFill>
                   <a:schemeClr val="tx1"/>
                 </a:solidFill>
@@ -6925,7 +6357,7 @@
               </a:rPr>
               <a:t> </a:t>
             </a:r>
-            <a:endParaRPr lang="en-US" altLang="ko-KR" smtClean="0">
+            <a:endParaRPr lang="en-US" altLang="ko-KR" dirty="0" smtClean="0">
               <a:solidFill>
                 <a:schemeClr val="tx1"/>
               </a:solidFill>
@@ -6935,7 +6367,7 @@
           </a:p>
           <a:p>
             <a:r>
-              <a:rPr lang="en-US" altLang="ko-KR">
+              <a:rPr lang="en-US" altLang="ko-KR" dirty="0">
                 <a:solidFill>
                   <a:schemeClr val="tx1"/>
                 </a:solidFill>
@@ -6945,7 +6377,7 @@
               <a:t> </a:t>
             </a:r>
             <a:r>
-              <a:rPr lang="en-US" altLang="ko-KR" smtClean="0">
+              <a:rPr lang="en-US" altLang="ko-KR" dirty="0" smtClean="0">
                 <a:solidFill>
                   <a:schemeClr val="tx1"/>
                 </a:solidFill>
@@ -6955,17 +6387,27 @@
               <a:t>6. </a:t>
             </a:r>
             <a:r>
-              <a:rPr lang="ko-KR" altLang="en-US" smtClean="0">
-                <a:solidFill>
-                  <a:schemeClr val="tx1"/>
-                </a:solidFill>
-                <a:latin typeface="1훈새마을운동 R" panose="02020603020101020101" pitchFamily="18" charset="-127"/>
-                <a:ea typeface="1훈새마을운동 R" panose="02020603020101020101" pitchFamily="18" charset="-127"/>
-              </a:rPr>
-              <a:t>정적메소드 </a:t>
-            </a:r>
-            <a:r>
-              <a:rPr lang="en-US" altLang="ko-KR" smtClean="0">
+              <a:rPr lang="ko-KR" altLang="en-US" dirty="0" err="1" smtClean="0">
+                <a:solidFill>
+                  <a:schemeClr val="tx1"/>
+                </a:solidFill>
+                <a:latin typeface="1훈새마을운동 R" panose="02020603020101020101" pitchFamily="18" charset="-127"/>
+                <a:ea typeface="1훈새마을운동 R" panose="02020603020101020101" pitchFamily="18" charset="-127"/>
+              </a:rPr>
+              <a:t>정적메소드</a:t>
+            </a:r>
+            <a:r>
+              <a:rPr lang="ko-KR" altLang="en-US" dirty="0" smtClean="0">
+                <a:solidFill>
+                  <a:schemeClr val="tx1"/>
+                </a:solidFill>
+                <a:latin typeface="1훈새마을운동 R" panose="02020603020101020101" pitchFamily="18" charset="-127"/>
+                <a:ea typeface="1훈새마을운동 R" panose="02020603020101020101" pitchFamily="18" charset="-127"/>
+              </a:rPr>
+              <a:t> </a:t>
+            </a:r>
+            <a:r>
+              <a:rPr lang="en-US" altLang="ko-KR" dirty="0" smtClean="0">
                 <a:solidFill>
                   <a:schemeClr val="tx1"/>
                 </a:solidFill>
@@ -6975,7 +6417,7 @@
               <a:t>[ static </a:t>
             </a:r>
             <a:r>
-              <a:rPr lang="ko-KR" altLang="en-US" smtClean="0">
+              <a:rPr lang="ko-KR" altLang="en-US" dirty="0" smtClean="0">
                 <a:solidFill>
                   <a:schemeClr val="tx1"/>
                 </a:solidFill>
@@ -6985,7 +6427,7 @@
               <a:t>선언</a:t>
             </a:r>
             <a:r>
-              <a:rPr lang="en-US" altLang="ko-KR" smtClean="0">
+              <a:rPr lang="en-US" altLang="ko-KR" dirty="0" smtClean="0">
                 <a:solidFill>
                   <a:schemeClr val="tx1"/>
                 </a:solidFill>
@@ -6995,7 +6437,7 @@
               <a:t>O </a:t>
             </a:r>
             <a:r>
-              <a:rPr lang="ko-KR" altLang="en-US" smtClean="0">
+              <a:rPr lang="ko-KR" altLang="en-US" dirty="0" smtClean="0">
                 <a:solidFill>
                   <a:schemeClr val="tx1"/>
                 </a:solidFill>
@@ -7005,7 +6447,7 @@
               <a:t>정의</a:t>
             </a:r>
             <a:r>
-              <a:rPr lang="en-US" altLang="ko-KR" smtClean="0">
+              <a:rPr lang="en-US" altLang="ko-KR" dirty="0" smtClean="0">
                 <a:solidFill>
                   <a:schemeClr val="tx1"/>
                 </a:solidFill>
@@ -7017,7 +6459,7 @@
           </a:p>
           <a:p>
             <a:r>
-              <a:rPr lang="en-US" altLang="ko-KR">
+              <a:rPr lang="en-US" altLang="ko-KR" dirty="0">
                 <a:solidFill>
                   <a:schemeClr val="tx1"/>
                 </a:solidFill>
@@ -7027,7 +6469,7 @@
               <a:t> </a:t>
             </a:r>
             <a:r>
-              <a:rPr lang="en-US" altLang="ko-KR" smtClean="0">
+              <a:rPr lang="en-US" altLang="ko-KR" dirty="0" smtClean="0">
                 <a:solidFill>
                   <a:schemeClr val="tx1"/>
                 </a:solidFill>
@@ -7039,7 +6481,7 @@
           </a:p>
           <a:p>
             <a:r>
-              <a:rPr lang="en-US" altLang="ko-KR" smtClean="0">
+              <a:rPr lang="en-US" altLang="ko-KR" dirty="0" smtClean="0">
                 <a:solidFill>
                   <a:schemeClr val="tx1"/>
                 </a:solidFill>
@@ -7049,7 +6491,7 @@
               <a:t> </a:t>
             </a:r>
             <a:r>
-              <a:rPr lang="ko-KR" altLang="en-US" smtClean="0">
+              <a:rPr lang="ko-KR" altLang="en-US" dirty="0" smtClean="0">
                 <a:solidFill>
                   <a:schemeClr val="tx1"/>
                 </a:solidFill>
@@ -7058,7 +6500,7 @@
               </a:rPr>
               <a:t> </a:t>
             </a:r>
-            <a:endParaRPr lang="en-US" altLang="ko-KR">
+            <a:endParaRPr lang="en-US" altLang="ko-KR" dirty="0">
               <a:solidFill>
                 <a:schemeClr val="tx1"/>
               </a:solidFill>
@@ -7067,7 +6509,7 @@
             </a:endParaRPr>
           </a:p>
           <a:p>
-            <a:endParaRPr lang="en-US" altLang="ko-KR" smtClean="0">
+            <a:endParaRPr lang="en-US" altLang="ko-KR" dirty="0" smtClean="0">
               <a:solidFill>
                 <a:schemeClr val="tx1"/>
               </a:solidFill>
@@ -7076,7 +6518,7 @@
             </a:endParaRPr>
           </a:p>
           <a:p>
-            <a:endParaRPr lang="en-US" altLang="ko-KR" smtClean="0">
+            <a:endParaRPr lang="en-US" altLang="ko-KR" dirty="0" smtClean="0">
               <a:solidFill>
                 <a:schemeClr val="tx1"/>
               </a:solidFill>
@@ -7085,7 +6527,7 @@
             </a:endParaRPr>
           </a:p>
           <a:p>
-            <a:endParaRPr lang="en-US" altLang="ko-KR" smtClean="0">
+            <a:endParaRPr lang="en-US" altLang="ko-KR" dirty="0" smtClean="0">
               <a:solidFill>
                 <a:schemeClr val="tx1"/>
               </a:solidFill>
@@ -7094,7 +6536,7 @@
             </a:endParaRPr>
           </a:p>
           <a:p>
-            <a:endParaRPr lang="en-US" altLang="ko-KR" smtClean="0">
+            <a:endParaRPr lang="en-US" altLang="ko-KR" dirty="0" smtClean="0">
               <a:solidFill>
                 <a:schemeClr val="tx1"/>
               </a:solidFill>
@@ -7139,7 +6581,7 @@
           <a:lstStyle/>
           <a:p>
             <a:r>
-              <a:rPr lang="ko-KR" altLang="en-US" smtClean="0">
+              <a:rPr lang="ko-KR" altLang="en-US" dirty="0" smtClean="0">
                 <a:solidFill>
                   <a:schemeClr val="tx1"/>
                 </a:solidFill>
@@ -7149,7 +6591,7 @@
               <a:t>필드 </a:t>
             </a:r>
             <a:r>
-              <a:rPr lang="en-US" altLang="ko-KR" smtClean="0">
+              <a:rPr lang="en-US" altLang="ko-KR" dirty="0" smtClean="0">
                 <a:solidFill>
                   <a:schemeClr val="tx1"/>
                 </a:solidFill>
@@ -7159,7 +6601,7 @@
               <a:t>[</a:t>
             </a:r>
             <a:r>
-              <a:rPr lang="ko-KR" altLang="en-US" smtClean="0">
+              <a:rPr lang="ko-KR" altLang="en-US" dirty="0" smtClean="0">
                 <a:solidFill>
                   <a:schemeClr val="tx1"/>
                 </a:solidFill>
@@ -7169,7 +6611,7 @@
               <a:t>상태</a:t>
             </a:r>
             <a:r>
-              <a:rPr lang="en-US" altLang="ko-KR" smtClean="0">
+              <a:rPr lang="en-US" altLang="ko-KR" dirty="0" smtClean="0">
                 <a:solidFill>
                   <a:schemeClr val="tx1"/>
                 </a:solidFill>
@@ -7181,7 +6623,7 @@
           </a:p>
           <a:p>
             <a:r>
-              <a:rPr lang="en-US" altLang="ko-KR" smtClean="0">
+              <a:rPr lang="en-US" altLang="ko-KR" dirty="0" smtClean="0">
                 <a:solidFill>
                   <a:schemeClr val="tx1"/>
                 </a:solidFill>
@@ -7191,7 +6633,7 @@
               <a:t>  1. </a:t>
             </a:r>
             <a:r>
-              <a:rPr lang="ko-KR" altLang="en-US" smtClean="0">
+              <a:rPr lang="ko-KR" altLang="en-US" dirty="0" smtClean="0">
                 <a:solidFill>
                   <a:schemeClr val="tx1"/>
                 </a:solidFill>
@@ -7200,7 +6642,7 @@
               </a:rPr>
               <a:t>게시물 제목 </a:t>
             </a:r>
-            <a:endParaRPr lang="en-US" altLang="ko-KR" smtClean="0">
+            <a:endParaRPr lang="en-US" altLang="ko-KR" dirty="0" smtClean="0">
               <a:solidFill>
                 <a:schemeClr val="tx1"/>
               </a:solidFill>
@@ -7210,7 +6652,7 @@
           </a:p>
           <a:p>
             <a:r>
-              <a:rPr lang="en-US" altLang="ko-KR">
+              <a:rPr lang="en-US" altLang="ko-KR" dirty="0">
                 <a:solidFill>
                   <a:schemeClr val="tx1"/>
                 </a:solidFill>
@@ -7220,7 +6662,7 @@
               <a:t> </a:t>
             </a:r>
             <a:r>
-              <a:rPr lang="en-US" altLang="ko-KR" smtClean="0">
+              <a:rPr lang="en-US" altLang="ko-KR" dirty="0" smtClean="0">
                 <a:solidFill>
                   <a:schemeClr val="tx1"/>
                 </a:solidFill>
@@ -7230,7 +6672,7 @@
               <a:t> 2. </a:t>
             </a:r>
             <a:r>
-              <a:rPr lang="ko-KR" altLang="en-US" smtClean="0">
+              <a:rPr lang="ko-KR" altLang="en-US" dirty="0" smtClean="0">
                 <a:solidFill>
                   <a:schemeClr val="tx1"/>
                 </a:solidFill>
@@ -7239,7 +6681,7 @@
               </a:rPr>
               <a:t>게시물 내용  </a:t>
             </a:r>
-            <a:endParaRPr lang="en-US" altLang="ko-KR" smtClean="0">
+            <a:endParaRPr lang="en-US" altLang="ko-KR" dirty="0" smtClean="0">
               <a:solidFill>
                 <a:schemeClr val="tx1"/>
               </a:solidFill>
@@ -7249,7 +6691,7 @@
           </a:p>
           <a:p>
             <a:r>
-              <a:rPr lang="en-US" altLang="ko-KR" smtClean="0">
+              <a:rPr lang="en-US" altLang="ko-KR" dirty="0" smtClean="0">
                 <a:solidFill>
                   <a:schemeClr val="tx1"/>
                 </a:solidFill>
@@ -7259,7 +6701,7 @@
               <a:t>  3. </a:t>
             </a:r>
             <a:r>
-              <a:rPr lang="ko-KR" altLang="en-US" smtClean="0">
+              <a:rPr lang="ko-KR" altLang="en-US" dirty="0" smtClean="0">
                 <a:solidFill>
                   <a:schemeClr val="tx1"/>
                 </a:solidFill>
@@ -7268,7 +6710,7 @@
               </a:rPr>
               <a:t>게시물 작성자</a:t>
             </a:r>
-            <a:endParaRPr lang="en-US" altLang="ko-KR" smtClean="0">
+            <a:endParaRPr lang="en-US" altLang="ko-KR" dirty="0" smtClean="0">
               <a:solidFill>
                 <a:schemeClr val="tx1"/>
               </a:solidFill>
@@ -7278,7 +6720,7 @@
           </a:p>
           <a:p>
             <a:r>
-              <a:rPr lang="en-US" altLang="ko-KR" smtClean="0">
+              <a:rPr lang="en-US" altLang="ko-KR" dirty="0" smtClean="0">
                 <a:solidFill>
                   <a:schemeClr val="tx1"/>
                 </a:solidFill>
@@ -7288,7 +6730,7 @@
               <a:t>  4. </a:t>
             </a:r>
             <a:r>
-              <a:rPr lang="ko-KR" altLang="en-US" smtClean="0">
+              <a:rPr lang="ko-KR" altLang="en-US" dirty="0" smtClean="0">
                 <a:solidFill>
                   <a:schemeClr val="tx1"/>
                 </a:solidFill>
@@ -7297,7 +6739,7 @@
               </a:rPr>
               <a:t>게시물 작성일</a:t>
             </a:r>
-            <a:endParaRPr lang="en-US" altLang="ko-KR" smtClean="0">
+            <a:endParaRPr lang="en-US" altLang="ko-KR" dirty="0" smtClean="0">
               <a:solidFill>
                 <a:schemeClr val="tx1"/>
               </a:solidFill>
@@ -7307,7 +6749,7 @@
           </a:p>
           <a:p>
             <a:r>
-              <a:rPr lang="ko-KR" altLang="en-US" smtClean="0">
+              <a:rPr lang="ko-KR" altLang="en-US" dirty="0" smtClean="0">
                 <a:solidFill>
                   <a:schemeClr val="tx1"/>
                 </a:solidFill>
@@ -7317,7 +6759,7 @@
               <a:t>  </a:t>
             </a:r>
             <a:r>
-              <a:rPr lang="en-US" altLang="ko-KR">
+              <a:rPr lang="en-US" altLang="ko-KR" dirty="0">
                 <a:solidFill>
                   <a:schemeClr val="tx1"/>
                 </a:solidFill>
@@ -7327,7 +6769,7 @@
               <a:t>5</a:t>
             </a:r>
             <a:r>
-              <a:rPr lang="en-US" altLang="ko-KR" smtClean="0">
+              <a:rPr lang="en-US" altLang="ko-KR" dirty="0" smtClean="0">
                 <a:solidFill>
                   <a:schemeClr val="tx1"/>
                 </a:solidFill>
@@ -7337,7 +6779,7 @@
               <a:t>. </a:t>
             </a:r>
             <a:r>
-              <a:rPr lang="ko-KR" altLang="en-US" smtClean="0">
+              <a:rPr lang="ko-KR" altLang="en-US" dirty="0" smtClean="0">
                 <a:solidFill>
                   <a:schemeClr val="tx1"/>
                 </a:solidFill>
@@ -7346,7 +6788,7 @@
               </a:rPr>
               <a:t>게시물 조회수 </a:t>
             </a:r>
-            <a:endParaRPr lang="en-US" altLang="ko-KR" smtClean="0">
+            <a:endParaRPr lang="en-US" altLang="ko-KR" dirty="0" smtClean="0">
               <a:solidFill>
                 <a:schemeClr val="tx1"/>
               </a:solidFill>
@@ -7356,7 +6798,7 @@
           </a:p>
           <a:p>
             <a:r>
-              <a:rPr lang="ko-KR" altLang="en-US" smtClean="0">
+              <a:rPr lang="ko-KR" altLang="en-US" dirty="0" smtClean="0">
                 <a:solidFill>
                   <a:schemeClr val="tx1"/>
                 </a:solidFill>
@@ -7366,27 +6808,17 @@
               <a:t> </a:t>
             </a:r>
             <a:r>
-              <a:rPr lang="en-US" altLang="ko-KR">
-                <a:solidFill>
-                  <a:schemeClr val="tx1"/>
-                </a:solidFill>
-                <a:latin typeface="1훈새마을운동 R" panose="02020603020101020101" pitchFamily="18" charset="-127"/>
-                <a:ea typeface="1훈새마을운동 R" panose="02020603020101020101" pitchFamily="18" charset="-127"/>
-              </a:rPr>
-              <a:t> </a:t>
-            </a:r>
-            <a:r>
-              <a:rPr lang="en-US" altLang="ko-KR">
-                <a:solidFill>
-                  <a:schemeClr val="tx1"/>
-                </a:solidFill>
-                <a:latin typeface="1훈새마을운동 R" panose="02020603020101020101" pitchFamily="18" charset="-127"/>
-                <a:ea typeface="1훈새마을운동 R" panose="02020603020101020101" pitchFamily="18" charset="-127"/>
-              </a:rPr>
-              <a:t>6</a:t>
-            </a:r>
-            <a:r>
-              <a:rPr lang="en-US" altLang="ko-KR" smtClean="0">
+              <a:rPr lang="en-US" altLang="ko-KR" dirty="0">
+                <a:solidFill>
+                  <a:schemeClr val="tx1"/>
+                </a:solidFill>
+                <a:latin typeface="1훈새마을운동 R" panose="02020603020101020101" pitchFamily="18" charset="-127"/>
+                <a:ea typeface="1훈새마을운동 R" panose="02020603020101020101" pitchFamily="18" charset="-127"/>
+              </a:rPr>
+              <a:t> 6</a:t>
+            </a:r>
+            <a:r>
+              <a:rPr lang="en-US" altLang="ko-KR" dirty="0" smtClean="0">
                 <a:solidFill>
                   <a:schemeClr val="tx1"/>
                 </a:solidFill>
@@ -7396,16 +6828,26 @@
               <a:t>. </a:t>
             </a:r>
             <a:r>
-              <a:rPr lang="ko-KR" altLang="en-US" smtClean="0">
-                <a:solidFill>
-                  <a:schemeClr val="tx1"/>
-                </a:solidFill>
-                <a:latin typeface="1훈새마을운동 R" panose="02020603020101020101" pitchFamily="18" charset="-127"/>
-                <a:ea typeface="1훈새마을운동 R" panose="02020603020101020101" pitchFamily="18" charset="-127"/>
-              </a:rPr>
-              <a:t>댓글 리스트</a:t>
-            </a:r>
-            <a:endParaRPr lang="en-US" altLang="ko-KR" smtClean="0">
+              <a:rPr lang="ko-KR" altLang="en-US" dirty="0" err="1" smtClean="0">
+                <a:solidFill>
+                  <a:schemeClr val="tx1"/>
+                </a:solidFill>
+                <a:latin typeface="1훈새마을운동 R" panose="02020603020101020101" pitchFamily="18" charset="-127"/>
+                <a:ea typeface="1훈새마을운동 R" panose="02020603020101020101" pitchFamily="18" charset="-127"/>
+              </a:rPr>
+              <a:t>댓글</a:t>
+            </a:r>
+            <a:r>
+              <a:rPr lang="ko-KR" altLang="en-US" dirty="0" smtClean="0">
+                <a:solidFill>
+                  <a:schemeClr val="tx1"/>
+                </a:solidFill>
+                <a:latin typeface="1훈새마을운동 R" panose="02020603020101020101" pitchFamily="18" charset="-127"/>
+                <a:ea typeface="1훈새마을운동 R" panose="02020603020101020101" pitchFamily="18" charset="-127"/>
+              </a:rPr>
+              <a:t> 리스트</a:t>
+            </a:r>
+            <a:endParaRPr lang="en-US" altLang="ko-KR" dirty="0" smtClean="0">
               <a:solidFill>
                 <a:schemeClr val="tx1"/>
               </a:solidFill>
@@ -7414,7 +6856,7 @@
             </a:endParaRPr>
           </a:p>
           <a:p>
-            <a:endParaRPr lang="en-US" altLang="ko-KR" smtClean="0">
+            <a:endParaRPr lang="en-US" altLang="ko-KR" dirty="0" smtClean="0">
               <a:solidFill>
                 <a:schemeClr val="tx1"/>
               </a:solidFill>
@@ -7459,7 +6901,7 @@
           <a:lstStyle/>
           <a:p>
             <a:r>
-              <a:rPr lang="ko-KR" altLang="en-US" smtClean="0">
+              <a:rPr lang="ko-KR" altLang="en-US" dirty="0" err="1" smtClean="0">
                 <a:solidFill>
                   <a:schemeClr val="tx1"/>
                 </a:solidFill>
@@ -7469,7 +6911,7 @@
               <a:t>메소드</a:t>
             </a:r>
             <a:r>
-              <a:rPr lang="en-US" altLang="ko-KR" smtClean="0">
+              <a:rPr lang="en-US" altLang="ko-KR" dirty="0" smtClean="0">
                 <a:solidFill>
                   <a:schemeClr val="tx1"/>
                 </a:solidFill>
@@ -7479,7 +6921,7 @@
               <a:t>[ </a:t>
             </a:r>
             <a:r>
-              <a:rPr lang="ko-KR" altLang="en-US" smtClean="0">
+              <a:rPr lang="ko-KR" altLang="en-US" dirty="0" smtClean="0">
                 <a:solidFill>
                   <a:schemeClr val="tx1"/>
                 </a:solidFill>
@@ -7489,7 +6931,7 @@
               <a:t>행동 </a:t>
             </a:r>
             <a:r>
-              <a:rPr lang="en-US" altLang="ko-KR" smtClean="0">
+              <a:rPr lang="en-US" altLang="ko-KR" dirty="0" smtClean="0">
                 <a:solidFill>
                   <a:schemeClr val="tx1"/>
                 </a:solidFill>
@@ -7501,7 +6943,7 @@
           </a:p>
           <a:p>
             <a:r>
-              <a:rPr lang="en-US" altLang="ko-KR">
+              <a:rPr lang="en-US" altLang="ko-KR" dirty="0">
                 <a:solidFill>
                   <a:schemeClr val="tx1"/>
                 </a:solidFill>
@@ -7511,7 +6953,7 @@
               <a:t> </a:t>
             </a:r>
             <a:r>
-              <a:rPr lang="en-US" altLang="ko-KR" smtClean="0">
+              <a:rPr lang="en-US" altLang="ko-KR" dirty="0">
                 <a:solidFill>
                   <a:schemeClr val="tx1"/>
                 </a:solidFill>
@@ -7521,7 +6963,7 @@
               <a:t>1.Getter , Setter [ </a:t>
             </a:r>
             <a:r>
-              <a:rPr lang="ko-KR" altLang="en-US" smtClean="0">
+              <a:rPr lang="ko-KR" altLang="en-US" dirty="0">
                 <a:solidFill>
                   <a:schemeClr val="tx1"/>
                 </a:solidFill>
@@ -7531,7 +6973,7 @@
               <a:t>필드 </a:t>
             </a:r>
             <a:r>
-              <a:rPr lang="en-US" altLang="ko-KR" smtClean="0">
+              <a:rPr lang="en-US" altLang="ko-KR" dirty="0">
                 <a:solidFill>
                   <a:schemeClr val="tx1"/>
                 </a:solidFill>
@@ -7543,7 +6985,37 @@
           </a:p>
           <a:p>
             <a:r>
-              <a:rPr lang="en-US" altLang="ko-KR">
+              <a:rPr lang="en-US" altLang="ko-KR" dirty="0">
+                <a:solidFill>
+                  <a:schemeClr val="tx1"/>
+                </a:solidFill>
+                <a:latin typeface="1훈새마을운동 R" panose="02020603020101020101" pitchFamily="18" charset="-127"/>
+                <a:ea typeface="1훈새마을운동 R" panose="02020603020101020101" pitchFamily="18" charset="-127"/>
+              </a:rPr>
+              <a:t> 2. </a:t>
+            </a:r>
+            <a:r>
+              <a:rPr lang="ko-KR" altLang="en-US" dirty="0">
+                <a:solidFill>
+                  <a:schemeClr val="tx1"/>
+                </a:solidFill>
+                <a:latin typeface="1훈새마을운동 R" panose="02020603020101020101" pitchFamily="18" charset="-127"/>
+                <a:ea typeface="1훈새마을운동 R" panose="02020603020101020101" pitchFamily="18" charset="-127"/>
+              </a:rPr>
+              <a:t>게시물등록 </a:t>
+            </a:r>
+            <a:r>
+              <a:rPr lang="ko-KR" altLang="en-US" dirty="0" err="1">
+                <a:solidFill>
+                  <a:schemeClr val="tx1"/>
+                </a:solidFill>
+                <a:latin typeface="1훈새마을운동 R" panose="02020603020101020101" pitchFamily="18" charset="-127"/>
+                <a:ea typeface="1훈새마을운동 R" panose="02020603020101020101" pitchFamily="18" charset="-127"/>
+              </a:rPr>
+              <a:t>메소드</a:t>
+            </a:r>
+            <a:r>
+              <a:rPr lang="ko-KR" altLang="en-US" dirty="0">
                 <a:solidFill>
                   <a:schemeClr val="tx1"/>
                 </a:solidFill>
@@ -7552,27 +7024,7 @@
               </a:rPr>
               <a:t> </a:t>
             </a:r>
-            <a:r>
-              <a:rPr lang="en-US" altLang="ko-KR" smtClean="0">
-                <a:solidFill>
-                  <a:schemeClr val="tx1"/>
-                </a:solidFill>
-                <a:latin typeface="1훈새마을운동 R" panose="02020603020101020101" pitchFamily="18" charset="-127"/>
-                <a:ea typeface="1훈새마을운동 R" panose="02020603020101020101" pitchFamily="18" charset="-127"/>
-              </a:rPr>
-              <a:t>2. </a:t>
-            </a:r>
-            <a:r>
-              <a:rPr lang="ko-KR" altLang="en-US" smtClean="0">
-                <a:solidFill>
-                  <a:schemeClr val="tx1"/>
-                </a:solidFill>
-                <a:latin typeface="1훈새마을운동 R" panose="02020603020101020101" pitchFamily="18" charset="-127"/>
-                <a:ea typeface="1훈새마을운동 R" panose="02020603020101020101" pitchFamily="18" charset="-127"/>
-              </a:rPr>
-              <a:t>게시물등록 메소드 </a:t>
-            </a:r>
-            <a:endParaRPr lang="en-US" altLang="ko-KR" smtClean="0">
+            <a:endParaRPr lang="en-US" altLang="ko-KR" dirty="0">
               <a:solidFill>
                 <a:schemeClr val="tx1"/>
               </a:solidFill>
@@ -7582,7 +7034,37 @@
           </a:p>
           <a:p>
             <a:r>
-              <a:rPr lang="en-US" altLang="ko-KR">
+              <a:rPr lang="en-US" altLang="ko-KR" dirty="0">
+                <a:solidFill>
+                  <a:schemeClr val="tx1"/>
+                </a:solidFill>
+                <a:latin typeface="1훈새마을운동 R" panose="02020603020101020101" pitchFamily="18" charset="-127"/>
+                <a:ea typeface="1훈새마을운동 R" panose="02020603020101020101" pitchFamily="18" charset="-127"/>
+              </a:rPr>
+              <a:t> 3. </a:t>
+            </a:r>
+            <a:r>
+              <a:rPr lang="ko-KR" altLang="en-US" dirty="0">
+                <a:solidFill>
+                  <a:schemeClr val="tx1"/>
+                </a:solidFill>
+                <a:latin typeface="1훈새마을운동 R" panose="02020603020101020101" pitchFamily="18" charset="-127"/>
+                <a:ea typeface="1훈새마을운동 R" panose="02020603020101020101" pitchFamily="18" charset="-127"/>
+              </a:rPr>
+              <a:t>게시물조회 </a:t>
+            </a:r>
+            <a:r>
+              <a:rPr lang="ko-KR" altLang="en-US" dirty="0" err="1">
+                <a:solidFill>
+                  <a:schemeClr val="tx1"/>
+                </a:solidFill>
+                <a:latin typeface="1훈새마을운동 R" panose="02020603020101020101" pitchFamily="18" charset="-127"/>
+                <a:ea typeface="1훈새마을운동 R" panose="02020603020101020101" pitchFamily="18" charset="-127"/>
+              </a:rPr>
+              <a:t>메소드</a:t>
+            </a:r>
+            <a:r>
+              <a:rPr lang="ko-KR" altLang="en-US" dirty="0">
                 <a:solidFill>
                   <a:schemeClr val="tx1"/>
                 </a:solidFill>
@@ -7591,27 +7073,7 @@
               </a:rPr>
               <a:t> </a:t>
             </a:r>
-            <a:r>
-              <a:rPr lang="en-US" altLang="ko-KR" smtClean="0">
-                <a:solidFill>
-                  <a:schemeClr val="tx1"/>
-                </a:solidFill>
-                <a:latin typeface="1훈새마을운동 R" panose="02020603020101020101" pitchFamily="18" charset="-127"/>
-                <a:ea typeface="1훈새마을운동 R" panose="02020603020101020101" pitchFamily="18" charset="-127"/>
-              </a:rPr>
-              <a:t>3. </a:t>
-            </a:r>
-            <a:r>
-              <a:rPr lang="ko-KR" altLang="en-US" smtClean="0">
-                <a:solidFill>
-                  <a:schemeClr val="tx1"/>
-                </a:solidFill>
-                <a:latin typeface="1훈새마을운동 R" panose="02020603020101020101" pitchFamily="18" charset="-127"/>
-                <a:ea typeface="1훈새마을운동 R" panose="02020603020101020101" pitchFamily="18" charset="-127"/>
-              </a:rPr>
-              <a:t>게시물조회 메소드 </a:t>
-            </a:r>
-            <a:endParaRPr lang="en-US" altLang="ko-KR" smtClean="0">
+            <a:endParaRPr lang="en-US" altLang="ko-KR" dirty="0">
               <a:solidFill>
                 <a:schemeClr val="tx1"/>
               </a:solidFill>
@@ -7621,7 +7083,37 @@
           </a:p>
           <a:p>
             <a:r>
-              <a:rPr lang="en-US" altLang="ko-KR">
+              <a:rPr lang="en-US" altLang="ko-KR" dirty="0">
+                <a:solidFill>
+                  <a:schemeClr val="tx1"/>
+                </a:solidFill>
+                <a:latin typeface="1훈새마을운동 R" panose="02020603020101020101" pitchFamily="18" charset="-127"/>
+                <a:ea typeface="1훈새마을운동 R" panose="02020603020101020101" pitchFamily="18" charset="-127"/>
+              </a:rPr>
+              <a:t> 4. </a:t>
+            </a:r>
+            <a:r>
+              <a:rPr lang="ko-KR" altLang="en-US" dirty="0">
+                <a:solidFill>
+                  <a:schemeClr val="tx1"/>
+                </a:solidFill>
+                <a:latin typeface="1훈새마을운동 R" panose="02020603020101020101" pitchFamily="18" charset="-127"/>
+                <a:ea typeface="1훈새마을운동 R" panose="02020603020101020101" pitchFamily="18" charset="-127"/>
+              </a:rPr>
+              <a:t>게시물삭제 </a:t>
+            </a:r>
+            <a:r>
+              <a:rPr lang="ko-KR" altLang="en-US" dirty="0" err="1">
+                <a:solidFill>
+                  <a:schemeClr val="tx1"/>
+                </a:solidFill>
+                <a:latin typeface="1훈새마을운동 R" panose="02020603020101020101" pitchFamily="18" charset="-127"/>
+                <a:ea typeface="1훈새마을운동 R" panose="02020603020101020101" pitchFamily="18" charset="-127"/>
+              </a:rPr>
+              <a:t>메소드</a:t>
+            </a:r>
+            <a:r>
+              <a:rPr lang="ko-KR" altLang="en-US" dirty="0">
                 <a:solidFill>
                   <a:schemeClr val="tx1"/>
                 </a:solidFill>
@@ -7630,27 +7122,7 @@
               </a:rPr>
               <a:t> </a:t>
             </a:r>
-            <a:r>
-              <a:rPr lang="en-US" altLang="ko-KR" smtClean="0">
-                <a:solidFill>
-                  <a:schemeClr val="tx1"/>
-                </a:solidFill>
-                <a:latin typeface="1훈새마을운동 R" panose="02020603020101020101" pitchFamily="18" charset="-127"/>
-                <a:ea typeface="1훈새마을운동 R" panose="02020603020101020101" pitchFamily="18" charset="-127"/>
-              </a:rPr>
-              <a:t>4. </a:t>
-            </a:r>
-            <a:r>
-              <a:rPr lang="ko-KR" altLang="en-US" smtClean="0">
-                <a:solidFill>
-                  <a:schemeClr val="tx1"/>
-                </a:solidFill>
-                <a:latin typeface="1훈새마을운동 R" panose="02020603020101020101" pitchFamily="18" charset="-127"/>
-                <a:ea typeface="1훈새마을운동 R" panose="02020603020101020101" pitchFamily="18" charset="-127"/>
-              </a:rPr>
-              <a:t>게시물삭제 메소드 </a:t>
-            </a:r>
-            <a:endParaRPr lang="en-US" altLang="ko-KR" smtClean="0">
+            <a:endParaRPr lang="en-US" altLang="ko-KR" dirty="0">
               <a:solidFill>
                 <a:schemeClr val="tx1"/>
               </a:solidFill>
@@ -7660,7 +7132,37 @@
           </a:p>
           <a:p>
             <a:r>
-              <a:rPr lang="en-US" altLang="ko-KR">
+              <a:rPr lang="en-US" altLang="ko-KR" dirty="0">
+                <a:solidFill>
+                  <a:schemeClr val="tx1"/>
+                </a:solidFill>
+                <a:latin typeface="1훈새마을운동 R" panose="02020603020101020101" pitchFamily="18" charset="-127"/>
+                <a:ea typeface="1훈새마을운동 R" panose="02020603020101020101" pitchFamily="18" charset="-127"/>
+              </a:rPr>
+              <a:t> 5. </a:t>
+            </a:r>
+            <a:r>
+              <a:rPr lang="ko-KR" altLang="en-US" dirty="0">
+                <a:solidFill>
+                  <a:schemeClr val="tx1"/>
+                </a:solidFill>
+                <a:latin typeface="1훈새마을운동 R" panose="02020603020101020101" pitchFamily="18" charset="-127"/>
+                <a:ea typeface="1훈새마을운동 R" panose="02020603020101020101" pitchFamily="18" charset="-127"/>
+              </a:rPr>
+              <a:t>게시물수정 </a:t>
+            </a:r>
+            <a:r>
+              <a:rPr lang="ko-KR" altLang="en-US" dirty="0" err="1">
+                <a:solidFill>
+                  <a:schemeClr val="tx1"/>
+                </a:solidFill>
+                <a:latin typeface="1훈새마을운동 R" panose="02020603020101020101" pitchFamily="18" charset="-127"/>
+                <a:ea typeface="1훈새마을운동 R" panose="02020603020101020101" pitchFamily="18" charset="-127"/>
+              </a:rPr>
+              <a:t>메소드</a:t>
+            </a:r>
+            <a:r>
+              <a:rPr lang="ko-KR" altLang="en-US" dirty="0">
                 <a:solidFill>
                   <a:schemeClr val="tx1"/>
                 </a:solidFill>
@@ -7669,27 +7171,7 @@
               </a:rPr>
               <a:t> </a:t>
             </a:r>
-            <a:r>
-              <a:rPr lang="en-US" altLang="ko-KR" smtClean="0">
-                <a:solidFill>
-                  <a:schemeClr val="tx1"/>
-                </a:solidFill>
-                <a:latin typeface="1훈새마을운동 R" panose="02020603020101020101" pitchFamily="18" charset="-127"/>
-                <a:ea typeface="1훈새마을운동 R" panose="02020603020101020101" pitchFamily="18" charset="-127"/>
-              </a:rPr>
-              <a:t>5. </a:t>
-            </a:r>
-            <a:r>
-              <a:rPr lang="ko-KR" altLang="en-US" smtClean="0">
-                <a:solidFill>
-                  <a:schemeClr val="tx1"/>
-                </a:solidFill>
-                <a:latin typeface="1훈새마을운동 R" panose="02020603020101020101" pitchFamily="18" charset="-127"/>
-                <a:ea typeface="1훈새마을운동 R" panose="02020603020101020101" pitchFamily="18" charset="-127"/>
-              </a:rPr>
-              <a:t>게시물수정 메소드 </a:t>
-            </a:r>
-            <a:endParaRPr lang="en-US" altLang="ko-KR" smtClean="0">
+            <a:endParaRPr lang="en-US" altLang="ko-KR" dirty="0">
               <a:solidFill>
                 <a:schemeClr val="tx1"/>
               </a:solidFill>
@@ -7699,7 +7181,27 @@
           </a:p>
           <a:p>
             <a:r>
-              <a:rPr lang="en-US" altLang="ko-KR">
+              <a:rPr lang="en-US" altLang="ko-KR" dirty="0">
+                <a:solidFill>
+                  <a:schemeClr val="tx1"/>
+                </a:solidFill>
+                <a:latin typeface="1훈새마을운동 R" panose="02020603020101020101" pitchFamily="18" charset="-127"/>
+                <a:ea typeface="1훈새마을운동 R" panose="02020603020101020101" pitchFamily="18" charset="-127"/>
+              </a:rPr>
+              <a:t> 6. </a:t>
+            </a:r>
+            <a:r>
+              <a:rPr lang="ko-KR" altLang="en-US" dirty="0" err="1">
+                <a:solidFill>
+                  <a:schemeClr val="tx1"/>
+                </a:solidFill>
+                <a:latin typeface="1훈새마을운동 R" panose="02020603020101020101" pitchFamily="18" charset="-127"/>
+                <a:ea typeface="1훈새마을운동 R" panose="02020603020101020101" pitchFamily="18" charset="-127"/>
+              </a:rPr>
+              <a:t>게시물댓글조회</a:t>
+            </a:r>
+            <a:r>
+              <a:rPr lang="ko-KR" altLang="en-US" dirty="0">
                 <a:solidFill>
                   <a:schemeClr val="tx1"/>
                 </a:solidFill>
@@ -7709,27 +7211,27 @@
               <a:t> </a:t>
             </a:r>
             <a:r>
-              <a:rPr lang="en-US" altLang="ko-KR" smtClean="0">
-                <a:solidFill>
-                  <a:schemeClr val="tx1"/>
-                </a:solidFill>
-                <a:latin typeface="1훈새마을운동 R" panose="02020603020101020101" pitchFamily="18" charset="-127"/>
-                <a:ea typeface="1훈새마을운동 R" panose="02020603020101020101" pitchFamily="18" charset="-127"/>
-              </a:rPr>
-              <a:t>6. </a:t>
-            </a:r>
-            <a:r>
-              <a:rPr lang="ko-KR" altLang="en-US" smtClean="0">
-                <a:solidFill>
-                  <a:schemeClr val="tx1"/>
-                </a:solidFill>
-                <a:latin typeface="1훈새마을운동 R" panose="02020603020101020101" pitchFamily="18" charset="-127"/>
-                <a:ea typeface="1훈새마을운동 R" panose="02020603020101020101" pitchFamily="18" charset="-127"/>
-              </a:rPr>
-              <a:t>게시물댓글조회 메소드 </a:t>
-            </a:r>
-            <a:r>
-              <a:rPr lang="en-US" altLang="ko-KR" smtClean="0">
+              <a:rPr lang="ko-KR" altLang="en-US" dirty="0" err="1">
+                <a:solidFill>
+                  <a:schemeClr val="tx1"/>
+                </a:solidFill>
+                <a:latin typeface="1훈새마을운동 R" panose="02020603020101020101" pitchFamily="18" charset="-127"/>
+                <a:ea typeface="1훈새마을운동 R" panose="02020603020101020101" pitchFamily="18" charset="-127"/>
+              </a:rPr>
+              <a:t>메소드</a:t>
+            </a:r>
+            <a:r>
+              <a:rPr lang="ko-KR" altLang="en-US" dirty="0">
+                <a:solidFill>
+                  <a:schemeClr val="tx1"/>
+                </a:solidFill>
+                <a:latin typeface="1훈새마을운동 R" panose="02020603020101020101" pitchFamily="18" charset="-127"/>
+                <a:ea typeface="1훈새마을운동 R" panose="02020603020101020101" pitchFamily="18" charset="-127"/>
+              </a:rPr>
+              <a:t> </a:t>
+            </a:r>
+            <a:r>
+              <a:rPr lang="en-US" altLang="ko-KR" dirty="0">
                 <a:solidFill>
                   <a:schemeClr val="tx1"/>
                 </a:solidFill>
@@ -7738,7 +7240,9 @@
               </a:rPr>
               <a:t>   </a:t>
             </a:r>
-            <a:endParaRPr lang="en-US" altLang="ko-KR" smtClean="0">
+          </a:p>
+          <a:p>
+            <a:endParaRPr lang="en-US" altLang="ko-KR" dirty="0" smtClean="0">
               <a:solidFill>
                 <a:schemeClr val="tx1"/>
               </a:solidFill>
@@ -7747,7 +7251,7 @@
             </a:endParaRPr>
           </a:p>
           <a:p>
-            <a:endParaRPr lang="en-US" altLang="ko-KR" smtClean="0">
+            <a:endParaRPr lang="en-US" altLang="ko-KR" dirty="0" smtClean="0">
               <a:solidFill>
                 <a:schemeClr val="tx1"/>
               </a:solidFill>
@@ -7756,16 +7260,7 @@
             </a:endParaRPr>
           </a:p>
           <a:p>
-            <a:endParaRPr lang="en-US" altLang="ko-KR" smtClean="0">
-              <a:solidFill>
-                <a:schemeClr val="tx1"/>
-              </a:solidFill>
-              <a:latin typeface="1훈새마을운동 R" panose="02020603020101020101" pitchFamily="18" charset="-127"/>
-              <a:ea typeface="1훈새마을운동 R" panose="02020603020101020101" pitchFamily="18" charset="-127"/>
-            </a:endParaRPr>
-          </a:p>
-          <a:p>
-            <a:endParaRPr lang="en-US" altLang="ko-KR" smtClean="0">
+            <a:endParaRPr lang="en-US" altLang="ko-KR" dirty="0" smtClean="0">
               <a:solidFill>
                 <a:schemeClr val="tx1"/>
               </a:solidFill>
@@ -7810,7 +7305,7 @@
           <a:lstStyle/>
           <a:p>
             <a:r>
-              <a:rPr lang="ko-KR" altLang="en-US" smtClean="0">
+              <a:rPr lang="ko-KR" altLang="en-US" dirty="0" err="1" smtClean="0">
                 <a:solidFill>
                   <a:schemeClr val="tx1"/>
                 </a:solidFill>
@@ -7820,7 +7315,7 @@
               <a:t>생성자</a:t>
             </a:r>
             <a:r>
-              <a:rPr lang="en-US" altLang="ko-KR" smtClean="0">
+              <a:rPr lang="en-US" altLang="ko-KR" dirty="0" smtClean="0">
                 <a:solidFill>
                   <a:schemeClr val="tx1"/>
                 </a:solidFill>
@@ -7830,7 +7325,7 @@
               <a:t>[ </a:t>
             </a:r>
             <a:r>
-              <a:rPr lang="ko-KR" altLang="en-US" smtClean="0">
+              <a:rPr lang="ko-KR" altLang="en-US" dirty="0" smtClean="0">
                 <a:solidFill>
                   <a:schemeClr val="tx1"/>
                 </a:solidFill>
@@ -7840,7 +7335,7 @@
               <a:t>객체의 초기값 </a:t>
             </a:r>
             <a:r>
-              <a:rPr lang="en-US" altLang="ko-KR" smtClean="0">
+              <a:rPr lang="en-US" altLang="ko-KR" dirty="0" smtClean="0">
                 <a:solidFill>
                   <a:schemeClr val="tx1"/>
                 </a:solidFill>
@@ -7852,7 +7347,7 @@
           </a:p>
           <a:p>
             <a:r>
-              <a:rPr lang="en-US" altLang="ko-KR">
+              <a:rPr lang="en-US" altLang="ko-KR" dirty="0">
                 <a:solidFill>
                   <a:schemeClr val="tx1"/>
                 </a:solidFill>
@@ -7862,26 +7357,56 @@
               <a:t> </a:t>
             </a:r>
             <a:r>
-              <a:rPr lang="en-US" altLang="ko-KR" smtClean="0">
-                <a:solidFill>
-                  <a:schemeClr val="tx1"/>
-                </a:solidFill>
-                <a:latin typeface="1훈새마을운동 R" panose="02020603020101020101" pitchFamily="18" charset="-127"/>
-                <a:ea typeface="1훈새마을운동 R" panose="02020603020101020101" pitchFamily="18" charset="-127"/>
-              </a:rPr>
-              <a:t> 1. </a:t>
-            </a:r>
-            <a:r>
-              <a:rPr lang="ko-KR" altLang="en-US" smtClean="0">
-                <a:solidFill>
-                  <a:schemeClr val="tx1"/>
-                </a:solidFill>
-                <a:latin typeface="1훈새마을운동 R" panose="02020603020101020101" pitchFamily="18" charset="-127"/>
-                <a:ea typeface="1훈새마을운동 R" panose="02020603020101020101" pitchFamily="18" charset="-127"/>
-              </a:rPr>
-              <a:t>빈 생성자 </a:t>
-            </a:r>
-            <a:endParaRPr lang="en-US" altLang="ko-KR" smtClean="0">
+              <a:rPr lang="en-US" altLang="ko-KR" dirty="0" smtClean="0">
+                <a:solidFill>
+                  <a:schemeClr val="tx1"/>
+                </a:solidFill>
+                <a:latin typeface="1훈새마을운동 R" panose="02020603020101020101" pitchFamily="18" charset="-127"/>
+                <a:ea typeface="1훈새마을운동 R" panose="02020603020101020101" pitchFamily="18" charset="-127"/>
+              </a:rPr>
+              <a:t> </a:t>
+            </a:r>
+            <a:r>
+              <a:rPr lang="en-US" altLang="ko-KR" dirty="0">
+                <a:solidFill>
+                  <a:schemeClr val="tx1"/>
+                </a:solidFill>
+                <a:latin typeface="1훈새마을운동 R" panose="02020603020101020101" pitchFamily="18" charset="-127"/>
+                <a:ea typeface="1훈새마을운동 R" panose="02020603020101020101" pitchFamily="18" charset="-127"/>
+              </a:rPr>
+              <a:t>1. </a:t>
+            </a:r>
+            <a:r>
+              <a:rPr lang="ko-KR" altLang="en-US" dirty="0">
+                <a:solidFill>
+                  <a:schemeClr val="tx1"/>
+                </a:solidFill>
+                <a:latin typeface="1훈새마을운동 R" panose="02020603020101020101" pitchFamily="18" charset="-127"/>
+                <a:ea typeface="1훈새마을운동 R" panose="02020603020101020101" pitchFamily="18" charset="-127"/>
+              </a:rPr>
+              <a:t>빈 </a:t>
+            </a:r>
+            <a:r>
+              <a:rPr lang="ko-KR" altLang="en-US" dirty="0" err="1">
+                <a:solidFill>
+                  <a:schemeClr val="tx1"/>
+                </a:solidFill>
+                <a:latin typeface="1훈새마을운동 R" panose="02020603020101020101" pitchFamily="18" charset="-127"/>
+                <a:ea typeface="1훈새마을운동 R" panose="02020603020101020101" pitchFamily="18" charset="-127"/>
+              </a:rPr>
+              <a:t>생성자</a:t>
+            </a:r>
+            <a:r>
+              <a:rPr lang="ko-KR" altLang="en-US" dirty="0">
+                <a:solidFill>
+                  <a:schemeClr val="tx1"/>
+                </a:solidFill>
+                <a:latin typeface="1훈새마을운동 R" panose="02020603020101020101" pitchFamily="18" charset="-127"/>
+                <a:ea typeface="1훈새마을운동 R" panose="02020603020101020101" pitchFamily="18" charset="-127"/>
+              </a:rPr>
+              <a:t> </a:t>
+            </a:r>
+            <a:endParaRPr lang="en-US" altLang="ko-KR" dirty="0">
               <a:solidFill>
                 <a:schemeClr val="tx1"/>
               </a:solidFill>
@@ -7891,7 +7416,37 @@
           </a:p>
           <a:p>
             <a:r>
-              <a:rPr lang="en-US" altLang="ko-KR">
+              <a:rPr lang="en-US" altLang="ko-KR" dirty="0">
+                <a:solidFill>
+                  <a:schemeClr val="tx1"/>
+                </a:solidFill>
+                <a:latin typeface="1훈새마을운동 R" panose="02020603020101020101" pitchFamily="18" charset="-127"/>
+                <a:ea typeface="1훈새마을운동 R" panose="02020603020101020101" pitchFamily="18" charset="-127"/>
+              </a:rPr>
+              <a:t>  2. </a:t>
+            </a:r>
+            <a:r>
+              <a:rPr lang="ko-KR" altLang="en-US" dirty="0">
+                <a:solidFill>
+                  <a:schemeClr val="tx1"/>
+                </a:solidFill>
+                <a:latin typeface="1훈새마을운동 R" panose="02020603020101020101" pitchFamily="18" charset="-127"/>
+                <a:ea typeface="1훈새마을운동 R" panose="02020603020101020101" pitchFamily="18" charset="-127"/>
+              </a:rPr>
+              <a:t>모든 필드를 받는 </a:t>
+            </a:r>
+            <a:r>
+              <a:rPr lang="ko-KR" altLang="en-US" dirty="0" err="1">
+                <a:solidFill>
+                  <a:schemeClr val="tx1"/>
+                </a:solidFill>
+                <a:latin typeface="1훈새마을운동 R" panose="02020603020101020101" pitchFamily="18" charset="-127"/>
+                <a:ea typeface="1훈새마을운동 R" panose="02020603020101020101" pitchFamily="18" charset="-127"/>
+              </a:rPr>
+              <a:t>생성자</a:t>
+            </a:r>
+            <a:r>
+              <a:rPr lang="ko-KR" altLang="en-US" dirty="0">
                 <a:solidFill>
                   <a:schemeClr val="tx1"/>
                 </a:solidFill>
@@ -7900,27 +7455,7 @@
               </a:rPr>
               <a:t> </a:t>
             </a:r>
-            <a:r>
-              <a:rPr lang="en-US" altLang="ko-KR" smtClean="0">
-                <a:solidFill>
-                  <a:schemeClr val="tx1"/>
-                </a:solidFill>
-                <a:latin typeface="1훈새마을운동 R" panose="02020603020101020101" pitchFamily="18" charset="-127"/>
-                <a:ea typeface="1훈새마을운동 R" panose="02020603020101020101" pitchFamily="18" charset="-127"/>
-              </a:rPr>
-              <a:t> 2. </a:t>
-            </a:r>
-            <a:r>
-              <a:rPr lang="ko-KR" altLang="en-US" smtClean="0">
-                <a:solidFill>
-                  <a:schemeClr val="tx1"/>
-                </a:solidFill>
-                <a:latin typeface="1훈새마을운동 R" panose="02020603020101020101" pitchFamily="18" charset="-127"/>
-                <a:ea typeface="1훈새마을운동 R" panose="02020603020101020101" pitchFamily="18" charset="-127"/>
-              </a:rPr>
-              <a:t>모든 필드를 받는 생성자 </a:t>
-            </a:r>
-            <a:endParaRPr lang="en-US" altLang="ko-KR" smtClean="0">
+            <a:endParaRPr lang="en-US" altLang="ko-KR" dirty="0">
               <a:solidFill>
                 <a:schemeClr val="tx1"/>
               </a:solidFill>
@@ -7930,7 +7465,37 @@
           </a:p>
           <a:p>
             <a:r>
-              <a:rPr lang="en-US" altLang="ko-KR">
+              <a:rPr lang="en-US" altLang="ko-KR" dirty="0">
+                <a:solidFill>
+                  <a:schemeClr val="tx1"/>
+                </a:solidFill>
+                <a:latin typeface="1훈새마을운동 R" panose="02020603020101020101" pitchFamily="18" charset="-127"/>
+                <a:ea typeface="1훈새마을운동 R" panose="02020603020101020101" pitchFamily="18" charset="-127"/>
+              </a:rPr>
+              <a:t>  3. </a:t>
+            </a:r>
+            <a:r>
+              <a:rPr lang="ko-KR" altLang="en-US" dirty="0">
+                <a:solidFill>
+                  <a:schemeClr val="tx1"/>
+                </a:solidFill>
+                <a:latin typeface="1훈새마을운동 R" panose="02020603020101020101" pitchFamily="18" charset="-127"/>
+                <a:ea typeface="1훈새마을운동 R" panose="02020603020101020101" pitchFamily="18" charset="-127"/>
+              </a:rPr>
+              <a:t>게시물등록 </a:t>
+            </a:r>
+            <a:r>
+              <a:rPr lang="ko-KR" altLang="en-US" dirty="0" err="1">
+                <a:solidFill>
+                  <a:schemeClr val="tx1"/>
+                </a:solidFill>
+                <a:latin typeface="1훈새마을운동 R" panose="02020603020101020101" pitchFamily="18" charset="-127"/>
+                <a:ea typeface="1훈새마을운동 R" panose="02020603020101020101" pitchFamily="18" charset="-127"/>
+              </a:rPr>
+              <a:t>생성자</a:t>
+            </a:r>
+            <a:r>
+              <a:rPr lang="ko-KR" altLang="en-US" dirty="0">
                 <a:solidFill>
                   <a:schemeClr val="tx1"/>
                 </a:solidFill>
@@ -7939,27 +7504,7 @@
               </a:rPr>
               <a:t> </a:t>
             </a:r>
-            <a:r>
-              <a:rPr lang="en-US" altLang="ko-KR" smtClean="0">
-                <a:solidFill>
-                  <a:schemeClr val="tx1"/>
-                </a:solidFill>
-                <a:latin typeface="1훈새마을운동 R" panose="02020603020101020101" pitchFamily="18" charset="-127"/>
-                <a:ea typeface="1훈새마을운동 R" panose="02020603020101020101" pitchFamily="18" charset="-127"/>
-              </a:rPr>
-              <a:t> 3. </a:t>
-            </a:r>
-            <a:r>
-              <a:rPr lang="ko-KR" altLang="en-US" smtClean="0">
-                <a:solidFill>
-                  <a:schemeClr val="tx1"/>
-                </a:solidFill>
-                <a:latin typeface="1훈새마을운동 R" panose="02020603020101020101" pitchFamily="18" charset="-127"/>
-                <a:ea typeface="1훈새마을운동 R" panose="02020603020101020101" pitchFamily="18" charset="-127"/>
-              </a:rPr>
-              <a:t>게시물등록 생성자 </a:t>
-            </a:r>
-            <a:endParaRPr lang="en-US" altLang="ko-KR" smtClean="0">
+            <a:endParaRPr lang="en-US" altLang="ko-KR" dirty="0">
               <a:solidFill>
                 <a:schemeClr val="tx1"/>
               </a:solidFill>
@@ -7969,7 +7514,37 @@
           </a:p>
           <a:p>
             <a:r>
-              <a:rPr lang="en-US" altLang="ko-KR">
+              <a:rPr lang="en-US" altLang="ko-KR" dirty="0">
+                <a:solidFill>
+                  <a:schemeClr val="tx1"/>
+                </a:solidFill>
+                <a:latin typeface="1훈새마을운동 R" panose="02020603020101020101" pitchFamily="18" charset="-127"/>
+                <a:ea typeface="1훈새마을운동 R" panose="02020603020101020101" pitchFamily="18" charset="-127"/>
+              </a:rPr>
+              <a:t>  4. </a:t>
+            </a:r>
+            <a:r>
+              <a:rPr lang="ko-KR" altLang="en-US" dirty="0">
+                <a:solidFill>
+                  <a:schemeClr val="tx1"/>
+                </a:solidFill>
+                <a:latin typeface="1훈새마을운동 R" panose="02020603020101020101" pitchFamily="18" charset="-127"/>
+                <a:ea typeface="1훈새마을운동 R" panose="02020603020101020101" pitchFamily="18" charset="-127"/>
+              </a:rPr>
+              <a:t>게시물조회 </a:t>
+            </a:r>
+            <a:r>
+              <a:rPr lang="ko-KR" altLang="en-US" dirty="0" err="1">
+                <a:solidFill>
+                  <a:schemeClr val="tx1"/>
+                </a:solidFill>
+                <a:latin typeface="1훈새마을운동 R" panose="02020603020101020101" pitchFamily="18" charset="-127"/>
+                <a:ea typeface="1훈새마을운동 R" panose="02020603020101020101" pitchFamily="18" charset="-127"/>
+              </a:rPr>
+              <a:t>생성자</a:t>
+            </a:r>
+            <a:r>
+              <a:rPr lang="ko-KR" altLang="en-US" dirty="0">
                 <a:solidFill>
                   <a:schemeClr val="tx1"/>
                 </a:solidFill>
@@ -7978,27 +7553,7 @@
               </a:rPr>
               <a:t> </a:t>
             </a:r>
-            <a:r>
-              <a:rPr lang="en-US" altLang="ko-KR" smtClean="0">
-                <a:solidFill>
-                  <a:schemeClr val="tx1"/>
-                </a:solidFill>
-                <a:latin typeface="1훈새마을운동 R" panose="02020603020101020101" pitchFamily="18" charset="-127"/>
-                <a:ea typeface="1훈새마을운동 R" panose="02020603020101020101" pitchFamily="18" charset="-127"/>
-              </a:rPr>
-              <a:t> 4. </a:t>
-            </a:r>
-            <a:r>
-              <a:rPr lang="ko-KR" altLang="en-US" smtClean="0">
-                <a:solidFill>
-                  <a:schemeClr val="tx1"/>
-                </a:solidFill>
-                <a:latin typeface="1훈새마을운동 R" panose="02020603020101020101" pitchFamily="18" charset="-127"/>
-                <a:ea typeface="1훈새마을운동 R" panose="02020603020101020101" pitchFamily="18" charset="-127"/>
-              </a:rPr>
-              <a:t>게시물조회 생성자 </a:t>
-            </a:r>
-            <a:endParaRPr lang="en-US" altLang="ko-KR" smtClean="0">
+            <a:endParaRPr lang="en-US" altLang="ko-KR" dirty="0">
               <a:solidFill>
                 <a:schemeClr val="tx1"/>
               </a:solidFill>
@@ -8008,28 +7563,18 @@
           </a:p>
           <a:p>
             <a:r>
-              <a:rPr lang="en-US" altLang="ko-KR">
-                <a:solidFill>
-                  <a:schemeClr val="tx1"/>
-                </a:solidFill>
-                <a:latin typeface="1훈새마을운동 R" panose="02020603020101020101" pitchFamily="18" charset="-127"/>
-                <a:ea typeface="1훈새마을운동 R" panose="02020603020101020101" pitchFamily="18" charset="-127"/>
-              </a:rPr>
-              <a:t> </a:t>
-            </a:r>
-            <a:r>
-              <a:rPr lang="en-US" altLang="ko-KR" smtClean="0">
-                <a:solidFill>
-                  <a:schemeClr val="tx1"/>
-                </a:solidFill>
-                <a:latin typeface="1훈새마을운동 R" panose="02020603020101020101" pitchFamily="18" charset="-127"/>
-                <a:ea typeface="1훈새마을운동 R" panose="02020603020101020101" pitchFamily="18" charset="-127"/>
-              </a:rPr>
-              <a:t> </a:t>
-            </a:r>
-          </a:p>
-          <a:p>
-            <a:endParaRPr lang="en-US" altLang="ko-KR" smtClean="0">
+              <a:rPr lang="en-US" altLang="ko-KR" dirty="0" smtClean="0">
+                <a:solidFill>
+                  <a:schemeClr val="tx1"/>
+                </a:solidFill>
+                <a:latin typeface="1훈새마을운동 R" panose="02020603020101020101" pitchFamily="18" charset="-127"/>
+                <a:ea typeface="1훈새마을운동 R" panose="02020603020101020101" pitchFamily="18" charset="-127"/>
+              </a:rPr>
+              <a:t>  </a:t>
+            </a:r>
+          </a:p>
+          <a:p>
+            <a:endParaRPr lang="en-US" altLang="ko-KR" dirty="0" smtClean="0">
               <a:solidFill>
                 <a:schemeClr val="tx1"/>
               </a:solidFill>
@@ -8038,7 +7583,7 @@
             </a:endParaRPr>
           </a:p>
           <a:p>
-            <a:endParaRPr lang="en-US" altLang="ko-KR" smtClean="0">
+            <a:endParaRPr lang="en-US" altLang="ko-KR" dirty="0" smtClean="0">
               <a:solidFill>
                 <a:schemeClr val="tx1"/>
               </a:solidFill>
@@ -8047,7 +7592,7 @@
             </a:endParaRPr>
           </a:p>
           <a:p>
-            <a:endParaRPr lang="en-US" altLang="ko-KR" smtClean="0">
+            <a:endParaRPr lang="en-US" altLang="ko-KR" dirty="0" smtClean="0">
               <a:solidFill>
                 <a:schemeClr val="tx1"/>
               </a:solidFill>
@@ -8171,7 +7716,7 @@
           <a:lstStyle/>
           <a:p>
             <a:r>
-              <a:rPr lang="en-US" altLang="ko-KR" smtClean="0">
+              <a:rPr lang="en-US" altLang="ko-KR" sz="1400" dirty="0" smtClean="0">
                 <a:solidFill>
                   <a:schemeClr val="tx1"/>
                 </a:solidFill>
@@ -8181,16 +7726,26 @@
               <a:t>*</a:t>
             </a:r>
             <a:r>
-              <a:rPr lang="ko-KR" altLang="en-US" smtClean="0">
-                <a:solidFill>
-                  <a:schemeClr val="tx1"/>
-                </a:solidFill>
-                <a:latin typeface="1훈새마을운동 R" panose="02020603020101020101" pitchFamily="18" charset="-127"/>
-                <a:ea typeface="1훈새마을운동 R" panose="02020603020101020101" pitchFamily="18" charset="-127"/>
-              </a:rPr>
-              <a:t>메소드 구성</a:t>
-            </a:r>
-            <a:endParaRPr lang="en-US" altLang="ko-KR" smtClean="0">
+              <a:rPr lang="ko-KR" altLang="en-US" sz="1400" dirty="0" err="1" smtClean="0">
+                <a:solidFill>
+                  <a:schemeClr val="tx1"/>
+                </a:solidFill>
+                <a:latin typeface="1훈새마을운동 R" panose="02020603020101020101" pitchFamily="18" charset="-127"/>
+                <a:ea typeface="1훈새마을운동 R" panose="02020603020101020101" pitchFamily="18" charset="-127"/>
+              </a:rPr>
+              <a:t>메소드</a:t>
+            </a:r>
+            <a:r>
+              <a:rPr lang="ko-KR" altLang="en-US" sz="1400" dirty="0" smtClean="0">
+                <a:solidFill>
+                  <a:schemeClr val="tx1"/>
+                </a:solidFill>
+                <a:latin typeface="1훈새마을운동 R" panose="02020603020101020101" pitchFamily="18" charset="-127"/>
+                <a:ea typeface="1훈새마을운동 R" panose="02020603020101020101" pitchFamily="18" charset="-127"/>
+              </a:rPr>
+              <a:t> 구성</a:t>
+            </a:r>
+            <a:endParaRPr lang="en-US" altLang="ko-KR" sz="1400" dirty="0" smtClean="0">
               <a:solidFill>
                 <a:schemeClr val="tx1"/>
               </a:solidFill>
@@ -8200,7 +7755,7 @@
           </a:p>
           <a:p>
             <a:r>
-              <a:rPr lang="en-US" altLang="ko-KR">
+              <a:rPr lang="en-US" altLang="ko-KR" sz="1400" dirty="0">
                 <a:solidFill>
                   <a:schemeClr val="tx1"/>
                 </a:solidFill>
@@ -8210,7 +7765,7 @@
               <a:t>	</a:t>
             </a:r>
             <a:r>
-              <a:rPr lang="en-US" altLang="ko-KR" smtClean="0">
+              <a:rPr lang="en-US" altLang="ko-KR" sz="1400" dirty="0" smtClean="0">
                 <a:solidFill>
                   <a:schemeClr val="tx1"/>
                 </a:solidFill>
@@ -8220,7 +7775,7 @@
               <a:t>* </a:t>
             </a:r>
             <a:r>
-              <a:rPr lang="ko-KR" altLang="en-US" smtClean="0">
+              <a:rPr lang="ko-KR" altLang="en-US" sz="1400" dirty="0" smtClean="0">
                 <a:solidFill>
                   <a:schemeClr val="tx1"/>
                 </a:solidFill>
@@ -8230,7 +7785,7 @@
               <a:t>사용목적 </a:t>
             </a:r>
             <a:r>
-              <a:rPr lang="en-US" altLang="ko-KR" smtClean="0">
+              <a:rPr lang="en-US" altLang="ko-KR" sz="1400" dirty="0" smtClean="0">
                 <a:solidFill>
                   <a:schemeClr val="tx1"/>
                 </a:solidFill>
@@ -8240,7 +7795,7 @@
               <a:t>: 1.</a:t>
             </a:r>
             <a:r>
-              <a:rPr lang="ko-KR" altLang="en-US" smtClean="0">
+              <a:rPr lang="ko-KR" altLang="en-US" sz="1400" dirty="0" smtClean="0">
                 <a:solidFill>
                   <a:schemeClr val="tx1"/>
                 </a:solidFill>
@@ -8250,7 +7805,7 @@
               <a:t>코드 재활용 </a:t>
             </a:r>
             <a:r>
-              <a:rPr lang="en-US" altLang="ko-KR" smtClean="0">
+              <a:rPr lang="en-US" altLang="ko-KR" sz="1400" dirty="0" smtClean="0">
                 <a:solidFill>
                   <a:schemeClr val="tx1"/>
                 </a:solidFill>
@@ -8260,16 +7815,26 @@
               <a:t>2.</a:t>
             </a:r>
             <a:r>
-              <a:rPr lang="ko-KR" altLang="en-US" smtClean="0">
-                <a:solidFill>
-                  <a:schemeClr val="tx1"/>
-                </a:solidFill>
-                <a:latin typeface="1훈새마을운동 R" panose="02020603020101020101" pitchFamily="18" charset="-127"/>
-                <a:ea typeface="1훈새마을운동 R" panose="02020603020101020101" pitchFamily="18" charset="-127"/>
-              </a:rPr>
-              <a:t>인수에 따른 서로 다른 결과와 실행값</a:t>
-            </a:r>
-            <a:endParaRPr lang="en-US" altLang="ko-KR" smtClean="0">
+              <a:rPr lang="ko-KR" altLang="en-US" sz="1400" dirty="0" smtClean="0">
+                <a:solidFill>
+                  <a:schemeClr val="tx1"/>
+                </a:solidFill>
+                <a:latin typeface="1훈새마을운동 R" panose="02020603020101020101" pitchFamily="18" charset="-127"/>
+                <a:ea typeface="1훈새마을운동 R" panose="02020603020101020101" pitchFamily="18" charset="-127"/>
+              </a:rPr>
+              <a:t>인수에 따른 서로 다른 결과와 </a:t>
+            </a:r>
+            <a:r>
+              <a:rPr lang="ko-KR" altLang="en-US" sz="1400" dirty="0" err="1" smtClean="0">
+                <a:solidFill>
+                  <a:schemeClr val="tx1"/>
+                </a:solidFill>
+                <a:latin typeface="1훈새마을운동 R" panose="02020603020101020101" pitchFamily="18" charset="-127"/>
+                <a:ea typeface="1훈새마을운동 R" panose="02020603020101020101" pitchFamily="18" charset="-127"/>
+              </a:rPr>
+              <a:t>실행값</a:t>
+            </a:r>
+            <a:endParaRPr lang="en-US" altLang="ko-KR" sz="1400" dirty="0" smtClean="0">
               <a:solidFill>
                 <a:schemeClr val="tx1"/>
               </a:solidFill>
@@ -8279,7 +7844,7 @@
           </a:p>
           <a:p>
             <a:r>
-              <a:rPr lang="en-US" altLang="ko-KR">
+              <a:rPr lang="en-US" altLang="ko-KR" sz="1400" dirty="0">
                 <a:solidFill>
                   <a:schemeClr val="tx1"/>
                 </a:solidFill>
@@ -8289,7 +7854,7 @@
               <a:t>	</a:t>
             </a:r>
             <a:r>
-              <a:rPr lang="en-US" altLang="ko-KR" smtClean="0">
+              <a:rPr lang="en-US" altLang="ko-KR" sz="1400" dirty="0" smtClean="0">
                 <a:solidFill>
                   <a:schemeClr val="tx1"/>
                 </a:solidFill>
@@ -8299,7 +7864,7 @@
               <a:t>1. </a:t>
             </a:r>
             <a:r>
-              <a:rPr lang="ko-KR" altLang="en-US" smtClean="0">
+              <a:rPr lang="ko-KR" altLang="en-US" sz="1400" dirty="0" smtClean="0">
                 <a:solidFill>
                   <a:schemeClr val="tx1"/>
                 </a:solidFill>
@@ -8309,7 +7874,7 @@
               <a:t>인수 </a:t>
             </a:r>
             <a:r>
-              <a:rPr lang="en-US" altLang="ko-KR" smtClean="0">
+              <a:rPr lang="en-US" altLang="ko-KR" sz="1400" dirty="0" smtClean="0">
                 <a:solidFill>
                   <a:schemeClr val="tx1"/>
                 </a:solidFill>
@@ -8319,7 +7884,7 @@
               <a:t>[ </a:t>
             </a:r>
             <a:r>
-              <a:rPr lang="ko-KR" altLang="en-US" smtClean="0">
+              <a:rPr lang="ko-KR" altLang="en-US" sz="1400" dirty="0" smtClean="0">
                 <a:solidFill>
                   <a:schemeClr val="tx1"/>
                 </a:solidFill>
@@ -8329,7 +7894,7 @@
               <a:t>매개변수 </a:t>
             </a:r>
             <a:r>
-              <a:rPr lang="en-US" altLang="ko-KR" smtClean="0">
+              <a:rPr lang="en-US" altLang="ko-KR" sz="1400" dirty="0" smtClean="0">
                 <a:solidFill>
                   <a:schemeClr val="tx1"/>
                 </a:solidFill>
@@ -8339,16 +7904,66 @@
               <a:t>]  : </a:t>
             </a:r>
             <a:r>
-              <a:rPr lang="ko-KR" altLang="en-US" smtClean="0">
-                <a:solidFill>
-                  <a:schemeClr val="tx1"/>
-                </a:solidFill>
-                <a:latin typeface="1훈새마을운동 R" panose="02020603020101020101" pitchFamily="18" charset="-127"/>
-                <a:ea typeface="1훈새마을운동 R" panose="02020603020101020101" pitchFamily="18" charset="-127"/>
-              </a:rPr>
-              <a:t>메소드 호출시 메소드 안으로 들어오는 데이터 </a:t>
-            </a:r>
-            <a:endParaRPr lang="en-US" altLang="ko-KR" smtClean="0">
+              <a:rPr lang="ko-KR" altLang="en-US" sz="1400" dirty="0" err="1" smtClean="0">
+                <a:solidFill>
+                  <a:schemeClr val="tx1"/>
+                </a:solidFill>
+                <a:latin typeface="1훈새마을운동 R" panose="02020603020101020101" pitchFamily="18" charset="-127"/>
+                <a:ea typeface="1훈새마을운동 R" panose="02020603020101020101" pitchFamily="18" charset="-127"/>
+              </a:rPr>
+              <a:t>메소드</a:t>
+            </a:r>
+            <a:r>
+              <a:rPr lang="ko-KR" altLang="en-US" sz="1400" dirty="0" smtClean="0">
+                <a:solidFill>
+                  <a:schemeClr val="tx1"/>
+                </a:solidFill>
+                <a:latin typeface="1훈새마을운동 R" panose="02020603020101020101" pitchFamily="18" charset="-127"/>
+                <a:ea typeface="1훈새마을운동 R" panose="02020603020101020101" pitchFamily="18" charset="-127"/>
+              </a:rPr>
+              <a:t> </a:t>
+            </a:r>
+            <a:r>
+              <a:rPr lang="ko-KR" altLang="en-US" sz="1400" dirty="0" err="1" smtClean="0">
+                <a:solidFill>
+                  <a:schemeClr val="tx1"/>
+                </a:solidFill>
+                <a:latin typeface="1훈새마을운동 R" panose="02020603020101020101" pitchFamily="18" charset="-127"/>
+                <a:ea typeface="1훈새마을운동 R" panose="02020603020101020101" pitchFamily="18" charset="-127"/>
+              </a:rPr>
+              <a:t>호출시</a:t>
+            </a:r>
+            <a:r>
+              <a:rPr lang="ko-KR" altLang="en-US" sz="1400" dirty="0" smtClean="0">
+                <a:solidFill>
+                  <a:schemeClr val="tx1"/>
+                </a:solidFill>
+                <a:latin typeface="1훈새마을운동 R" panose="02020603020101020101" pitchFamily="18" charset="-127"/>
+                <a:ea typeface="1훈새마을운동 R" panose="02020603020101020101" pitchFamily="18" charset="-127"/>
+              </a:rPr>
+              <a:t> </a:t>
+            </a:r>
+            <a:r>
+              <a:rPr lang="ko-KR" altLang="en-US" sz="1400" dirty="0" err="1" smtClean="0">
+                <a:solidFill>
+                  <a:schemeClr val="tx1"/>
+                </a:solidFill>
+                <a:latin typeface="1훈새마을운동 R" panose="02020603020101020101" pitchFamily="18" charset="-127"/>
+                <a:ea typeface="1훈새마을운동 R" panose="02020603020101020101" pitchFamily="18" charset="-127"/>
+              </a:rPr>
+              <a:t>메소드</a:t>
+            </a:r>
+            <a:r>
+              <a:rPr lang="ko-KR" altLang="en-US" sz="1400" dirty="0" smtClean="0">
+                <a:solidFill>
+                  <a:schemeClr val="tx1"/>
+                </a:solidFill>
+                <a:latin typeface="1훈새마을운동 R" panose="02020603020101020101" pitchFamily="18" charset="-127"/>
+                <a:ea typeface="1훈새마을운동 R" panose="02020603020101020101" pitchFamily="18" charset="-127"/>
+              </a:rPr>
+              <a:t> 안으로 들어오는 데이터 </a:t>
+            </a:r>
+            <a:endParaRPr lang="en-US" altLang="ko-KR" sz="1400" dirty="0" smtClean="0">
               <a:solidFill>
                 <a:schemeClr val="tx1"/>
               </a:solidFill>
@@ -8358,7 +7973,7 @@
           </a:p>
           <a:p>
             <a:r>
-              <a:rPr lang="en-US" altLang="ko-KR">
+              <a:rPr lang="en-US" altLang="ko-KR" sz="1400" dirty="0">
                 <a:solidFill>
                   <a:schemeClr val="tx1"/>
                 </a:solidFill>
@@ -8368,7 +7983,7 @@
               <a:t>	</a:t>
             </a:r>
             <a:r>
-              <a:rPr lang="en-US" altLang="ko-KR" smtClean="0">
+              <a:rPr lang="en-US" altLang="ko-KR" sz="1400" dirty="0" smtClean="0">
                 <a:solidFill>
                   <a:schemeClr val="tx1"/>
                 </a:solidFill>
@@ -8378,7 +7993,7 @@
               <a:t>	1.[ </a:t>
             </a:r>
             <a:r>
-              <a:rPr lang="ko-KR" altLang="en-US" smtClean="0">
+              <a:rPr lang="ko-KR" altLang="en-US" sz="1400" dirty="0" smtClean="0">
                 <a:solidFill>
                   <a:schemeClr val="tx1"/>
                 </a:solidFill>
@@ -8388,7 +8003,7 @@
               <a:t>조건 </a:t>
             </a:r>
             <a:r>
-              <a:rPr lang="en-US" altLang="ko-KR" smtClean="0">
+              <a:rPr lang="en-US" altLang="ko-KR" sz="1400" dirty="0" smtClean="0">
                 <a:solidFill>
                   <a:schemeClr val="tx1"/>
                 </a:solidFill>
@@ -8398,17 +8013,27 @@
               <a:t>] : (</a:t>
             </a:r>
             <a:r>
-              <a:rPr lang="ko-KR" altLang="en-US" smtClean="0">
-                <a:solidFill>
-                  <a:schemeClr val="tx1"/>
-                </a:solidFill>
-                <a:latin typeface="1훈새마을운동 R" panose="02020603020101020101" pitchFamily="18" charset="-127"/>
-                <a:ea typeface="1훈새마을운동 R" panose="02020603020101020101" pitchFamily="18" charset="-127"/>
-              </a:rPr>
-              <a:t>호출시 들어오는 데이터와 인수</a:t>
-            </a:r>
-            <a:r>
-              <a:rPr lang="en-US" altLang="ko-KR" smtClean="0">
+              <a:rPr lang="ko-KR" altLang="en-US" sz="1400" dirty="0" err="1" smtClean="0">
+                <a:solidFill>
+                  <a:schemeClr val="tx1"/>
+                </a:solidFill>
+                <a:latin typeface="1훈새마을운동 R" panose="02020603020101020101" pitchFamily="18" charset="-127"/>
+                <a:ea typeface="1훈새마을운동 R" panose="02020603020101020101" pitchFamily="18" charset="-127"/>
+              </a:rPr>
+              <a:t>호출시</a:t>
+            </a:r>
+            <a:r>
+              <a:rPr lang="ko-KR" altLang="en-US" sz="1400" dirty="0" smtClean="0">
+                <a:solidFill>
+                  <a:schemeClr val="tx1"/>
+                </a:solidFill>
+                <a:latin typeface="1훈새마을운동 R" panose="02020603020101020101" pitchFamily="18" charset="-127"/>
+                <a:ea typeface="1훈새마을운동 R" panose="02020603020101020101" pitchFamily="18" charset="-127"/>
+              </a:rPr>
+              <a:t> 들어오는 데이터와 인수</a:t>
+            </a:r>
+            <a:r>
+              <a:rPr lang="en-US" altLang="ko-KR" sz="1400" dirty="0" smtClean="0">
                 <a:solidFill>
                   <a:schemeClr val="tx1"/>
                 </a:solidFill>
@@ -8418,16 +8043,26 @@
               <a:t>) </a:t>
             </a:r>
             <a:r>
-              <a:rPr lang="ko-KR" altLang="en-US" smtClean="0">
-                <a:solidFill>
-                  <a:schemeClr val="tx1"/>
-                </a:solidFill>
-                <a:latin typeface="1훈새마을운동 R" panose="02020603020101020101" pitchFamily="18" charset="-127"/>
-                <a:ea typeface="1훈새마을운동 R" panose="02020603020101020101" pitchFamily="18" charset="-127"/>
-              </a:rPr>
-              <a:t>자료형 동일</a:t>
-            </a:r>
-            <a:endParaRPr lang="en-US" altLang="ko-KR" smtClean="0">
+              <a:rPr lang="ko-KR" altLang="en-US" sz="1400" dirty="0" err="1" smtClean="0">
+                <a:solidFill>
+                  <a:schemeClr val="tx1"/>
+                </a:solidFill>
+                <a:latin typeface="1훈새마을운동 R" panose="02020603020101020101" pitchFamily="18" charset="-127"/>
+                <a:ea typeface="1훈새마을운동 R" panose="02020603020101020101" pitchFamily="18" charset="-127"/>
+              </a:rPr>
+              <a:t>자료형</a:t>
+            </a:r>
+            <a:r>
+              <a:rPr lang="ko-KR" altLang="en-US" sz="1400" dirty="0" smtClean="0">
+                <a:solidFill>
+                  <a:schemeClr val="tx1"/>
+                </a:solidFill>
+                <a:latin typeface="1훈새마을운동 R" panose="02020603020101020101" pitchFamily="18" charset="-127"/>
+                <a:ea typeface="1훈새마을운동 R" panose="02020603020101020101" pitchFamily="18" charset="-127"/>
+              </a:rPr>
+              <a:t> 동일</a:t>
+            </a:r>
+            <a:endParaRPr lang="en-US" altLang="ko-KR" sz="1400" dirty="0" smtClean="0">
               <a:solidFill>
                 <a:schemeClr val="tx1"/>
               </a:solidFill>
@@ -8437,7 +8072,7 @@
           </a:p>
           <a:p>
             <a:r>
-              <a:rPr lang="en-US" altLang="ko-KR">
+              <a:rPr lang="en-US" altLang="ko-KR" sz="1400" dirty="0">
                 <a:solidFill>
                   <a:schemeClr val="tx1"/>
                 </a:solidFill>
@@ -8447,7 +8082,7 @@
               <a:t>		</a:t>
             </a:r>
             <a:r>
-              <a:rPr lang="en-US" altLang="ko-KR" smtClean="0">
+              <a:rPr lang="en-US" altLang="ko-KR" sz="1400" dirty="0" smtClean="0">
                 <a:solidFill>
                   <a:schemeClr val="tx1"/>
                 </a:solidFill>
@@ -8457,7 +8092,7 @@
               <a:t>2. </a:t>
             </a:r>
             <a:r>
-              <a:rPr lang="ko-KR" altLang="en-US" smtClean="0">
+              <a:rPr lang="ko-KR" altLang="en-US" sz="1400" dirty="0" smtClean="0">
                 <a:solidFill>
                   <a:schemeClr val="tx1"/>
                 </a:solidFill>
@@ -8467,7 +8102,7 @@
               <a:t>변수 </a:t>
             </a:r>
             <a:r>
-              <a:rPr lang="en-US" altLang="ko-KR" smtClean="0">
+              <a:rPr lang="en-US" altLang="ko-KR" sz="1400" dirty="0" smtClean="0">
                 <a:solidFill>
                   <a:schemeClr val="tx1"/>
                 </a:solidFill>
@@ -8477,7 +8112,7 @@
               <a:t>, </a:t>
             </a:r>
             <a:r>
-              <a:rPr lang="ko-KR" altLang="en-US" smtClean="0">
+              <a:rPr lang="ko-KR" altLang="en-US" sz="1400" dirty="0" smtClean="0">
                 <a:solidFill>
                   <a:schemeClr val="tx1"/>
                 </a:solidFill>
@@ -8487,7 +8122,7 @@
               <a:t>배열 </a:t>
             </a:r>
             <a:r>
-              <a:rPr lang="en-US" altLang="ko-KR" smtClean="0">
+              <a:rPr lang="en-US" altLang="ko-KR" sz="1400" dirty="0" smtClean="0">
                 <a:solidFill>
                   <a:schemeClr val="tx1"/>
                 </a:solidFill>
@@ -8497,7 +8132,7 @@
               <a:t>, </a:t>
             </a:r>
             <a:r>
-              <a:rPr lang="ko-KR" altLang="en-US" smtClean="0">
+              <a:rPr lang="ko-KR" altLang="en-US" sz="1400" dirty="0" smtClean="0">
                 <a:solidFill>
                   <a:schemeClr val="tx1"/>
                 </a:solidFill>
@@ -8507,7 +8142,7 @@
               <a:t>객체 </a:t>
             </a:r>
             <a:r>
-              <a:rPr lang="en-US" altLang="ko-KR" smtClean="0">
+              <a:rPr lang="en-US" altLang="ko-KR" sz="1400" dirty="0" smtClean="0">
                 <a:solidFill>
                   <a:schemeClr val="tx1"/>
                 </a:solidFill>
@@ -8517,7 +8152,7 @@
               <a:t>, </a:t>
             </a:r>
             <a:r>
-              <a:rPr lang="ko-KR" altLang="en-US" smtClean="0">
+              <a:rPr lang="ko-KR" altLang="en-US" sz="1400" dirty="0" smtClean="0">
                 <a:solidFill>
                   <a:schemeClr val="tx1"/>
                 </a:solidFill>
@@ -8527,7 +8162,7 @@
               <a:t>인터페이스 </a:t>
             </a:r>
             <a:r>
-              <a:rPr lang="en-US" altLang="ko-KR" smtClean="0">
+              <a:rPr lang="en-US" altLang="ko-KR" sz="1400" dirty="0" smtClean="0">
                 <a:solidFill>
                   <a:schemeClr val="tx1"/>
                 </a:solidFill>
@@ -8537,7 +8172,7 @@
               <a:t>, </a:t>
             </a:r>
             <a:r>
-              <a:rPr lang="ko-KR" altLang="en-US" smtClean="0">
+              <a:rPr lang="ko-KR" altLang="en-US" sz="1400" dirty="0" smtClean="0">
                 <a:solidFill>
                   <a:schemeClr val="tx1"/>
                 </a:solidFill>
@@ -8546,7 +8181,7 @@
               </a:rPr>
               <a:t>컬렉션프레임워크</a:t>
             </a:r>
-            <a:endParaRPr lang="en-US" altLang="ko-KR" smtClean="0">
+            <a:endParaRPr lang="en-US" altLang="ko-KR" sz="1400" dirty="0" smtClean="0">
               <a:solidFill>
                 <a:schemeClr val="tx1"/>
               </a:solidFill>
@@ -8556,7 +8191,7 @@
           </a:p>
           <a:p>
             <a:r>
-              <a:rPr lang="en-US" altLang="ko-KR">
+              <a:rPr lang="en-US" altLang="ko-KR" sz="1400" dirty="0">
                 <a:solidFill>
                   <a:schemeClr val="tx1"/>
                 </a:solidFill>
@@ -8566,7 +8201,7 @@
               <a:t>	</a:t>
             </a:r>
             <a:r>
-              <a:rPr lang="en-US" altLang="ko-KR" smtClean="0">
+              <a:rPr lang="en-US" altLang="ko-KR" sz="1400" dirty="0" smtClean="0">
                 <a:solidFill>
                   <a:schemeClr val="tx1"/>
                 </a:solidFill>
@@ -8576,7 +8211,7 @@
               <a:t>	3. </a:t>
             </a:r>
             <a:r>
-              <a:rPr lang="ko-KR" altLang="en-US" smtClean="0">
+              <a:rPr lang="ko-KR" altLang="en-US" sz="1400" dirty="0" smtClean="0">
                 <a:solidFill>
                   <a:schemeClr val="tx1"/>
                 </a:solidFill>
@@ -8585,7 +8220,7 @@
               </a:rPr>
               <a:t>인수의 개수는 본인 선택</a:t>
             </a:r>
-            <a:endParaRPr lang="en-US" altLang="ko-KR" smtClean="0">
+            <a:endParaRPr lang="en-US" altLang="ko-KR" sz="1400" dirty="0" smtClean="0">
               <a:solidFill>
                 <a:schemeClr val="tx1"/>
               </a:solidFill>
@@ -8595,7 +8230,7 @@
           </a:p>
           <a:p>
             <a:r>
-              <a:rPr lang="en-US" altLang="ko-KR">
+              <a:rPr lang="en-US" altLang="ko-KR" sz="1400" dirty="0">
                 <a:solidFill>
                   <a:schemeClr val="tx1"/>
                 </a:solidFill>
@@ -8605,7 +8240,7 @@
               <a:t>	</a:t>
             </a:r>
             <a:r>
-              <a:rPr lang="en-US" altLang="ko-KR" smtClean="0">
+              <a:rPr lang="en-US" altLang="ko-KR" sz="1400" dirty="0" smtClean="0">
                 <a:solidFill>
                   <a:schemeClr val="tx1"/>
                 </a:solidFill>
@@ -8615,7 +8250,7 @@
               <a:t>2. </a:t>
             </a:r>
             <a:r>
-              <a:rPr lang="ko-KR" altLang="en-US" smtClean="0">
+              <a:rPr lang="ko-KR" altLang="en-US" sz="1400" dirty="0" smtClean="0">
                 <a:solidFill>
                   <a:schemeClr val="tx1"/>
                 </a:solidFill>
@@ -8625,7 +8260,7 @@
               <a:t>반환 </a:t>
             </a:r>
             <a:r>
-              <a:rPr lang="en-US" altLang="ko-KR" smtClean="0">
+              <a:rPr lang="en-US" altLang="ko-KR" sz="1400" dirty="0" smtClean="0">
                 <a:solidFill>
                   <a:schemeClr val="tx1"/>
                 </a:solidFill>
@@ -8635,7 +8270,7 @@
               <a:t>[ return :</a:t>
             </a:r>
             <a:r>
-              <a:rPr lang="ko-KR" altLang="en-US" smtClean="0">
+              <a:rPr lang="ko-KR" altLang="en-US" sz="1400" dirty="0" smtClean="0">
                 <a:solidFill>
                   <a:schemeClr val="tx1"/>
                 </a:solidFill>
@@ -8645,7 +8280,7 @@
               <a:t>리턴</a:t>
             </a:r>
             <a:r>
-              <a:rPr lang="en-US" altLang="ko-KR" smtClean="0">
+              <a:rPr lang="en-US" altLang="ko-KR" sz="1400" dirty="0" smtClean="0">
                 <a:solidFill>
                   <a:schemeClr val="tx1"/>
                 </a:solidFill>
@@ -8655,16 +8290,66 @@
               <a:t>] : </a:t>
             </a:r>
             <a:r>
-              <a:rPr lang="ko-KR" altLang="en-US" smtClean="0">
-                <a:solidFill>
-                  <a:schemeClr val="tx1"/>
-                </a:solidFill>
-                <a:latin typeface="1훈새마을운동 R" panose="02020603020101020101" pitchFamily="18" charset="-127"/>
-                <a:ea typeface="1훈새마을운동 R" panose="02020603020101020101" pitchFamily="18" charset="-127"/>
-              </a:rPr>
-              <a:t>메소드 종료시 메소드 호출한 곳으로 이동하는 데이터 </a:t>
-            </a:r>
-            <a:endParaRPr lang="en-US" altLang="ko-KR" smtClean="0">
+              <a:rPr lang="ko-KR" altLang="en-US" sz="1400" dirty="0" err="1" smtClean="0">
+                <a:solidFill>
+                  <a:schemeClr val="tx1"/>
+                </a:solidFill>
+                <a:latin typeface="1훈새마을운동 R" panose="02020603020101020101" pitchFamily="18" charset="-127"/>
+                <a:ea typeface="1훈새마을운동 R" panose="02020603020101020101" pitchFamily="18" charset="-127"/>
+              </a:rPr>
+              <a:t>메소드</a:t>
+            </a:r>
+            <a:r>
+              <a:rPr lang="ko-KR" altLang="en-US" sz="1400" dirty="0" smtClean="0">
+                <a:solidFill>
+                  <a:schemeClr val="tx1"/>
+                </a:solidFill>
+                <a:latin typeface="1훈새마을운동 R" panose="02020603020101020101" pitchFamily="18" charset="-127"/>
+                <a:ea typeface="1훈새마을운동 R" panose="02020603020101020101" pitchFamily="18" charset="-127"/>
+              </a:rPr>
+              <a:t> </a:t>
+            </a:r>
+            <a:r>
+              <a:rPr lang="ko-KR" altLang="en-US" sz="1400" dirty="0" err="1" smtClean="0">
+                <a:solidFill>
+                  <a:schemeClr val="tx1"/>
+                </a:solidFill>
+                <a:latin typeface="1훈새마을운동 R" panose="02020603020101020101" pitchFamily="18" charset="-127"/>
+                <a:ea typeface="1훈새마을운동 R" panose="02020603020101020101" pitchFamily="18" charset="-127"/>
+              </a:rPr>
+              <a:t>종료시</a:t>
+            </a:r>
+            <a:r>
+              <a:rPr lang="ko-KR" altLang="en-US" sz="1400" dirty="0" smtClean="0">
+                <a:solidFill>
+                  <a:schemeClr val="tx1"/>
+                </a:solidFill>
+                <a:latin typeface="1훈새마을운동 R" panose="02020603020101020101" pitchFamily="18" charset="-127"/>
+                <a:ea typeface="1훈새마을운동 R" panose="02020603020101020101" pitchFamily="18" charset="-127"/>
+              </a:rPr>
+              <a:t> </a:t>
+            </a:r>
+            <a:r>
+              <a:rPr lang="ko-KR" altLang="en-US" sz="1400" dirty="0" err="1" smtClean="0">
+                <a:solidFill>
+                  <a:schemeClr val="tx1"/>
+                </a:solidFill>
+                <a:latin typeface="1훈새마을운동 R" panose="02020603020101020101" pitchFamily="18" charset="-127"/>
+                <a:ea typeface="1훈새마을운동 R" panose="02020603020101020101" pitchFamily="18" charset="-127"/>
+              </a:rPr>
+              <a:t>메소드</a:t>
+            </a:r>
+            <a:r>
+              <a:rPr lang="ko-KR" altLang="en-US" sz="1400" dirty="0" smtClean="0">
+                <a:solidFill>
+                  <a:schemeClr val="tx1"/>
+                </a:solidFill>
+                <a:latin typeface="1훈새마을운동 R" panose="02020603020101020101" pitchFamily="18" charset="-127"/>
+                <a:ea typeface="1훈새마을운동 R" panose="02020603020101020101" pitchFamily="18" charset="-127"/>
+              </a:rPr>
+              <a:t> 호출한 곳으로 이동하는 데이터 </a:t>
+            </a:r>
+            <a:endParaRPr lang="en-US" altLang="ko-KR" sz="1400" dirty="0" smtClean="0">
               <a:solidFill>
                 <a:schemeClr val="tx1"/>
               </a:solidFill>
@@ -8674,7 +8359,7 @@
           </a:p>
           <a:p>
             <a:r>
-              <a:rPr lang="en-US" altLang="ko-KR" smtClean="0">
+              <a:rPr lang="en-US" altLang="ko-KR" sz="1400" dirty="0" smtClean="0">
                 <a:solidFill>
                   <a:schemeClr val="tx1"/>
                 </a:solidFill>
@@ -8684,7 +8369,7 @@
               <a:t>		1. [</a:t>
             </a:r>
             <a:r>
-              <a:rPr lang="ko-KR" altLang="en-US" smtClean="0">
+              <a:rPr lang="ko-KR" altLang="en-US" sz="1400" dirty="0" smtClean="0">
                 <a:solidFill>
                   <a:schemeClr val="tx1"/>
                 </a:solidFill>
@@ -8694,7 +8379,7 @@
               <a:t>조건</a:t>
             </a:r>
             <a:r>
-              <a:rPr lang="en-US" altLang="ko-KR" smtClean="0">
+              <a:rPr lang="en-US" altLang="ko-KR" sz="1400" dirty="0" smtClean="0">
                 <a:solidFill>
                   <a:schemeClr val="tx1"/>
                 </a:solidFill>
@@ -8704,26 +8389,16 @@
               <a:t>] : </a:t>
             </a:r>
             <a:r>
-              <a:rPr lang="ko-KR" altLang="en-US" smtClean="0">
-                <a:solidFill>
-                  <a:schemeClr val="tx1"/>
-                </a:solidFill>
-                <a:latin typeface="1훈새마을운동 R" panose="02020603020101020101" pitchFamily="18" charset="-127"/>
-                <a:ea typeface="1훈새마을운동 R" panose="02020603020101020101" pitchFamily="18" charset="-127"/>
-              </a:rPr>
-              <a:t>선언된 </a:t>
-            </a:r>
-            <a:r>
-              <a:rPr lang="ko-KR" altLang="en-US" smtClean="0">
-                <a:solidFill>
-                  <a:schemeClr val="tx1"/>
-                </a:solidFill>
-                <a:latin typeface="1훈새마을운동 R" panose="02020603020101020101" pitchFamily="18" charset="-127"/>
-                <a:ea typeface="1훈새마을운동 R" panose="02020603020101020101" pitchFamily="18" charset="-127"/>
-              </a:rPr>
-              <a:t>반환타입의 데이터만 반환 가능</a:t>
-            </a:r>
-            <a:endParaRPr lang="en-US" altLang="ko-KR" smtClean="0">
+              <a:rPr lang="ko-KR" altLang="en-US" sz="1400" dirty="0" smtClean="0">
+                <a:solidFill>
+                  <a:schemeClr val="tx1"/>
+                </a:solidFill>
+                <a:latin typeface="1훈새마을운동 R" panose="02020603020101020101" pitchFamily="18" charset="-127"/>
+                <a:ea typeface="1훈새마을운동 R" panose="02020603020101020101" pitchFamily="18" charset="-127"/>
+              </a:rPr>
+              <a:t>선언된 반환타입의 데이터만 반환 가능</a:t>
+            </a:r>
+            <a:endParaRPr lang="en-US" altLang="ko-KR" sz="1400" dirty="0" smtClean="0">
               <a:solidFill>
                 <a:schemeClr val="tx1"/>
               </a:solidFill>
@@ -8733,27 +8408,17 @@
           </a:p>
           <a:p>
             <a:r>
-              <a:rPr lang="en-US" altLang="ko-KR" smtClean="0">
-                <a:solidFill>
-                  <a:schemeClr val="tx1"/>
-                </a:solidFill>
-                <a:latin typeface="1훈새마을운동 R" panose="02020603020101020101" pitchFamily="18" charset="-127"/>
-                <a:ea typeface="1훈새마을운동 R" panose="02020603020101020101" pitchFamily="18" charset="-127"/>
-              </a:rPr>
-              <a:t>		2. </a:t>
-            </a:r>
-            <a:r>
-              <a:rPr lang="en-US" altLang="ko-KR" smtClean="0">
-                <a:solidFill>
-                  <a:schemeClr val="tx1"/>
-                </a:solidFill>
-                <a:latin typeface="1훈새마을운동 R" panose="02020603020101020101" pitchFamily="18" charset="-127"/>
-                <a:ea typeface="1훈새마을운동 R" panose="02020603020101020101" pitchFamily="18" charset="-127"/>
-              </a:rPr>
-              <a:t>void : </a:t>
-            </a:r>
-            <a:r>
-              <a:rPr lang="ko-KR" altLang="en-US" smtClean="0">
+              <a:rPr lang="en-US" altLang="ko-KR" sz="1400" dirty="0" smtClean="0">
+                <a:solidFill>
+                  <a:schemeClr val="tx1"/>
+                </a:solidFill>
+                <a:latin typeface="1훈새마을운동 R" panose="02020603020101020101" pitchFamily="18" charset="-127"/>
+                <a:ea typeface="1훈새마을운동 R" panose="02020603020101020101" pitchFamily="18" charset="-127"/>
+              </a:rPr>
+              <a:t>		2. void : </a:t>
+            </a:r>
+            <a:r>
+              <a:rPr lang="ko-KR" altLang="en-US" sz="1400" dirty="0" smtClean="0">
                 <a:solidFill>
                   <a:schemeClr val="tx1"/>
                 </a:solidFill>
@@ -8763,7 +8428,7 @@
               <a:t>반환 데이터 없다 </a:t>
             </a:r>
             <a:r>
-              <a:rPr lang="en-US" altLang="ko-KR" smtClean="0">
+              <a:rPr lang="en-US" altLang="ko-KR" sz="1400" dirty="0" smtClean="0">
                 <a:solidFill>
                   <a:schemeClr val="tx1"/>
                 </a:solidFill>
@@ -8775,7 +8440,7 @@
           </a:p>
           <a:p>
             <a:r>
-              <a:rPr lang="en-US" altLang="ko-KR">
+              <a:rPr lang="en-US" altLang="ko-KR" sz="1400" dirty="0">
                 <a:solidFill>
                   <a:schemeClr val="tx1"/>
                 </a:solidFill>
@@ -8785,7 +8450,7 @@
               <a:t>	</a:t>
             </a:r>
             <a:r>
-              <a:rPr lang="en-US" altLang="ko-KR" smtClean="0">
+              <a:rPr lang="en-US" altLang="ko-KR" sz="1400" dirty="0" smtClean="0">
                 <a:solidFill>
                   <a:schemeClr val="tx1"/>
                 </a:solidFill>
@@ -8795,17 +8460,27 @@
               <a:t>	3. return : </a:t>
             </a:r>
             <a:r>
-              <a:rPr lang="ko-KR" altLang="en-US" smtClean="0">
-                <a:solidFill>
-                  <a:schemeClr val="tx1"/>
-                </a:solidFill>
-                <a:latin typeface="1훈새마을운동 R" panose="02020603020101020101" pitchFamily="18" charset="-127"/>
-                <a:ea typeface="1훈새마을운동 R" panose="02020603020101020101" pitchFamily="18" charset="-127"/>
-              </a:rPr>
-              <a:t>메소드 종료 뜻 </a:t>
-            </a:r>
-            <a:r>
-              <a:rPr lang="en-US" altLang="ko-KR" smtClean="0">
+              <a:rPr lang="ko-KR" altLang="en-US" sz="1400" dirty="0" err="1" smtClean="0">
+                <a:solidFill>
+                  <a:schemeClr val="tx1"/>
+                </a:solidFill>
+                <a:latin typeface="1훈새마을운동 R" panose="02020603020101020101" pitchFamily="18" charset="-127"/>
+                <a:ea typeface="1훈새마을운동 R" panose="02020603020101020101" pitchFamily="18" charset="-127"/>
+              </a:rPr>
+              <a:t>메소드</a:t>
+            </a:r>
+            <a:r>
+              <a:rPr lang="ko-KR" altLang="en-US" sz="1400" dirty="0" smtClean="0">
+                <a:solidFill>
+                  <a:schemeClr val="tx1"/>
+                </a:solidFill>
+                <a:latin typeface="1훈새마을운동 R" panose="02020603020101020101" pitchFamily="18" charset="-127"/>
+                <a:ea typeface="1훈새마을운동 R" panose="02020603020101020101" pitchFamily="18" charset="-127"/>
+              </a:rPr>
+              <a:t> 종료 뜻 </a:t>
+            </a:r>
+            <a:r>
+              <a:rPr lang="en-US" altLang="ko-KR" sz="1400" dirty="0" smtClean="0">
                 <a:solidFill>
                   <a:schemeClr val="tx1"/>
                 </a:solidFill>
@@ -8815,7 +8490,7 @@
               <a:t>[ </a:t>
             </a:r>
             <a:r>
-              <a:rPr lang="ko-KR" altLang="en-US" smtClean="0">
+              <a:rPr lang="ko-KR" altLang="en-US" sz="1400" dirty="0" smtClean="0">
                 <a:solidFill>
                   <a:schemeClr val="tx1"/>
                 </a:solidFill>
@@ -8825,7 +8500,7 @@
               <a:t>조건에 따른 여러 번 사용 가능 </a:t>
             </a:r>
             <a:r>
-              <a:rPr lang="en-US" altLang="ko-KR" smtClean="0">
+              <a:rPr lang="en-US" altLang="ko-KR" sz="1400" dirty="0" smtClean="0">
                 <a:solidFill>
                   <a:schemeClr val="tx1"/>
                 </a:solidFill>
@@ -8837,7 +8512,7 @@
           </a:p>
           <a:p>
             <a:r>
-              <a:rPr lang="en-US" altLang="ko-KR">
+              <a:rPr lang="en-US" altLang="ko-KR" sz="1400" dirty="0">
                 <a:solidFill>
                   <a:schemeClr val="tx1"/>
                 </a:solidFill>
@@ -8847,7 +8522,7 @@
               <a:t>	</a:t>
             </a:r>
             <a:r>
-              <a:rPr lang="en-US" altLang="ko-KR" smtClean="0">
+              <a:rPr lang="en-US" altLang="ko-KR" sz="1400" dirty="0" smtClean="0">
                 <a:solidFill>
                   <a:schemeClr val="tx1"/>
                 </a:solidFill>
@@ -8857,7 +8532,7 @@
               <a:t>3.  </a:t>
             </a:r>
             <a:r>
-              <a:rPr lang="ko-KR" altLang="en-US" smtClean="0">
+              <a:rPr lang="ko-KR" altLang="en-US" sz="1400" dirty="0" smtClean="0">
                 <a:solidFill>
                   <a:schemeClr val="tx1"/>
                 </a:solidFill>
@@ -8866,7 +8541,7 @@
               </a:rPr>
               <a:t>선언 </a:t>
             </a:r>
-            <a:endParaRPr lang="en-US" altLang="ko-KR" smtClean="0">
+            <a:endParaRPr lang="en-US" altLang="ko-KR" sz="1400" dirty="0" smtClean="0">
               <a:solidFill>
                 <a:schemeClr val="tx1"/>
               </a:solidFill>
@@ -8876,7 +8551,7 @@
           </a:p>
           <a:p>
             <a:r>
-              <a:rPr lang="en-US" altLang="ko-KR">
+              <a:rPr lang="en-US" altLang="ko-KR" sz="1400" dirty="0">
                 <a:solidFill>
                   <a:schemeClr val="tx1"/>
                 </a:solidFill>
@@ -8886,7 +8561,7 @@
               <a:t>	</a:t>
             </a:r>
             <a:r>
-              <a:rPr lang="en-US" altLang="ko-KR" smtClean="0">
+              <a:rPr lang="en-US" altLang="ko-KR" sz="1400" dirty="0" smtClean="0">
                 <a:solidFill>
                   <a:schemeClr val="tx1"/>
                 </a:solidFill>
@@ -8896,7 +8571,7 @@
               <a:t>	1. </a:t>
             </a:r>
             <a:r>
-              <a:rPr lang="ko-KR" altLang="en-US" smtClean="0">
+              <a:rPr lang="ko-KR" altLang="en-US" sz="1400" dirty="0" smtClean="0">
                 <a:solidFill>
                   <a:schemeClr val="tx1"/>
                 </a:solidFill>
@@ -8906,7 +8581,7 @@
               <a:t>인수 </a:t>
             </a:r>
             <a:r>
-              <a:rPr lang="en-US" altLang="ko-KR" smtClean="0">
+              <a:rPr lang="en-US" altLang="ko-KR" sz="1400" dirty="0" smtClean="0">
                 <a:solidFill>
                   <a:schemeClr val="tx1"/>
                 </a:solidFill>
@@ -8916,7 +8591,7 @@
               <a:t>O </a:t>
             </a:r>
             <a:r>
-              <a:rPr lang="ko-KR" altLang="en-US" smtClean="0">
+              <a:rPr lang="ko-KR" altLang="en-US" sz="1400" dirty="0" smtClean="0">
                 <a:solidFill>
                   <a:schemeClr val="tx1"/>
                 </a:solidFill>
@@ -8926,7 +8601,7 @@
               <a:t>반환 </a:t>
             </a:r>
             <a:r>
-              <a:rPr lang="en-US" altLang="ko-KR" smtClean="0">
+              <a:rPr lang="en-US" altLang="ko-KR" sz="1400" dirty="0" smtClean="0">
                 <a:solidFill>
                   <a:schemeClr val="tx1"/>
                 </a:solidFill>
@@ -8936,7 +8611,7 @@
               <a:t>O </a:t>
             </a:r>
             <a:r>
-              <a:rPr lang="ko-KR" altLang="en-US" smtClean="0">
+              <a:rPr lang="ko-KR" altLang="en-US" sz="1400" dirty="0" err="1" smtClean="0">
                 <a:solidFill>
                   <a:schemeClr val="tx1"/>
                 </a:solidFill>
@@ -8946,7 +8621,7 @@
               <a:t>메소드</a:t>
             </a:r>
             <a:r>
-              <a:rPr lang="en-US" altLang="ko-KR">
+              <a:rPr lang="en-US" altLang="ko-KR" sz="1400" dirty="0">
                 <a:solidFill>
                   <a:schemeClr val="tx1"/>
                 </a:solidFill>
@@ -8956,7 +8631,7 @@
               <a:t> </a:t>
             </a:r>
             <a:r>
-              <a:rPr lang="en-US" altLang="ko-KR" smtClean="0">
+              <a:rPr lang="en-US" altLang="ko-KR" sz="1400" dirty="0" smtClean="0">
                 <a:solidFill>
                   <a:schemeClr val="tx1"/>
                 </a:solidFill>
@@ -8966,26 +8641,574 @@
               <a:t>public double </a:t>
             </a:r>
             <a:r>
-              <a:rPr lang="ko-KR" altLang="en-US" smtClean="0">
-                <a:solidFill>
-                  <a:schemeClr val="tx1"/>
-                </a:solidFill>
-                <a:latin typeface="1훈새마을운동 R" panose="02020603020101020101" pitchFamily="18" charset="-127"/>
-                <a:ea typeface="1훈새마을운동 R" panose="02020603020101020101" pitchFamily="18" charset="-127"/>
-              </a:rPr>
-              <a:t>메소드명 </a:t>
-            </a:r>
-            <a:r>
-              <a:rPr lang="en-US" altLang="ko-KR" smtClean="0">
-                <a:solidFill>
-                  <a:schemeClr val="tx1"/>
-                </a:solidFill>
-                <a:latin typeface="1훈새마을운동 R" panose="02020603020101020101" pitchFamily="18" charset="-127"/>
-                <a:ea typeface="1훈새마을운동 R" panose="02020603020101020101" pitchFamily="18" charset="-127"/>
-              </a:rPr>
-              <a:t>( int num , int num2 ) { return 10.5  }</a:t>
-            </a:r>
-            <a:endParaRPr lang="en-US" altLang="ko-KR" smtClean="0">
+              <a:rPr lang="ko-KR" altLang="en-US" sz="1400" dirty="0" err="1" smtClean="0">
+                <a:solidFill>
+                  <a:schemeClr val="tx1"/>
+                </a:solidFill>
+                <a:latin typeface="1훈새마을운동 R" panose="02020603020101020101" pitchFamily="18" charset="-127"/>
+                <a:ea typeface="1훈새마을운동 R" panose="02020603020101020101" pitchFamily="18" charset="-127"/>
+              </a:rPr>
+              <a:t>메소드명</a:t>
+            </a:r>
+            <a:r>
+              <a:rPr lang="ko-KR" altLang="en-US" sz="1400" dirty="0" smtClean="0">
+                <a:solidFill>
+                  <a:schemeClr val="tx1"/>
+                </a:solidFill>
+                <a:latin typeface="1훈새마을운동 R" panose="02020603020101020101" pitchFamily="18" charset="-127"/>
+                <a:ea typeface="1훈새마을운동 R" panose="02020603020101020101" pitchFamily="18" charset="-127"/>
+              </a:rPr>
+              <a:t> </a:t>
+            </a:r>
+            <a:r>
+              <a:rPr lang="en-US" altLang="ko-KR" sz="1400" dirty="0" smtClean="0">
+                <a:solidFill>
+                  <a:schemeClr val="tx1"/>
+                </a:solidFill>
+                <a:latin typeface="1훈새마을운동 R" panose="02020603020101020101" pitchFamily="18" charset="-127"/>
+                <a:ea typeface="1훈새마을운동 R" panose="02020603020101020101" pitchFamily="18" charset="-127"/>
+              </a:rPr>
+              <a:t>( </a:t>
+            </a:r>
+            <a:r>
+              <a:rPr lang="en-US" altLang="ko-KR" sz="1400" dirty="0" err="1" smtClean="0">
+                <a:solidFill>
+                  <a:schemeClr val="tx1"/>
+                </a:solidFill>
+                <a:latin typeface="1훈새마을운동 R" panose="02020603020101020101" pitchFamily="18" charset="-127"/>
+                <a:ea typeface="1훈새마을운동 R" panose="02020603020101020101" pitchFamily="18" charset="-127"/>
+              </a:rPr>
+              <a:t>int</a:t>
+            </a:r>
+            <a:r>
+              <a:rPr lang="en-US" altLang="ko-KR" sz="1400" dirty="0" smtClean="0">
+                <a:solidFill>
+                  <a:schemeClr val="tx1"/>
+                </a:solidFill>
+                <a:latin typeface="1훈새마을운동 R" panose="02020603020101020101" pitchFamily="18" charset="-127"/>
+                <a:ea typeface="1훈새마을운동 R" panose="02020603020101020101" pitchFamily="18" charset="-127"/>
+              </a:rPr>
+              <a:t> </a:t>
+            </a:r>
+            <a:r>
+              <a:rPr lang="en-US" altLang="ko-KR" sz="1400" dirty="0" err="1" smtClean="0">
+                <a:solidFill>
+                  <a:schemeClr val="tx1"/>
+                </a:solidFill>
+                <a:latin typeface="1훈새마을운동 R" panose="02020603020101020101" pitchFamily="18" charset="-127"/>
+                <a:ea typeface="1훈새마을운동 R" panose="02020603020101020101" pitchFamily="18" charset="-127"/>
+              </a:rPr>
+              <a:t>num</a:t>
+            </a:r>
+            <a:r>
+              <a:rPr lang="en-US" altLang="ko-KR" sz="1400" dirty="0" smtClean="0">
+                <a:solidFill>
+                  <a:schemeClr val="tx1"/>
+                </a:solidFill>
+                <a:latin typeface="1훈새마을운동 R" panose="02020603020101020101" pitchFamily="18" charset="-127"/>
+                <a:ea typeface="1훈새마을운동 R" panose="02020603020101020101" pitchFamily="18" charset="-127"/>
+              </a:rPr>
+              <a:t> , </a:t>
+            </a:r>
+            <a:r>
+              <a:rPr lang="en-US" altLang="ko-KR" sz="1400" dirty="0" err="1" smtClean="0">
+                <a:solidFill>
+                  <a:schemeClr val="tx1"/>
+                </a:solidFill>
+                <a:latin typeface="1훈새마을운동 R" panose="02020603020101020101" pitchFamily="18" charset="-127"/>
+                <a:ea typeface="1훈새마을운동 R" panose="02020603020101020101" pitchFamily="18" charset="-127"/>
+              </a:rPr>
+              <a:t>int</a:t>
+            </a:r>
+            <a:r>
+              <a:rPr lang="en-US" altLang="ko-KR" sz="1400" dirty="0" smtClean="0">
+                <a:solidFill>
+                  <a:schemeClr val="tx1"/>
+                </a:solidFill>
+                <a:latin typeface="1훈새마을운동 R" panose="02020603020101020101" pitchFamily="18" charset="-127"/>
+                <a:ea typeface="1훈새마을운동 R" panose="02020603020101020101" pitchFamily="18" charset="-127"/>
+              </a:rPr>
+              <a:t> num2 ) { return 10.5  }</a:t>
+            </a:r>
+          </a:p>
+          <a:p>
+            <a:r>
+              <a:rPr lang="ko-KR" altLang="en-US" sz="1400" dirty="0" smtClean="0">
+                <a:solidFill>
+                  <a:schemeClr val="tx1"/>
+                </a:solidFill>
+                <a:latin typeface="1훈새마을운동 R" panose="02020603020101020101" pitchFamily="18" charset="-127"/>
+                <a:ea typeface="1훈새마을운동 R" panose="02020603020101020101" pitchFamily="18" charset="-127"/>
+              </a:rPr>
+              <a:t> </a:t>
+            </a:r>
+            <a:r>
+              <a:rPr lang="en-US" altLang="ko-KR" sz="1400" dirty="0" smtClean="0">
+                <a:solidFill>
+                  <a:schemeClr val="tx1"/>
+                </a:solidFill>
+                <a:latin typeface="1훈새마을운동 R" panose="02020603020101020101" pitchFamily="18" charset="-127"/>
+                <a:ea typeface="1훈새마을운동 R" panose="02020603020101020101" pitchFamily="18" charset="-127"/>
+              </a:rPr>
+              <a:t>		2. </a:t>
+            </a:r>
+            <a:r>
+              <a:rPr lang="ko-KR" altLang="en-US" sz="1400" dirty="0" smtClean="0">
+                <a:solidFill>
+                  <a:schemeClr val="tx1"/>
+                </a:solidFill>
+                <a:latin typeface="1훈새마을운동 R" panose="02020603020101020101" pitchFamily="18" charset="-127"/>
+                <a:ea typeface="1훈새마을운동 R" panose="02020603020101020101" pitchFamily="18" charset="-127"/>
+              </a:rPr>
+              <a:t>인수 </a:t>
+            </a:r>
+            <a:r>
+              <a:rPr lang="en-US" altLang="ko-KR" sz="1400" dirty="0" smtClean="0">
+                <a:solidFill>
+                  <a:schemeClr val="tx1"/>
+                </a:solidFill>
+                <a:latin typeface="1훈새마을운동 R" panose="02020603020101020101" pitchFamily="18" charset="-127"/>
+                <a:ea typeface="1훈새마을운동 R" panose="02020603020101020101" pitchFamily="18" charset="-127"/>
+              </a:rPr>
+              <a:t>X </a:t>
+            </a:r>
+            <a:r>
+              <a:rPr lang="ko-KR" altLang="en-US" sz="1400" dirty="0" smtClean="0">
+                <a:solidFill>
+                  <a:schemeClr val="tx1"/>
+                </a:solidFill>
+                <a:latin typeface="1훈새마을운동 R" panose="02020603020101020101" pitchFamily="18" charset="-127"/>
+                <a:ea typeface="1훈새마을운동 R" panose="02020603020101020101" pitchFamily="18" charset="-127"/>
+              </a:rPr>
+              <a:t>반환</a:t>
+            </a:r>
+            <a:r>
+              <a:rPr lang="en-US" altLang="ko-KR" sz="1400" dirty="0">
+                <a:solidFill>
+                  <a:schemeClr val="tx1"/>
+                </a:solidFill>
+                <a:latin typeface="1훈새마을운동 R" panose="02020603020101020101" pitchFamily="18" charset="-127"/>
+                <a:ea typeface="1훈새마을운동 R" panose="02020603020101020101" pitchFamily="18" charset="-127"/>
+              </a:rPr>
+              <a:t> </a:t>
+            </a:r>
+            <a:r>
+              <a:rPr lang="en-US" altLang="ko-KR" sz="1400" dirty="0" smtClean="0">
+                <a:solidFill>
+                  <a:schemeClr val="tx1"/>
+                </a:solidFill>
+                <a:latin typeface="1훈새마을운동 R" panose="02020603020101020101" pitchFamily="18" charset="-127"/>
+                <a:ea typeface="1훈새마을운동 R" panose="02020603020101020101" pitchFamily="18" charset="-127"/>
+              </a:rPr>
+              <a:t>O </a:t>
+            </a:r>
+            <a:r>
+              <a:rPr lang="ko-KR" altLang="en-US" sz="1400" dirty="0" err="1" smtClean="0">
+                <a:solidFill>
+                  <a:schemeClr val="tx1"/>
+                </a:solidFill>
+                <a:latin typeface="1훈새마을운동 R" panose="02020603020101020101" pitchFamily="18" charset="-127"/>
+                <a:ea typeface="1훈새마을운동 R" panose="02020603020101020101" pitchFamily="18" charset="-127"/>
+              </a:rPr>
+              <a:t>메소드</a:t>
+            </a:r>
+            <a:r>
+              <a:rPr lang="ko-KR" altLang="en-US" sz="1400" dirty="0" smtClean="0">
+                <a:solidFill>
+                  <a:schemeClr val="tx1"/>
+                </a:solidFill>
+                <a:latin typeface="1훈새마을운동 R" panose="02020603020101020101" pitchFamily="18" charset="-127"/>
+                <a:ea typeface="1훈새마을운동 R" panose="02020603020101020101" pitchFamily="18" charset="-127"/>
+              </a:rPr>
+              <a:t> </a:t>
+            </a:r>
+            <a:r>
+              <a:rPr lang="en-US" altLang="ko-KR" sz="1400" dirty="0" smtClean="0">
+                <a:solidFill>
+                  <a:schemeClr val="tx1"/>
+                </a:solidFill>
+                <a:latin typeface="1훈새마을운동 R" panose="02020603020101020101" pitchFamily="18" charset="-127"/>
+                <a:ea typeface="1훈새마을운동 R" panose="02020603020101020101" pitchFamily="18" charset="-127"/>
+              </a:rPr>
+              <a:t>public double </a:t>
+            </a:r>
+            <a:r>
+              <a:rPr lang="ko-KR" altLang="en-US" sz="1400" dirty="0" err="1" smtClean="0">
+                <a:solidFill>
+                  <a:schemeClr val="tx1"/>
+                </a:solidFill>
+                <a:latin typeface="1훈새마을운동 R" panose="02020603020101020101" pitchFamily="18" charset="-127"/>
+                <a:ea typeface="1훈새마을운동 R" panose="02020603020101020101" pitchFamily="18" charset="-127"/>
+              </a:rPr>
+              <a:t>메소드명</a:t>
+            </a:r>
+            <a:r>
+              <a:rPr lang="en-US" altLang="ko-KR" sz="1400" dirty="0">
+                <a:solidFill>
+                  <a:schemeClr val="tx1"/>
+                </a:solidFill>
+                <a:latin typeface="1훈새마을운동 R" panose="02020603020101020101" pitchFamily="18" charset="-127"/>
+                <a:ea typeface="1훈새마을운동 R" panose="02020603020101020101" pitchFamily="18" charset="-127"/>
+              </a:rPr>
+              <a:t> </a:t>
+            </a:r>
+            <a:r>
+              <a:rPr lang="en-US" altLang="ko-KR" sz="1400" dirty="0" smtClean="0">
+                <a:solidFill>
+                  <a:schemeClr val="tx1"/>
+                </a:solidFill>
+                <a:latin typeface="1훈새마을운동 R" panose="02020603020101020101" pitchFamily="18" charset="-127"/>
+                <a:ea typeface="1훈새마을운동 R" panose="02020603020101020101" pitchFamily="18" charset="-127"/>
+              </a:rPr>
+              <a:t>( ) {return</a:t>
+            </a:r>
+            <a:r>
+              <a:rPr lang="en-US" altLang="ko-KR" sz="1400" dirty="0">
+                <a:solidFill>
+                  <a:schemeClr val="tx1"/>
+                </a:solidFill>
+                <a:latin typeface="1훈새마을운동 R" panose="02020603020101020101" pitchFamily="18" charset="-127"/>
+                <a:ea typeface="1훈새마을운동 R" panose="02020603020101020101" pitchFamily="18" charset="-127"/>
+              </a:rPr>
+              <a:t> 10.5</a:t>
+            </a:r>
+            <a:r>
+              <a:rPr lang="en-US" altLang="ko-KR" sz="1400" dirty="0" smtClean="0">
+                <a:solidFill>
+                  <a:schemeClr val="tx1"/>
+                </a:solidFill>
+                <a:latin typeface="1훈새마을운동 R" panose="02020603020101020101" pitchFamily="18" charset="-127"/>
+                <a:ea typeface="1훈새마을운동 R" panose="02020603020101020101" pitchFamily="18" charset="-127"/>
+              </a:rPr>
+              <a:t> } </a:t>
+            </a:r>
+          </a:p>
+          <a:p>
+            <a:r>
+              <a:rPr lang="en-US" altLang="ko-KR" sz="1400" dirty="0">
+                <a:solidFill>
+                  <a:schemeClr val="tx1"/>
+                </a:solidFill>
+                <a:latin typeface="1훈새마을운동 R" panose="02020603020101020101" pitchFamily="18" charset="-127"/>
+                <a:ea typeface="1훈새마을운동 R" panose="02020603020101020101" pitchFamily="18" charset="-127"/>
+              </a:rPr>
+              <a:t>	</a:t>
+            </a:r>
+            <a:r>
+              <a:rPr lang="en-US" altLang="ko-KR" sz="1400" dirty="0" smtClean="0">
+                <a:solidFill>
+                  <a:schemeClr val="tx1"/>
+                </a:solidFill>
+                <a:latin typeface="1훈새마을운동 R" panose="02020603020101020101" pitchFamily="18" charset="-127"/>
+                <a:ea typeface="1훈새마을운동 R" panose="02020603020101020101" pitchFamily="18" charset="-127"/>
+              </a:rPr>
+              <a:t>	3. </a:t>
+            </a:r>
+            <a:r>
+              <a:rPr lang="ko-KR" altLang="en-US" sz="1400" dirty="0" smtClean="0">
+                <a:solidFill>
+                  <a:schemeClr val="tx1"/>
+                </a:solidFill>
+                <a:latin typeface="1훈새마을운동 R" panose="02020603020101020101" pitchFamily="18" charset="-127"/>
+                <a:ea typeface="1훈새마을운동 R" panose="02020603020101020101" pitchFamily="18" charset="-127"/>
+              </a:rPr>
+              <a:t>인수</a:t>
+            </a:r>
+            <a:r>
+              <a:rPr lang="en-US" altLang="ko-KR" sz="1400" dirty="0">
+                <a:solidFill>
+                  <a:schemeClr val="tx1"/>
+                </a:solidFill>
+                <a:latin typeface="1훈새마을운동 R" panose="02020603020101020101" pitchFamily="18" charset="-127"/>
+                <a:ea typeface="1훈새마을운동 R" panose="02020603020101020101" pitchFamily="18" charset="-127"/>
+              </a:rPr>
+              <a:t> </a:t>
+            </a:r>
+            <a:r>
+              <a:rPr lang="en-US" altLang="ko-KR" sz="1400" dirty="0" smtClean="0">
+                <a:solidFill>
+                  <a:schemeClr val="tx1"/>
+                </a:solidFill>
+                <a:latin typeface="1훈새마을운동 R" panose="02020603020101020101" pitchFamily="18" charset="-127"/>
+                <a:ea typeface="1훈새마을운동 R" panose="02020603020101020101" pitchFamily="18" charset="-127"/>
+              </a:rPr>
+              <a:t>X </a:t>
+            </a:r>
+            <a:r>
+              <a:rPr lang="ko-KR" altLang="en-US" sz="1400" dirty="0" smtClean="0">
+                <a:solidFill>
+                  <a:schemeClr val="tx1"/>
+                </a:solidFill>
+                <a:latin typeface="1훈새마을운동 R" panose="02020603020101020101" pitchFamily="18" charset="-127"/>
+                <a:ea typeface="1훈새마을운동 R" panose="02020603020101020101" pitchFamily="18" charset="-127"/>
+              </a:rPr>
+              <a:t>반환 </a:t>
+            </a:r>
+            <a:r>
+              <a:rPr lang="en-US" altLang="ko-KR" sz="1400" dirty="0" smtClean="0">
+                <a:solidFill>
+                  <a:schemeClr val="tx1"/>
+                </a:solidFill>
+                <a:latin typeface="1훈새마을운동 R" panose="02020603020101020101" pitchFamily="18" charset="-127"/>
+                <a:ea typeface="1훈새마을운동 R" panose="02020603020101020101" pitchFamily="18" charset="-127"/>
+              </a:rPr>
+              <a:t>X </a:t>
+            </a:r>
+            <a:r>
+              <a:rPr lang="ko-KR" altLang="en-US" sz="1400" dirty="0" err="1" smtClean="0">
+                <a:solidFill>
+                  <a:schemeClr val="tx1"/>
+                </a:solidFill>
+                <a:latin typeface="1훈새마을운동 R" panose="02020603020101020101" pitchFamily="18" charset="-127"/>
+                <a:ea typeface="1훈새마을운동 R" panose="02020603020101020101" pitchFamily="18" charset="-127"/>
+              </a:rPr>
+              <a:t>메소드</a:t>
+            </a:r>
+            <a:r>
+              <a:rPr lang="ko-KR" altLang="en-US" sz="1400" dirty="0" smtClean="0">
+                <a:solidFill>
+                  <a:schemeClr val="tx1"/>
+                </a:solidFill>
+                <a:latin typeface="1훈새마을운동 R" panose="02020603020101020101" pitchFamily="18" charset="-127"/>
+                <a:ea typeface="1훈새마을운동 R" panose="02020603020101020101" pitchFamily="18" charset="-127"/>
+              </a:rPr>
+              <a:t> </a:t>
+            </a:r>
+            <a:r>
+              <a:rPr lang="en-US" altLang="ko-KR" sz="1400" dirty="0" smtClean="0">
+                <a:solidFill>
+                  <a:schemeClr val="tx1"/>
+                </a:solidFill>
+                <a:latin typeface="1훈새마을운동 R" panose="02020603020101020101" pitchFamily="18" charset="-127"/>
+                <a:ea typeface="1훈새마을운동 R" panose="02020603020101020101" pitchFamily="18" charset="-127"/>
+              </a:rPr>
+              <a:t>public void </a:t>
+            </a:r>
+            <a:r>
+              <a:rPr lang="ko-KR" altLang="en-US" sz="1400" dirty="0" err="1" smtClean="0">
+                <a:solidFill>
+                  <a:schemeClr val="tx1"/>
+                </a:solidFill>
+                <a:latin typeface="1훈새마을운동 R" panose="02020603020101020101" pitchFamily="18" charset="-127"/>
+                <a:ea typeface="1훈새마을운동 R" panose="02020603020101020101" pitchFamily="18" charset="-127"/>
+              </a:rPr>
+              <a:t>메소드명</a:t>
+            </a:r>
+            <a:r>
+              <a:rPr lang="en-US" altLang="ko-KR" sz="1400" dirty="0" smtClean="0">
+                <a:solidFill>
+                  <a:schemeClr val="tx1"/>
+                </a:solidFill>
+                <a:latin typeface="1훈새마을운동 R" panose="02020603020101020101" pitchFamily="18" charset="-127"/>
+                <a:ea typeface="1훈새마을운동 R" panose="02020603020101020101" pitchFamily="18" charset="-127"/>
+              </a:rPr>
+              <a:t>( ) { return }</a:t>
+            </a:r>
+          </a:p>
+          <a:p>
+            <a:r>
+              <a:rPr lang="en-US" altLang="ko-KR" sz="1400" dirty="0">
+                <a:solidFill>
+                  <a:schemeClr val="tx1"/>
+                </a:solidFill>
+                <a:latin typeface="1훈새마을운동 R" panose="02020603020101020101" pitchFamily="18" charset="-127"/>
+                <a:ea typeface="1훈새마을운동 R" panose="02020603020101020101" pitchFamily="18" charset="-127"/>
+              </a:rPr>
+              <a:t>	</a:t>
+            </a:r>
+            <a:r>
+              <a:rPr lang="en-US" altLang="ko-KR" sz="1400" dirty="0" smtClean="0">
+                <a:solidFill>
+                  <a:schemeClr val="tx1"/>
+                </a:solidFill>
+                <a:latin typeface="1훈새마을운동 R" panose="02020603020101020101" pitchFamily="18" charset="-127"/>
+                <a:ea typeface="1훈새마을운동 R" panose="02020603020101020101" pitchFamily="18" charset="-127"/>
+              </a:rPr>
+              <a:t>	4. </a:t>
+            </a:r>
+            <a:r>
+              <a:rPr lang="ko-KR" altLang="en-US" sz="1400" dirty="0" smtClean="0">
+                <a:solidFill>
+                  <a:schemeClr val="tx1"/>
+                </a:solidFill>
+                <a:latin typeface="1훈새마을운동 R" panose="02020603020101020101" pitchFamily="18" charset="-127"/>
+                <a:ea typeface="1훈새마을운동 R" panose="02020603020101020101" pitchFamily="18" charset="-127"/>
+              </a:rPr>
+              <a:t>인수 </a:t>
+            </a:r>
+            <a:r>
+              <a:rPr lang="en-US" altLang="ko-KR" sz="1400" dirty="0" smtClean="0">
+                <a:solidFill>
+                  <a:schemeClr val="tx1"/>
+                </a:solidFill>
+                <a:latin typeface="1훈새마을운동 R" panose="02020603020101020101" pitchFamily="18" charset="-127"/>
+                <a:ea typeface="1훈새마을운동 R" panose="02020603020101020101" pitchFamily="18" charset="-127"/>
+              </a:rPr>
+              <a:t>O </a:t>
+            </a:r>
+            <a:r>
+              <a:rPr lang="ko-KR" altLang="en-US" sz="1400" dirty="0" smtClean="0">
+                <a:solidFill>
+                  <a:schemeClr val="tx1"/>
+                </a:solidFill>
+                <a:latin typeface="1훈새마을운동 R" panose="02020603020101020101" pitchFamily="18" charset="-127"/>
+                <a:ea typeface="1훈새마을운동 R" panose="02020603020101020101" pitchFamily="18" charset="-127"/>
+              </a:rPr>
+              <a:t>반환</a:t>
+            </a:r>
+            <a:r>
+              <a:rPr lang="en-US" altLang="ko-KR" sz="1400" dirty="0">
+                <a:solidFill>
+                  <a:schemeClr val="tx1"/>
+                </a:solidFill>
+                <a:latin typeface="1훈새마을운동 R" panose="02020603020101020101" pitchFamily="18" charset="-127"/>
+                <a:ea typeface="1훈새마을운동 R" panose="02020603020101020101" pitchFamily="18" charset="-127"/>
+              </a:rPr>
+              <a:t> </a:t>
+            </a:r>
+            <a:r>
+              <a:rPr lang="en-US" altLang="ko-KR" sz="1400" dirty="0" smtClean="0">
+                <a:solidFill>
+                  <a:schemeClr val="tx1"/>
+                </a:solidFill>
+                <a:latin typeface="1훈새마을운동 R" panose="02020603020101020101" pitchFamily="18" charset="-127"/>
+                <a:ea typeface="1훈새마을운동 R" panose="02020603020101020101" pitchFamily="18" charset="-127"/>
+              </a:rPr>
+              <a:t>X </a:t>
+            </a:r>
+            <a:r>
+              <a:rPr lang="ko-KR" altLang="en-US" sz="1400" dirty="0" err="1" smtClean="0">
+                <a:solidFill>
+                  <a:schemeClr val="tx1"/>
+                </a:solidFill>
+                <a:latin typeface="1훈새마을운동 R" panose="02020603020101020101" pitchFamily="18" charset="-127"/>
+                <a:ea typeface="1훈새마을운동 R" panose="02020603020101020101" pitchFamily="18" charset="-127"/>
+              </a:rPr>
+              <a:t>메소드</a:t>
+            </a:r>
+            <a:r>
+              <a:rPr lang="ko-KR" altLang="en-US" sz="1400" dirty="0" smtClean="0">
+                <a:solidFill>
+                  <a:schemeClr val="tx1"/>
+                </a:solidFill>
+                <a:latin typeface="1훈새마을운동 R" panose="02020603020101020101" pitchFamily="18" charset="-127"/>
+                <a:ea typeface="1훈새마을운동 R" panose="02020603020101020101" pitchFamily="18" charset="-127"/>
+              </a:rPr>
+              <a:t> </a:t>
+            </a:r>
+            <a:r>
+              <a:rPr lang="en-US" altLang="ko-KR" sz="1400" dirty="0" smtClean="0">
+                <a:solidFill>
+                  <a:schemeClr val="tx1"/>
+                </a:solidFill>
+                <a:latin typeface="1훈새마을운동 R" panose="02020603020101020101" pitchFamily="18" charset="-127"/>
+                <a:ea typeface="1훈새마을운동 R" panose="02020603020101020101" pitchFamily="18" charset="-127"/>
+              </a:rPr>
+              <a:t>public void </a:t>
+            </a:r>
+            <a:r>
+              <a:rPr lang="ko-KR" altLang="en-US" sz="1400" dirty="0" err="1" smtClean="0">
+                <a:solidFill>
+                  <a:schemeClr val="tx1"/>
+                </a:solidFill>
+                <a:latin typeface="1훈새마을운동 R" panose="02020603020101020101" pitchFamily="18" charset="-127"/>
+                <a:ea typeface="1훈새마을운동 R" panose="02020603020101020101" pitchFamily="18" charset="-127"/>
+              </a:rPr>
+              <a:t>메소드명</a:t>
+            </a:r>
+            <a:r>
+              <a:rPr lang="en-US" altLang="ko-KR" sz="1400" dirty="0" smtClean="0">
+                <a:solidFill>
+                  <a:schemeClr val="tx1"/>
+                </a:solidFill>
+                <a:latin typeface="1훈새마을운동 R" panose="02020603020101020101" pitchFamily="18" charset="-127"/>
+                <a:ea typeface="1훈새마을운동 R" panose="02020603020101020101" pitchFamily="18" charset="-127"/>
+              </a:rPr>
+              <a:t>( </a:t>
+            </a:r>
+            <a:r>
+              <a:rPr lang="en-US" altLang="ko-KR" sz="1400" dirty="0" err="1" smtClean="0">
+                <a:solidFill>
+                  <a:schemeClr val="tx1"/>
+                </a:solidFill>
+                <a:latin typeface="1훈새마을운동 R" panose="02020603020101020101" pitchFamily="18" charset="-127"/>
+                <a:ea typeface="1훈새마을운동 R" panose="02020603020101020101" pitchFamily="18" charset="-127"/>
+              </a:rPr>
+              <a:t>int</a:t>
+            </a:r>
+            <a:r>
+              <a:rPr lang="en-US" altLang="ko-KR" sz="1400" dirty="0" smtClean="0">
+                <a:solidFill>
+                  <a:schemeClr val="tx1"/>
+                </a:solidFill>
+                <a:latin typeface="1훈새마을운동 R" panose="02020603020101020101" pitchFamily="18" charset="-127"/>
+                <a:ea typeface="1훈새마을운동 R" panose="02020603020101020101" pitchFamily="18" charset="-127"/>
+              </a:rPr>
+              <a:t> </a:t>
+            </a:r>
+            <a:r>
+              <a:rPr lang="en-US" altLang="ko-KR" sz="1400" dirty="0" err="1" smtClean="0">
+                <a:solidFill>
+                  <a:schemeClr val="tx1"/>
+                </a:solidFill>
+                <a:latin typeface="1훈새마을운동 R" panose="02020603020101020101" pitchFamily="18" charset="-127"/>
+                <a:ea typeface="1훈새마을운동 R" panose="02020603020101020101" pitchFamily="18" charset="-127"/>
+              </a:rPr>
+              <a:t>num</a:t>
+            </a:r>
+            <a:r>
+              <a:rPr lang="en-US" altLang="ko-KR" sz="1400" dirty="0" smtClean="0">
+                <a:solidFill>
+                  <a:schemeClr val="tx1"/>
+                </a:solidFill>
+                <a:latin typeface="1훈새마을운동 R" panose="02020603020101020101" pitchFamily="18" charset="-127"/>
+                <a:ea typeface="1훈새마을운동 R" panose="02020603020101020101" pitchFamily="18" charset="-127"/>
+              </a:rPr>
+              <a:t> , </a:t>
+            </a:r>
+            <a:r>
+              <a:rPr lang="en-US" altLang="ko-KR" sz="1400" dirty="0" err="1" smtClean="0">
+                <a:solidFill>
+                  <a:schemeClr val="tx1"/>
+                </a:solidFill>
+                <a:latin typeface="1훈새마을운동 R" panose="02020603020101020101" pitchFamily="18" charset="-127"/>
+                <a:ea typeface="1훈새마을운동 R" panose="02020603020101020101" pitchFamily="18" charset="-127"/>
+              </a:rPr>
+              <a:t>int</a:t>
+            </a:r>
+            <a:r>
+              <a:rPr lang="en-US" altLang="ko-KR" sz="1400" dirty="0" smtClean="0">
+                <a:solidFill>
+                  <a:schemeClr val="tx1"/>
+                </a:solidFill>
+                <a:latin typeface="1훈새마을운동 R" panose="02020603020101020101" pitchFamily="18" charset="-127"/>
+                <a:ea typeface="1훈새마을운동 R" panose="02020603020101020101" pitchFamily="18" charset="-127"/>
+              </a:rPr>
+              <a:t> num2 ) { return }</a:t>
+            </a:r>
+          </a:p>
+          <a:p>
+            <a:r>
+              <a:rPr lang="en-US" altLang="ko-KR" sz="1400" dirty="0" smtClean="0">
+                <a:solidFill>
+                  <a:schemeClr val="tx1"/>
+                </a:solidFill>
+                <a:latin typeface="1훈새마을운동 R" panose="02020603020101020101" pitchFamily="18" charset="-127"/>
+                <a:ea typeface="1훈새마을운동 R" panose="02020603020101020101" pitchFamily="18" charset="-127"/>
+              </a:rPr>
+              <a:t>	4. </a:t>
+            </a:r>
+            <a:r>
+              <a:rPr lang="ko-KR" altLang="en-US" sz="1400" dirty="0" smtClean="0">
+                <a:solidFill>
+                  <a:schemeClr val="tx1"/>
+                </a:solidFill>
+                <a:latin typeface="1훈새마을운동 R" panose="02020603020101020101" pitchFamily="18" charset="-127"/>
+                <a:ea typeface="1훈새마을운동 R" panose="02020603020101020101" pitchFamily="18" charset="-127"/>
+              </a:rPr>
+              <a:t>호출 </a:t>
+            </a:r>
+            <a:endParaRPr lang="en-US" altLang="ko-KR" sz="1400" dirty="0" smtClean="0">
               <a:solidFill>
                 <a:schemeClr val="tx1"/>
               </a:solidFill>
@@ -8995,7 +9218,199 @@
           </a:p>
           <a:p>
             <a:r>
-              <a:rPr lang="ko-KR" altLang="en-US" smtClean="0">
+              <a:rPr lang="en-US" altLang="ko-KR" sz="1400" dirty="0">
+                <a:solidFill>
+                  <a:schemeClr val="tx1"/>
+                </a:solidFill>
+                <a:latin typeface="1훈새마을운동 R" panose="02020603020101020101" pitchFamily="18" charset="-127"/>
+                <a:ea typeface="1훈새마을운동 R" panose="02020603020101020101" pitchFamily="18" charset="-127"/>
+              </a:rPr>
+              <a:t>	</a:t>
+            </a:r>
+            <a:r>
+              <a:rPr lang="en-US" altLang="ko-KR" sz="1400" dirty="0" smtClean="0">
+                <a:solidFill>
+                  <a:schemeClr val="tx1"/>
+                </a:solidFill>
+                <a:latin typeface="1훈새마을운동 R" panose="02020603020101020101" pitchFamily="18" charset="-127"/>
+                <a:ea typeface="1훈새마을운동 R" panose="02020603020101020101" pitchFamily="18" charset="-127"/>
+              </a:rPr>
+              <a:t>	1. </a:t>
+            </a:r>
+            <a:r>
+              <a:rPr lang="ko-KR" altLang="en-US" sz="1400" dirty="0">
+                <a:solidFill>
+                  <a:schemeClr val="tx1"/>
+                </a:solidFill>
+                <a:latin typeface="1훈새마을운동 R" panose="02020603020101020101" pitchFamily="18" charset="-127"/>
+                <a:ea typeface="1훈새마을운동 R" panose="02020603020101020101" pitchFamily="18" charset="-127"/>
+              </a:rPr>
+              <a:t>인수 </a:t>
+            </a:r>
+            <a:r>
+              <a:rPr lang="en-US" altLang="ko-KR" sz="1400" dirty="0">
+                <a:solidFill>
+                  <a:schemeClr val="tx1"/>
+                </a:solidFill>
+                <a:latin typeface="1훈새마을운동 R" panose="02020603020101020101" pitchFamily="18" charset="-127"/>
+                <a:ea typeface="1훈새마을운동 R" panose="02020603020101020101" pitchFamily="18" charset="-127"/>
+              </a:rPr>
+              <a:t>O </a:t>
+            </a:r>
+            <a:r>
+              <a:rPr lang="ko-KR" altLang="en-US" sz="1400" dirty="0">
+                <a:solidFill>
+                  <a:schemeClr val="tx1"/>
+                </a:solidFill>
+                <a:latin typeface="1훈새마을운동 R" panose="02020603020101020101" pitchFamily="18" charset="-127"/>
+                <a:ea typeface="1훈새마을운동 R" panose="02020603020101020101" pitchFamily="18" charset="-127"/>
+              </a:rPr>
+              <a:t>반환 </a:t>
+            </a:r>
+            <a:r>
+              <a:rPr lang="en-US" altLang="ko-KR" sz="1400" dirty="0">
+                <a:solidFill>
+                  <a:schemeClr val="tx1"/>
+                </a:solidFill>
+                <a:latin typeface="1훈새마을운동 R" panose="02020603020101020101" pitchFamily="18" charset="-127"/>
+                <a:ea typeface="1훈새마을운동 R" panose="02020603020101020101" pitchFamily="18" charset="-127"/>
+              </a:rPr>
+              <a:t>O </a:t>
+            </a:r>
+            <a:r>
+              <a:rPr lang="ko-KR" altLang="en-US" sz="1400" dirty="0" err="1">
+                <a:solidFill>
+                  <a:schemeClr val="tx1"/>
+                </a:solidFill>
+                <a:latin typeface="1훈새마을운동 R" panose="02020603020101020101" pitchFamily="18" charset="-127"/>
+                <a:ea typeface="1훈새마을운동 R" panose="02020603020101020101" pitchFamily="18" charset="-127"/>
+              </a:rPr>
+              <a:t>메소드</a:t>
+            </a:r>
+            <a:r>
+              <a:rPr lang="en-US" altLang="ko-KR" sz="1400" dirty="0">
+                <a:solidFill>
+                  <a:schemeClr val="tx1"/>
+                </a:solidFill>
+                <a:latin typeface="1훈새마을운동 R" panose="02020603020101020101" pitchFamily="18" charset="-127"/>
+                <a:ea typeface="1훈새마을운동 R" panose="02020603020101020101" pitchFamily="18" charset="-127"/>
+              </a:rPr>
+              <a:t> 	</a:t>
+            </a:r>
+            <a:r>
+              <a:rPr lang="en-US" altLang="ko-KR" sz="1400" dirty="0" smtClean="0">
+                <a:solidFill>
+                  <a:schemeClr val="tx1"/>
+                </a:solidFill>
+                <a:latin typeface="1훈새마을운동 R" panose="02020603020101020101" pitchFamily="18" charset="-127"/>
+                <a:ea typeface="1훈새마을운동 R" panose="02020603020101020101" pitchFamily="18" charset="-127"/>
+              </a:rPr>
+              <a:t>double </a:t>
+            </a:r>
+            <a:r>
+              <a:rPr lang="ko-KR" altLang="en-US" sz="1400" dirty="0" smtClean="0">
+                <a:solidFill>
+                  <a:schemeClr val="tx1"/>
+                </a:solidFill>
+                <a:latin typeface="1훈새마을운동 R" panose="02020603020101020101" pitchFamily="18" charset="-127"/>
+                <a:ea typeface="1훈새마을운동 R" panose="02020603020101020101" pitchFamily="18" charset="-127"/>
+              </a:rPr>
+              <a:t>변수</a:t>
+            </a:r>
+            <a:r>
+              <a:rPr lang="en-US" altLang="ko-KR" sz="1400" dirty="0" smtClean="0">
+                <a:solidFill>
+                  <a:schemeClr val="tx1"/>
+                </a:solidFill>
+                <a:latin typeface="1훈새마을운동 R" panose="02020603020101020101" pitchFamily="18" charset="-127"/>
+                <a:ea typeface="1훈새마을운동 R" panose="02020603020101020101" pitchFamily="18" charset="-127"/>
+              </a:rPr>
+              <a:t> = </a:t>
+            </a:r>
+            <a:r>
+              <a:rPr lang="ko-KR" altLang="en-US" sz="1400" dirty="0" err="1" smtClean="0">
+                <a:solidFill>
+                  <a:schemeClr val="tx1"/>
+                </a:solidFill>
+                <a:latin typeface="1훈새마을운동 R" panose="02020603020101020101" pitchFamily="18" charset="-127"/>
+                <a:ea typeface="1훈새마을운동 R" panose="02020603020101020101" pitchFamily="18" charset="-127"/>
+              </a:rPr>
+              <a:t>메소드명</a:t>
+            </a:r>
+            <a:r>
+              <a:rPr lang="en-US" altLang="ko-KR" sz="1400" dirty="0" smtClean="0">
+                <a:solidFill>
+                  <a:schemeClr val="tx1"/>
+                </a:solidFill>
+                <a:latin typeface="1훈새마을운동 R" panose="02020603020101020101" pitchFamily="18" charset="-127"/>
+                <a:ea typeface="1훈새마을운동 R" panose="02020603020101020101" pitchFamily="18" charset="-127"/>
+              </a:rPr>
+              <a:t>( 3 , 5 )</a:t>
+            </a:r>
+          </a:p>
+          <a:p>
+            <a:r>
+              <a:rPr lang="en-US" altLang="ko-KR" sz="1400" dirty="0">
+                <a:solidFill>
+                  <a:schemeClr val="tx1"/>
+                </a:solidFill>
+                <a:latin typeface="1훈새마을운동 R" panose="02020603020101020101" pitchFamily="18" charset="-127"/>
+                <a:ea typeface="1훈새마을운동 R" panose="02020603020101020101" pitchFamily="18" charset="-127"/>
+              </a:rPr>
+              <a:t>		2. </a:t>
+            </a:r>
+            <a:r>
+              <a:rPr lang="ko-KR" altLang="en-US" sz="1400" dirty="0">
+                <a:solidFill>
+                  <a:schemeClr val="tx1"/>
+                </a:solidFill>
+                <a:latin typeface="1훈새마을운동 R" panose="02020603020101020101" pitchFamily="18" charset="-127"/>
+                <a:ea typeface="1훈새마을운동 R" panose="02020603020101020101" pitchFamily="18" charset="-127"/>
+              </a:rPr>
+              <a:t>인수 </a:t>
+            </a:r>
+            <a:r>
+              <a:rPr lang="en-US" altLang="ko-KR" sz="1400" dirty="0">
+                <a:solidFill>
+                  <a:schemeClr val="tx1"/>
+                </a:solidFill>
+                <a:latin typeface="1훈새마을운동 R" panose="02020603020101020101" pitchFamily="18" charset="-127"/>
+                <a:ea typeface="1훈새마을운동 R" panose="02020603020101020101" pitchFamily="18" charset="-127"/>
+              </a:rPr>
+              <a:t>X </a:t>
+            </a:r>
+            <a:r>
+              <a:rPr lang="ko-KR" altLang="en-US" sz="1400" dirty="0">
+                <a:solidFill>
+                  <a:schemeClr val="tx1"/>
+                </a:solidFill>
+                <a:latin typeface="1훈새마을운동 R" panose="02020603020101020101" pitchFamily="18" charset="-127"/>
+                <a:ea typeface="1훈새마을운동 R" panose="02020603020101020101" pitchFamily="18" charset="-127"/>
+              </a:rPr>
+              <a:t>반환</a:t>
+            </a:r>
+            <a:r>
+              <a:rPr lang="en-US" altLang="ko-KR" sz="1400" dirty="0">
+                <a:solidFill>
+                  <a:schemeClr val="tx1"/>
+                </a:solidFill>
+                <a:latin typeface="1훈새마을운동 R" panose="02020603020101020101" pitchFamily="18" charset="-127"/>
+                <a:ea typeface="1훈새마을운동 R" panose="02020603020101020101" pitchFamily="18" charset="-127"/>
+              </a:rPr>
+              <a:t> O </a:t>
+            </a:r>
+            <a:r>
+              <a:rPr lang="ko-KR" altLang="en-US" sz="1400" dirty="0" err="1">
+                <a:solidFill>
+                  <a:schemeClr val="tx1"/>
+                </a:solidFill>
+                <a:latin typeface="1훈새마을운동 R" panose="02020603020101020101" pitchFamily="18" charset="-127"/>
+                <a:ea typeface="1훈새마을운동 R" panose="02020603020101020101" pitchFamily="18" charset="-127"/>
+              </a:rPr>
+              <a:t>메소드</a:t>
+            </a:r>
+            <a:r>
+              <a:rPr lang="ko-KR" altLang="en-US" sz="1400" dirty="0">
                 <a:solidFill>
                   <a:schemeClr val="tx1"/>
                 </a:solidFill>
@@ -9005,17 +9420,79 @@
               <a:t> </a:t>
             </a:r>
             <a:r>
-              <a:rPr lang="en-US" altLang="ko-KR" smtClean="0">
-                <a:solidFill>
-                  <a:schemeClr val="tx1"/>
-                </a:solidFill>
-                <a:latin typeface="1훈새마을운동 R" panose="02020603020101020101" pitchFamily="18" charset="-127"/>
-                <a:ea typeface="1훈새마을운동 R" panose="02020603020101020101" pitchFamily="18" charset="-127"/>
-              </a:rPr>
-              <a:t>		2. </a:t>
-            </a:r>
-            <a:r>
-              <a:rPr lang="ko-KR" altLang="en-US" smtClean="0">
+              <a:rPr lang="en-US" altLang="ko-KR" sz="1400" dirty="0" smtClean="0">
+                <a:solidFill>
+                  <a:schemeClr val="tx1"/>
+                </a:solidFill>
+                <a:latin typeface="1훈새마을운동 R" panose="02020603020101020101" pitchFamily="18" charset="-127"/>
+                <a:ea typeface="1훈새마을운동 R" panose="02020603020101020101" pitchFamily="18" charset="-127"/>
+              </a:rPr>
+              <a:t>	double </a:t>
+            </a:r>
+            <a:r>
+              <a:rPr lang="ko-KR" altLang="en-US" sz="1400" dirty="0" smtClean="0">
+                <a:solidFill>
+                  <a:schemeClr val="tx1"/>
+                </a:solidFill>
+                <a:latin typeface="1훈새마을운동 R" panose="02020603020101020101" pitchFamily="18" charset="-127"/>
+                <a:ea typeface="1훈새마을운동 R" panose="02020603020101020101" pitchFamily="18" charset="-127"/>
+              </a:rPr>
+              <a:t>변수 </a:t>
+            </a:r>
+            <a:r>
+              <a:rPr lang="en-US" altLang="ko-KR" sz="1400" dirty="0" smtClean="0">
+                <a:solidFill>
+                  <a:schemeClr val="tx1"/>
+                </a:solidFill>
+                <a:latin typeface="1훈새마을운동 R" panose="02020603020101020101" pitchFamily="18" charset="-127"/>
+                <a:ea typeface="1훈새마을운동 R" panose="02020603020101020101" pitchFamily="18" charset="-127"/>
+              </a:rPr>
+              <a:t>= </a:t>
+            </a:r>
+            <a:r>
+              <a:rPr lang="ko-KR" altLang="en-US" sz="1400" dirty="0" err="1" smtClean="0">
+                <a:solidFill>
+                  <a:schemeClr val="tx1"/>
+                </a:solidFill>
+                <a:latin typeface="1훈새마을운동 R" panose="02020603020101020101" pitchFamily="18" charset="-127"/>
+                <a:ea typeface="1훈새마을운동 R" panose="02020603020101020101" pitchFamily="18" charset="-127"/>
+              </a:rPr>
+              <a:t>메소드명</a:t>
+            </a:r>
+            <a:r>
+              <a:rPr lang="en-US" altLang="ko-KR" sz="1400" dirty="0" smtClean="0">
+                <a:solidFill>
+                  <a:schemeClr val="tx1"/>
+                </a:solidFill>
+                <a:latin typeface="1훈새마을운동 R" panose="02020603020101020101" pitchFamily="18" charset="-127"/>
+                <a:ea typeface="1훈새마을운동 R" panose="02020603020101020101" pitchFamily="18" charset="-127"/>
+              </a:rPr>
+              <a:t>( )</a:t>
+            </a:r>
+          </a:p>
+          <a:p>
+            <a:r>
+              <a:rPr lang="en-US" altLang="ko-KR" sz="1400" dirty="0">
+                <a:solidFill>
+                  <a:schemeClr val="tx1"/>
+                </a:solidFill>
+                <a:latin typeface="1훈새마을운동 R" panose="02020603020101020101" pitchFamily="18" charset="-127"/>
+                <a:ea typeface="1훈새마을운동 R" panose="02020603020101020101" pitchFamily="18" charset="-127"/>
+              </a:rPr>
+              <a:t>		</a:t>
+            </a:r>
+            <a:r>
+              <a:rPr lang="en-US" altLang="ko-KR" sz="1400" dirty="0" smtClean="0">
+                <a:solidFill>
+                  <a:schemeClr val="tx1"/>
+                </a:solidFill>
+                <a:latin typeface="1훈새마을운동 R" panose="02020603020101020101" pitchFamily="18" charset="-127"/>
+                <a:ea typeface="1훈새마을운동 R" panose="02020603020101020101" pitchFamily="18" charset="-127"/>
+              </a:rPr>
+              <a:t>3. </a:t>
+            </a:r>
+            <a:r>
+              <a:rPr lang="ko-KR" altLang="en-US" sz="1400" dirty="0">
                 <a:solidFill>
                   <a:schemeClr val="tx1"/>
                 </a:solidFill>
@@ -9025,7 +9502,7 @@
               <a:t>인수 </a:t>
             </a:r>
             <a:r>
-              <a:rPr lang="en-US" altLang="ko-KR" smtClean="0">
+              <a:rPr lang="en-US" altLang="ko-KR" sz="1400" dirty="0">
                 <a:solidFill>
                   <a:schemeClr val="tx1"/>
                 </a:solidFill>
@@ -9035,7 +9512,7 @@
               <a:t>X </a:t>
             </a:r>
             <a:r>
-              <a:rPr lang="ko-KR" altLang="en-US" smtClean="0">
+              <a:rPr lang="ko-KR" altLang="en-US" sz="1400" dirty="0">
                 <a:solidFill>
                   <a:schemeClr val="tx1"/>
                 </a:solidFill>
@@ -9045,7 +9522,7 @@
               <a:t>반환</a:t>
             </a:r>
             <a:r>
-              <a:rPr lang="en-US" altLang="ko-KR">
+              <a:rPr lang="en-US" altLang="ko-KR" sz="1400" dirty="0">
                 <a:solidFill>
                   <a:schemeClr val="tx1"/>
                 </a:solidFill>
@@ -9055,7 +9532,109 @@
               <a:t> </a:t>
             </a:r>
             <a:r>
-              <a:rPr lang="en-US" altLang="ko-KR" smtClean="0">
+              <a:rPr lang="en-US" altLang="ko-KR" sz="1400" dirty="0" smtClean="0">
+                <a:solidFill>
+                  <a:schemeClr val="tx1"/>
+                </a:solidFill>
+                <a:latin typeface="1훈새마을운동 R" panose="02020603020101020101" pitchFamily="18" charset="-127"/>
+                <a:ea typeface="1훈새마을운동 R" panose="02020603020101020101" pitchFamily="18" charset="-127"/>
+              </a:rPr>
+              <a:t>x </a:t>
+            </a:r>
+            <a:r>
+              <a:rPr lang="ko-KR" altLang="en-US" sz="1400" dirty="0" err="1">
+                <a:solidFill>
+                  <a:schemeClr val="tx1"/>
+                </a:solidFill>
+                <a:latin typeface="1훈새마을운동 R" panose="02020603020101020101" pitchFamily="18" charset="-127"/>
+                <a:ea typeface="1훈새마을운동 R" panose="02020603020101020101" pitchFamily="18" charset="-127"/>
+              </a:rPr>
+              <a:t>메소드</a:t>
+            </a:r>
+            <a:r>
+              <a:rPr lang="ko-KR" altLang="en-US" sz="1400" dirty="0">
+                <a:solidFill>
+                  <a:schemeClr val="tx1"/>
+                </a:solidFill>
+                <a:latin typeface="1훈새마을운동 R" panose="02020603020101020101" pitchFamily="18" charset="-127"/>
+                <a:ea typeface="1훈새마을운동 R" panose="02020603020101020101" pitchFamily="18" charset="-127"/>
+              </a:rPr>
+              <a:t> </a:t>
+            </a:r>
+            <a:r>
+              <a:rPr lang="en-US" altLang="ko-KR" sz="1400" dirty="0">
+                <a:solidFill>
+                  <a:schemeClr val="tx1"/>
+                </a:solidFill>
+                <a:latin typeface="1훈새마을운동 R" panose="02020603020101020101" pitchFamily="18" charset="-127"/>
+                <a:ea typeface="1훈새마을운동 R" panose="02020603020101020101" pitchFamily="18" charset="-127"/>
+              </a:rPr>
+              <a:t>	</a:t>
+            </a:r>
+            <a:r>
+              <a:rPr lang="ko-KR" altLang="en-US" sz="1400" dirty="0" err="1" smtClean="0">
+                <a:solidFill>
+                  <a:schemeClr val="tx1"/>
+                </a:solidFill>
+                <a:latin typeface="1훈새마을운동 R" panose="02020603020101020101" pitchFamily="18" charset="-127"/>
+                <a:ea typeface="1훈새마을운동 R" panose="02020603020101020101" pitchFamily="18" charset="-127"/>
+              </a:rPr>
+              <a:t>메소드명</a:t>
+            </a:r>
+            <a:r>
+              <a:rPr lang="en-US" altLang="ko-KR" sz="1400" dirty="0">
+                <a:solidFill>
+                  <a:schemeClr val="tx1"/>
+                </a:solidFill>
+                <a:latin typeface="1훈새마을운동 R" panose="02020603020101020101" pitchFamily="18" charset="-127"/>
+                <a:ea typeface="1훈새마을운동 R" panose="02020603020101020101" pitchFamily="18" charset="-127"/>
+              </a:rPr>
+              <a:t>( </a:t>
+            </a:r>
+            <a:r>
+              <a:rPr lang="en-US" altLang="ko-KR" sz="1400" dirty="0" smtClean="0">
+                <a:solidFill>
+                  <a:schemeClr val="tx1"/>
+                </a:solidFill>
+                <a:latin typeface="1훈새마을운동 R" panose="02020603020101020101" pitchFamily="18" charset="-127"/>
+                <a:ea typeface="1훈새마을운동 R" panose="02020603020101020101" pitchFamily="18" charset="-127"/>
+              </a:rPr>
+              <a:t>)</a:t>
+            </a:r>
+          </a:p>
+          <a:p>
+            <a:r>
+              <a:rPr lang="en-US" altLang="ko-KR" sz="1400" dirty="0">
+                <a:solidFill>
+                  <a:schemeClr val="tx1"/>
+                </a:solidFill>
+                <a:latin typeface="1훈새마을운동 R" panose="02020603020101020101" pitchFamily="18" charset="-127"/>
+                <a:ea typeface="1훈새마을운동 R" panose="02020603020101020101" pitchFamily="18" charset="-127"/>
+              </a:rPr>
+              <a:t>	</a:t>
+            </a:r>
+            <a:r>
+              <a:rPr lang="en-US" altLang="ko-KR" sz="1400" dirty="0" smtClean="0">
+                <a:solidFill>
+                  <a:schemeClr val="tx1"/>
+                </a:solidFill>
+                <a:latin typeface="1훈새마을운동 R" panose="02020603020101020101" pitchFamily="18" charset="-127"/>
+                <a:ea typeface="1훈새마을운동 R" panose="02020603020101020101" pitchFamily="18" charset="-127"/>
+              </a:rPr>
+              <a:t>	4. </a:t>
+            </a:r>
+            <a:r>
+              <a:rPr lang="ko-KR" altLang="en-US" sz="1400" dirty="0">
+                <a:solidFill>
+                  <a:schemeClr val="tx1"/>
+                </a:solidFill>
+                <a:latin typeface="1훈새마을운동 R" panose="02020603020101020101" pitchFamily="18" charset="-127"/>
+                <a:ea typeface="1훈새마을운동 R" panose="02020603020101020101" pitchFamily="18" charset="-127"/>
+              </a:rPr>
+              <a:t>인수 </a:t>
+            </a:r>
+            <a:r>
+              <a:rPr lang="en-US" altLang="ko-KR" sz="1400" dirty="0">
                 <a:solidFill>
                   <a:schemeClr val="tx1"/>
                 </a:solidFill>
@@ -9065,27 +9644,57 @@
               <a:t>O </a:t>
             </a:r>
             <a:r>
-              <a:rPr lang="ko-KR" altLang="en-US" smtClean="0">
-                <a:solidFill>
-                  <a:schemeClr val="tx1"/>
-                </a:solidFill>
-                <a:latin typeface="1훈새마을운동 R" panose="02020603020101020101" pitchFamily="18" charset="-127"/>
-                <a:ea typeface="1훈새마을운동 R" panose="02020603020101020101" pitchFamily="18" charset="-127"/>
-              </a:rPr>
-              <a:t>메소드 </a:t>
-            </a:r>
-            <a:r>
-              <a:rPr lang="en-US" altLang="ko-KR" smtClean="0">
-                <a:solidFill>
-                  <a:schemeClr val="tx1"/>
-                </a:solidFill>
-                <a:latin typeface="1훈새마을운동 R" panose="02020603020101020101" pitchFamily="18" charset="-127"/>
-                <a:ea typeface="1훈새마을운동 R" panose="02020603020101020101" pitchFamily="18" charset="-127"/>
-              </a:rPr>
-              <a:t>public double </a:t>
-            </a:r>
-            <a:r>
-              <a:rPr lang="ko-KR" altLang="en-US" smtClean="0">
+              <a:rPr lang="ko-KR" altLang="en-US" sz="1400" dirty="0">
+                <a:solidFill>
+                  <a:schemeClr val="tx1"/>
+                </a:solidFill>
+                <a:latin typeface="1훈새마을운동 R" panose="02020603020101020101" pitchFamily="18" charset="-127"/>
+                <a:ea typeface="1훈새마을운동 R" panose="02020603020101020101" pitchFamily="18" charset="-127"/>
+              </a:rPr>
+              <a:t>반환</a:t>
+            </a:r>
+            <a:r>
+              <a:rPr lang="en-US" altLang="ko-KR" sz="1400" dirty="0">
+                <a:solidFill>
+                  <a:schemeClr val="tx1"/>
+                </a:solidFill>
+                <a:latin typeface="1훈새마을운동 R" panose="02020603020101020101" pitchFamily="18" charset="-127"/>
+                <a:ea typeface="1훈새마을운동 R" panose="02020603020101020101" pitchFamily="18" charset="-127"/>
+              </a:rPr>
+              <a:t> X </a:t>
+            </a:r>
+            <a:r>
+              <a:rPr lang="ko-KR" altLang="en-US" sz="1400" dirty="0" err="1">
+                <a:solidFill>
+                  <a:schemeClr val="tx1"/>
+                </a:solidFill>
+                <a:latin typeface="1훈새마을운동 R" panose="02020603020101020101" pitchFamily="18" charset="-127"/>
+                <a:ea typeface="1훈새마을운동 R" panose="02020603020101020101" pitchFamily="18" charset="-127"/>
+              </a:rPr>
+              <a:t>메소드</a:t>
+            </a:r>
+            <a:r>
+              <a:rPr lang="ko-KR" altLang="en-US" sz="1400" dirty="0">
+                <a:solidFill>
+                  <a:schemeClr val="tx1"/>
+                </a:solidFill>
+                <a:latin typeface="1훈새마을운동 R" panose="02020603020101020101" pitchFamily="18" charset="-127"/>
+                <a:ea typeface="1훈새마을운동 R" panose="02020603020101020101" pitchFamily="18" charset="-127"/>
+              </a:rPr>
+              <a:t> </a:t>
+            </a:r>
+            <a:r>
+              <a:rPr lang="en-US" altLang="ko-KR" sz="1400" dirty="0" smtClean="0">
+                <a:solidFill>
+                  <a:schemeClr val="tx1"/>
+                </a:solidFill>
+                <a:latin typeface="1훈새마을운동 R" panose="02020603020101020101" pitchFamily="18" charset="-127"/>
+                <a:ea typeface="1훈새마을운동 R" panose="02020603020101020101" pitchFamily="18" charset="-127"/>
+              </a:rPr>
+              <a:t>	</a:t>
+            </a:r>
+            <a:r>
+              <a:rPr lang="ko-KR" altLang="en-US" sz="1400" dirty="0" err="1" smtClean="0">
                 <a:solidFill>
                   <a:schemeClr val="tx1"/>
                 </a:solidFill>
@@ -9095,49 +9704,19 @@
               <a:t>메소드명</a:t>
             </a:r>
             <a:r>
-              <a:rPr lang="en-US" altLang="ko-KR">
-                <a:solidFill>
-                  <a:schemeClr val="tx1"/>
-                </a:solidFill>
-                <a:latin typeface="1훈새마을운동 R" panose="02020603020101020101" pitchFamily="18" charset="-127"/>
-                <a:ea typeface="1훈새마을운동 R" panose="02020603020101020101" pitchFamily="18" charset="-127"/>
-              </a:rPr>
-              <a:t> </a:t>
-            </a:r>
-            <a:r>
-              <a:rPr lang="en-US" altLang="ko-KR" smtClean="0">
-                <a:solidFill>
-                  <a:schemeClr val="tx1"/>
-                </a:solidFill>
-                <a:latin typeface="1훈새마을운동 R" panose="02020603020101020101" pitchFamily="18" charset="-127"/>
-                <a:ea typeface="1훈새마을운동 R" panose="02020603020101020101" pitchFamily="18" charset="-127"/>
-              </a:rPr>
-              <a:t>( ) {return</a:t>
-            </a:r>
-            <a:r>
-              <a:rPr lang="en-US" altLang="ko-KR">
-                <a:solidFill>
-                  <a:schemeClr val="tx1"/>
-                </a:solidFill>
-                <a:latin typeface="1훈새마을운동 R" panose="02020603020101020101" pitchFamily="18" charset="-127"/>
-                <a:ea typeface="1훈새마을운동 R" panose="02020603020101020101" pitchFamily="18" charset="-127"/>
-              </a:rPr>
-              <a:t> 10.5</a:t>
-            </a:r>
-            <a:r>
-              <a:rPr lang="en-US" altLang="ko-KR" smtClean="0">
-                <a:solidFill>
-                  <a:schemeClr val="tx1"/>
-                </a:solidFill>
-                <a:latin typeface="1훈새마을운동 R" panose="02020603020101020101" pitchFamily="18" charset="-127"/>
-                <a:ea typeface="1훈새마을운동 R" panose="02020603020101020101" pitchFamily="18" charset="-127"/>
-              </a:rPr>
-              <a:t> } </a:t>
-            </a:r>
-          </a:p>
-          <a:p>
-            <a:r>
-              <a:rPr lang="en-US" altLang="ko-KR">
+              <a:rPr lang="en-US" altLang="ko-KR" sz="1400" dirty="0" smtClean="0">
+                <a:solidFill>
+                  <a:schemeClr val="tx1"/>
+                </a:solidFill>
+                <a:latin typeface="1훈새마을운동 R" panose="02020603020101020101" pitchFamily="18" charset="-127"/>
+                <a:ea typeface="1훈새마을운동 R" panose="02020603020101020101" pitchFamily="18" charset="-127"/>
+              </a:rPr>
+              <a:t>( 3 , 5 ) </a:t>
+            </a:r>
+          </a:p>
+          <a:p>
+            <a:r>
+              <a:rPr lang="en-US" altLang="ko-KR" sz="1400" dirty="0">
                 <a:solidFill>
                   <a:schemeClr val="tx1"/>
                 </a:solidFill>
@@ -9147,240 +9726,26 @@
               <a:t>	</a:t>
             </a:r>
             <a:r>
-              <a:rPr lang="en-US" altLang="ko-KR" smtClean="0">
-                <a:solidFill>
-                  <a:schemeClr val="tx1"/>
-                </a:solidFill>
-                <a:latin typeface="1훈새마을운동 R" panose="02020603020101020101" pitchFamily="18" charset="-127"/>
-                <a:ea typeface="1훈새마을운동 R" panose="02020603020101020101" pitchFamily="18" charset="-127"/>
-              </a:rPr>
-              <a:t>	3. </a:t>
-            </a:r>
-            <a:r>
-              <a:rPr lang="ko-KR" altLang="en-US" smtClean="0">
-                <a:solidFill>
-                  <a:schemeClr val="tx1"/>
-                </a:solidFill>
-                <a:latin typeface="1훈새마을운동 R" panose="02020603020101020101" pitchFamily="18" charset="-127"/>
-                <a:ea typeface="1훈새마을운동 R" panose="02020603020101020101" pitchFamily="18" charset="-127"/>
-              </a:rPr>
-              <a:t>인수</a:t>
-            </a:r>
-            <a:r>
-              <a:rPr lang="en-US" altLang="ko-KR">
-                <a:solidFill>
-                  <a:schemeClr val="tx1"/>
-                </a:solidFill>
-                <a:latin typeface="1훈새마을운동 R" panose="02020603020101020101" pitchFamily="18" charset="-127"/>
-                <a:ea typeface="1훈새마을운동 R" panose="02020603020101020101" pitchFamily="18" charset="-127"/>
-              </a:rPr>
-              <a:t> </a:t>
-            </a:r>
-            <a:r>
-              <a:rPr lang="en-US" altLang="ko-KR" smtClean="0">
-                <a:solidFill>
-                  <a:schemeClr val="tx1"/>
-                </a:solidFill>
-                <a:latin typeface="1훈새마을운동 R" panose="02020603020101020101" pitchFamily="18" charset="-127"/>
-                <a:ea typeface="1훈새마을운동 R" panose="02020603020101020101" pitchFamily="18" charset="-127"/>
-              </a:rPr>
-              <a:t>X </a:t>
-            </a:r>
-            <a:r>
-              <a:rPr lang="ko-KR" altLang="en-US" smtClean="0">
-                <a:solidFill>
-                  <a:schemeClr val="tx1"/>
-                </a:solidFill>
-                <a:latin typeface="1훈새마을운동 R" panose="02020603020101020101" pitchFamily="18" charset="-127"/>
-                <a:ea typeface="1훈새마을운동 R" panose="02020603020101020101" pitchFamily="18" charset="-127"/>
-              </a:rPr>
-              <a:t>반환 </a:t>
-            </a:r>
-            <a:r>
-              <a:rPr lang="en-US" altLang="ko-KR" smtClean="0">
-                <a:solidFill>
-                  <a:schemeClr val="tx1"/>
-                </a:solidFill>
-                <a:latin typeface="1훈새마을운동 R" panose="02020603020101020101" pitchFamily="18" charset="-127"/>
-                <a:ea typeface="1훈새마을운동 R" panose="02020603020101020101" pitchFamily="18" charset="-127"/>
-              </a:rPr>
-              <a:t>X </a:t>
-            </a:r>
-            <a:r>
-              <a:rPr lang="ko-KR" altLang="en-US" smtClean="0">
-                <a:solidFill>
-                  <a:schemeClr val="tx1"/>
-                </a:solidFill>
-                <a:latin typeface="1훈새마을운동 R" panose="02020603020101020101" pitchFamily="18" charset="-127"/>
-                <a:ea typeface="1훈새마을운동 R" panose="02020603020101020101" pitchFamily="18" charset="-127"/>
-              </a:rPr>
-              <a:t>메소드 </a:t>
-            </a:r>
-            <a:r>
-              <a:rPr lang="en-US" altLang="ko-KR" smtClean="0">
-                <a:solidFill>
-                  <a:schemeClr val="tx1"/>
-                </a:solidFill>
-                <a:latin typeface="1훈새마을운동 R" panose="02020603020101020101" pitchFamily="18" charset="-127"/>
-                <a:ea typeface="1훈새마을운동 R" panose="02020603020101020101" pitchFamily="18" charset="-127"/>
-              </a:rPr>
-              <a:t>public void </a:t>
-            </a:r>
-            <a:r>
-              <a:rPr lang="ko-KR" altLang="en-US" smtClean="0">
-                <a:solidFill>
-                  <a:schemeClr val="tx1"/>
-                </a:solidFill>
-                <a:latin typeface="1훈새마을운동 R" panose="02020603020101020101" pitchFamily="18" charset="-127"/>
-                <a:ea typeface="1훈새마을운동 R" panose="02020603020101020101" pitchFamily="18" charset="-127"/>
-              </a:rPr>
-              <a:t>메소드명</a:t>
-            </a:r>
-            <a:r>
-              <a:rPr lang="en-US" altLang="ko-KR" smtClean="0">
-                <a:solidFill>
-                  <a:schemeClr val="tx1"/>
-                </a:solidFill>
-                <a:latin typeface="1훈새마을운동 R" panose="02020603020101020101" pitchFamily="18" charset="-127"/>
-                <a:ea typeface="1훈새마을운동 R" panose="02020603020101020101" pitchFamily="18" charset="-127"/>
-              </a:rPr>
-              <a:t>( ) { return }</a:t>
-            </a:r>
-          </a:p>
-          <a:p>
-            <a:r>
-              <a:rPr lang="en-US" altLang="ko-KR">
-                <a:solidFill>
-                  <a:schemeClr val="tx1"/>
-                </a:solidFill>
-                <a:latin typeface="1훈새마을운동 R" panose="02020603020101020101" pitchFamily="18" charset="-127"/>
-                <a:ea typeface="1훈새마을운동 R" panose="02020603020101020101" pitchFamily="18" charset="-127"/>
-              </a:rPr>
-              <a:t>	</a:t>
-            </a:r>
-            <a:r>
-              <a:rPr lang="en-US" altLang="ko-KR" smtClean="0">
-                <a:solidFill>
-                  <a:schemeClr val="tx1"/>
-                </a:solidFill>
-                <a:latin typeface="1훈새마을운동 R" panose="02020603020101020101" pitchFamily="18" charset="-127"/>
-                <a:ea typeface="1훈새마을운동 R" panose="02020603020101020101" pitchFamily="18" charset="-127"/>
-              </a:rPr>
-              <a:t>	4. </a:t>
-            </a:r>
-            <a:r>
-              <a:rPr lang="ko-KR" altLang="en-US" smtClean="0">
-                <a:solidFill>
-                  <a:schemeClr val="tx1"/>
-                </a:solidFill>
-                <a:latin typeface="1훈새마을운동 R" panose="02020603020101020101" pitchFamily="18" charset="-127"/>
-                <a:ea typeface="1훈새마을운동 R" panose="02020603020101020101" pitchFamily="18" charset="-127"/>
-              </a:rPr>
-              <a:t>인수 </a:t>
-            </a:r>
-            <a:r>
-              <a:rPr lang="en-US" altLang="ko-KR" smtClean="0">
-                <a:solidFill>
-                  <a:schemeClr val="tx1"/>
-                </a:solidFill>
-                <a:latin typeface="1훈새마을운동 R" panose="02020603020101020101" pitchFamily="18" charset="-127"/>
-                <a:ea typeface="1훈새마을운동 R" panose="02020603020101020101" pitchFamily="18" charset="-127"/>
-              </a:rPr>
-              <a:t>O </a:t>
-            </a:r>
-            <a:r>
-              <a:rPr lang="ko-KR" altLang="en-US" smtClean="0">
-                <a:solidFill>
-                  <a:schemeClr val="tx1"/>
-                </a:solidFill>
-                <a:latin typeface="1훈새마을운동 R" panose="02020603020101020101" pitchFamily="18" charset="-127"/>
-                <a:ea typeface="1훈새마을운동 R" panose="02020603020101020101" pitchFamily="18" charset="-127"/>
-              </a:rPr>
-              <a:t>반환</a:t>
-            </a:r>
-            <a:r>
-              <a:rPr lang="en-US" altLang="ko-KR">
-                <a:solidFill>
-                  <a:schemeClr val="tx1"/>
-                </a:solidFill>
-                <a:latin typeface="1훈새마을운동 R" panose="02020603020101020101" pitchFamily="18" charset="-127"/>
-                <a:ea typeface="1훈새마을운동 R" panose="02020603020101020101" pitchFamily="18" charset="-127"/>
-              </a:rPr>
-              <a:t> </a:t>
-            </a:r>
-            <a:r>
-              <a:rPr lang="en-US" altLang="ko-KR" smtClean="0">
-                <a:solidFill>
-                  <a:schemeClr val="tx1"/>
-                </a:solidFill>
-                <a:latin typeface="1훈새마을운동 R" panose="02020603020101020101" pitchFamily="18" charset="-127"/>
-                <a:ea typeface="1훈새마을운동 R" panose="02020603020101020101" pitchFamily="18" charset="-127"/>
-              </a:rPr>
-              <a:t>X </a:t>
-            </a:r>
-            <a:r>
-              <a:rPr lang="ko-KR" altLang="en-US" smtClean="0">
-                <a:solidFill>
-                  <a:schemeClr val="tx1"/>
-                </a:solidFill>
-                <a:latin typeface="1훈새마을운동 R" panose="02020603020101020101" pitchFamily="18" charset="-127"/>
-                <a:ea typeface="1훈새마을운동 R" panose="02020603020101020101" pitchFamily="18" charset="-127"/>
-              </a:rPr>
-              <a:t>메소드 </a:t>
-            </a:r>
-            <a:r>
-              <a:rPr lang="en-US" altLang="ko-KR" smtClean="0">
-                <a:solidFill>
-                  <a:schemeClr val="tx1"/>
-                </a:solidFill>
-                <a:latin typeface="1훈새마을운동 R" panose="02020603020101020101" pitchFamily="18" charset="-127"/>
-                <a:ea typeface="1훈새마을운동 R" panose="02020603020101020101" pitchFamily="18" charset="-127"/>
-              </a:rPr>
-              <a:t>public void </a:t>
-            </a:r>
-            <a:r>
-              <a:rPr lang="ko-KR" altLang="en-US" smtClean="0">
-                <a:solidFill>
-                  <a:schemeClr val="tx1"/>
-                </a:solidFill>
-                <a:latin typeface="1훈새마을운동 R" panose="02020603020101020101" pitchFamily="18" charset="-127"/>
-                <a:ea typeface="1훈새마을운동 R" panose="02020603020101020101" pitchFamily="18" charset="-127"/>
-              </a:rPr>
-              <a:t>메소드명</a:t>
-            </a:r>
-            <a:r>
-              <a:rPr lang="en-US" altLang="ko-KR" smtClean="0">
-                <a:solidFill>
-                  <a:schemeClr val="tx1"/>
-                </a:solidFill>
-                <a:latin typeface="1훈새마을운동 R" panose="02020603020101020101" pitchFamily="18" charset="-127"/>
-                <a:ea typeface="1훈새마을운동 R" panose="02020603020101020101" pitchFamily="18" charset="-127"/>
-              </a:rPr>
-              <a:t>( int num , int num2 ) { return }</a:t>
-            </a:r>
-          </a:p>
-          <a:p>
-            <a:r>
-              <a:rPr lang="en-US" altLang="ko-KR" smtClean="0">
-                <a:solidFill>
-                  <a:schemeClr val="tx1"/>
-                </a:solidFill>
-                <a:latin typeface="1훈새마을운동 R" panose="02020603020101020101" pitchFamily="18" charset="-127"/>
-                <a:ea typeface="1훈새마을운동 R" panose="02020603020101020101" pitchFamily="18" charset="-127"/>
-              </a:rPr>
-              <a:t>	4. </a:t>
-            </a:r>
-            <a:r>
-              <a:rPr lang="ko-KR" altLang="en-US" smtClean="0">
-                <a:solidFill>
-                  <a:schemeClr val="tx1"/>
-                </a:solidFill>
-                <a:latin typeface="1훈새마을운동 R" panose="02020603020101020101" pitchFamily="18" charset="-127"/>
-                <a:ea typeface="1훈새마을운동 R" panose="02020603020101020101" pitchFamily="18" charset="-127"/>
-              </a:rPr>
-              <a:t>호출 </a:t>
-            </a:r>
-            <a:endParaRPr lang="en-US" altLang="ko-KR" smtClean="0">
+              <a:rPr lang="en-US" altLang="ko-KR" sz="1400" dirty="0" smtClean="0">
+                <a:solidFill>
+                  <a:schemeClr val="tx1"/>
+                </a:solidFill>
+                <a:latin typeface="1훈새마을운동 R" panose="02020603020101020101" pitchFamily="18" charset="-127"/>
+                <a:ea typeface="1훈새마을운동 R" panose="02020603020101020101" pitchFamily="18" charset="-127"/>
+              </a:rPr>
+              <a:t>5. </a:t>
+            </a:r>
+            <a:r>
+              <a:rPr lang="ko-KR" altLang="en-US" sz="1400" dirty="0" smtClean="0">
+                <a:solidFill>
+                  <a:schemeClr val="tx1"/>
+                </a:solidFill>
+                <a:latin typeface="1훈새마을운동 R" panose="02020603020101020101" pitchFamily="18" charset="-127"/>
+                <a:ea typeface="1훈새마을운동 R" panose="02020603020101020101" pitchFamily="18" charset="-127"/>
+              </a:rPr>
+              <a:t>호출 방법 </a:t>
+            </a:r>
+            <a:endParaRPr lang="en-US" altLang="ko-KR" sz="1400" dirty="0" smtClean="0">
               <a:solidFill>
                 <a:schemeClr val="tx1"/>
               </a:solidFill>
@@ -9390,7 +9755,7 @@
           </a:p>
           <a:p>
             <a:r>
-              <a:rPr lang="en-US" altLang="ko-KR">
+              <a:rPr lang="en-US" altLang="ko-KR" sz="1400" dirty="0">
                 <a:solidFill>
                   <a:schemeClr val="tx1"/>
                 </a:solidFill>
@@ -9400,7 +9765,7 @@
               <a:t>	</a:t>
             </a:r>
             <a:r>
-              <a:rPr lang="en-US" altLang="ko-KR" smtClean="0">
+              <a:rPr lang="en-US" altLang="ko-KR" sz="1400" dirty="0" smtClean="0">
                 <a:solidFill>
                   <a:schemeClr val="tx1"/>
                 </a:solidFill>
@@ -9410,57 +9775,57 @@
               <a:t>	1. </a:t>
             </a:r>
             <a:r>
-              <a:rPr lang="ko-KR" altLang="en-US">
-                <a:solidFill>
-                  <a:schemeClr val="tx1"/>
-                </a:solidFill>
-                <a:latin typeface="1훈새마을운동 R" panose="02020603020101020101" pitchFamily="18" charset="-127"/>
-                <a:ea typeface="1훈새마을운동 R" panose="02020603020101020101" pitchFamily="18" charset="-127"/>
-              </a:rPr>
-              <a:t>인수 </a:t>
-            </a:r>
-            <a:r>
-              <a:rPr lang="en-US" altLang="ko-KR">
-                <a:solidFill>
-                  <a:schemeClr val="tx1"/>
-                </a:solidFill>
-                <a:latin typeface="1훈새마을운동 R" panose="02020603020101020101" pitchFamily="18" charset="-127"/>
-                <a:ea typeface="1훈새마을운동 R" panose="02020603020101020101" pitchFamily="18" charset="-127"/>
-              </a:rPr>
-              <a:t>O </a:t>
-            </a:r>
-            <a:r>
-              <a:rPr lang="ko-KR" altLang="en-US">
-                <a:solidFill>
-                  <a:schemeClr val="tx1"/>
-                </a:solidFill>
-                <a:latin typeface="1훈새마을운동 R" panose="02020603020101020101" pitchFamily="18" charset="-127"/>
-                <a:ea typeface="1훈새마을운동 R" panose="02020603020101020101" pitchFamily="18" charset="-127"/>
-              </a:rPr>
-              <a:t>반환 </a:t>
-            </a:r>
-            <a:r>
-              <a:rPr lang="en-US" altLang="ko-KR">
-                <a:solidFill>
-                  <a:schemeClr val="tx1"/>
-                </a:solidFill>
-                <a:latin typeface="1훈새마을운동 R" panose="02020603020101020101" pitchFamily="18" charset="-127"/>
-                <a:ea typeface="1훈새마을운동 R" panose="02020603020101020101" pitchFamily="18" charset="-127"/>
-              </a:rPr>
-              <a:t>O </a:t>
-            </a:r>
-            <a:r>
-              <a:rPr lang="ko-KR" altLang="en-US">
-                <a:solidFill>
-                  <a:schemeClr val="tx1"/>
-                </a:solidFill>
-                <a:latin typeface="1훈새마을운동 R" panose="02020603020101020101" pitchFamily="18" charset="-127"/>
-                <a:ea typeface="1훈새마을운동 R" panose="02020603020101020101" pitchFamily="18" charset="-127"/>
-              </a:rPr>
-              <a:t>메소드</a:t>
-            </a:r>
-            <a:r>
-              <a:rPr lang="en-US" altLang="ko-KR">
+              <a:rPr lang="ko-KR" altLang="en-US" sz="1400" dirty="0" smtClean="0">
+                <a:solidFill>
+                  <a:schemeClr val="tx1"/>
+                </a:solidFill>
+                <a:latin typeface="1훈새마을운동 R" panose="02020603020101020101" pitchFamily="18" charset="-127"/>
+                <a:ea typeface="1훈새마을운동 R" panose="02020603020101020101" pitchFamily="18" charset="-127"/>
+              </a:rPr>
+              <a:t>객체 생성 </a:t>
+            </a:r>
+            <a:r>
+              <a:rPr lang="en-US" altLang="ko-KR" sz="1400" dirty="0" smtClean="0">
+                <a:solidFill>
+                  <a:schemeClr val="tx1"/>
+                </a:solidFill>
+                <a:latin typeface="1훈새마을운동 R" panose="02020603020101020101" pitchFamily="18" charset="-127"/>
+                <a:ea typeface="1훈새마을운동 R" panose="02020603020101020101" pitchFamily="18" charset="-127"/>
+              </a:rPr>
+              <a:t>: </a:t>
+            </a:r>
+            <a:r>
+              <a:rPr lang="ko-KR" altLang="en-US" sz="1400" dirty="0" err="1" smtClean="0">
+                <a:solidFill>
+                  <a:schemeClr val="tx1"/>
+                </a:solidFill>
+                <a:latin typeface="1훈새마을운동 R" panose="02020603020101020101" pitchFamily="18" charset="-127"/>
+                <a:ea typeface="1훈새마을운동 R" panose="02020603020101020101" pitchFamily="18" charset="-127"/>
+              </a:rPr>
+              <a:t>객체명</a:t>
+            </a:r>
+            <a:r>
+              <a:rPr lang="en-US" altLang="ko-KR" sz="1400" dirty="0" smtClean="0">
+                <a:solidFill>
+                  <a:schemeClr val="tx1"/>
+                </a:solidFill>
+                <a:latin typeface="1훈새마을운동 R" panose="02020603020101020101" pitchFamily="18" charset="-127"/>
+                <a:ea typeface="1훈새마을운동 R" panose="02020603020101020101" pitchFamily="18" charset="-127"/>
+              </a:rPr>
+              <a:t>.</a:t>
+            </a:r>
+            <a:r>
+              <a:rPr lang="ko-KR" altLang="en-US" sz="1400" dirty="0" err="1" smtClean="0">
+                <a:solidFill>
+                  <a:schemeClr val="tx1"/>
+                </a:solidFill>
+                <a:latin typeface="1훈새마을운동 R" panose="02020603020101020101" pitchFamily="18" charset="-127"/>
+                <a:ea typeface="1훈새마을운동 R" panose="02020603020101020101" pitchFamily="18" charset="-127"/>
+              </a:rPr>
+              <a:t>메소드명</a:t>
+            </a:r>
+            <a:r>
+              <a:rPr lang="ko-KR" altLang="en-US" sz="1400" dirty="0" smtClean="0">
                 <a:solidFill>
                   <a:schemeClr val="tx1"/>
                 </a:solidFill>
@@ -9469,455 +9834,7 @@
               </a:rPr>
               <a:t> </a:t>
             </a:r>
-            <a:r>
-              <a:rPr lang="en-US" altLang="ko-KR">
-                <a:solidFill>
-                  <a:schemeClr val="tx1"/>
-                </a:solidFill>
-                <a:latin typeface="1훈새마을운동 R" panose="02020603020101020101" pitchFamily="18" charset="-127"/>
-                <a:ea typeface="1훈새마을운동 R" panose="02020603020101020101" pitchFamily="18" charset="-127"/>
-              </a:rPr>
-              <a:t>	</a:t>
-            </a:r>
-            <a:r>
-              <a:rPr lang="en-US" altLang="ko-KR" smtClean="0">
-                <a:solidFill>
-                  <a:schemeClr val="tx1"/>
-                </a:solidFill>
-                <a:latin typeface="1훈새마을운동 R" panose="02020603020101020101" pitchFamily="18" charset="-127"/>
-                <a:ea typeface="1훈새마을운동 R" panose="02020603020101020101" pitchFamily="18" charset="-127"/>
-              </a:rPr>
-              <a:t>double </a:t>
-            </a:r>
-            <a:r>
-              <a:rPr lang="ko-KR" altLang="en-US" smtClean="0">
-                <a:solidFill>
-                  <a:schemeClr val="tx1"/>
-                </a:solidFill>
-                <a:latin typeface="1훈새마을운동 R" panose="02020603020101020101" pitchFamily="18" charset="-127"/>
-                <a:ea typeface="1훈새마을운동 R" panose="02020603020101020101" pitchFamily="18" charset="-127"/>
-              </a:rPr>
-              <a:t>변수</a:t>
-            </a:r>
-            <a:r>
-              <a:rPr lang="en-US" altLang="ko-KR" smtClean="0">
-                <a:solidFill>
-                  <a:schemeClr val="tx1"/>
-                </a:solidFill>
-                <a:latin typeface="1훈새마을운동 R" panose="02020603020101020101" pitchFamily="18" charset="-127"/>
-                <a:ea typeface="1훈새마을운동 R" panose="02020603020101020101" pitchFamily="18" charset="-127"/>
-              </a:rPr>
-              <a:t> = </a:t>
-            </a:r>
-            <a:r>
-              <a:rPr lang="ko-KR" altLang="en-US" smtClean="0">
-                <a:solidFill>
-                  <a:schemeClr val="tx1"/>
-                </a:solidFill>
-                <a:latin typeface="1훈새마을운동 R" panose="02020603020101020101" pitchFamily="18" charset="-127"/>
-                <a:ea typeface="1훈새마을운동 R" panose="02020603020101020101" pitchFamily="18" charset="-127"/>
-              </a:rPr>
-              <a:t>메소드명</a:t>
-            </a:r>
-            <a:r>
-              <a:rPr lang="en-US" altLang="ko-KR" smtClean="0">
-                <a:solidFill>
-                  <a:schemeClr val="tx1"/>
-                </a:solidFill>
-                <a:latin typeface="1훈새마을운동 R" panose="02020603020101020101" pitchFamily="18" charset="-127"/>
-                <a:ea typeface="1훈새마을운동 R" panose="02020603020101020101" pitchFamily="18" charset="-127"/>
-              </a:rPr>
-              <a:t>( 3 , 5 )</a:t>
-            </a:r>
-          </a:p>
-          <a:p>
-            <a:r>
-              <a:rPr lang="en-US" altLang="ko-KR">
-                <a:solidFill>
-                  <a:schemeClr val="tx1"/>
-                </a:solidFill>
-                <a:latin typeface="1훈새마을운동 R" panose="02020603020101020101" pitchFamily="18" charset="-127"/>
-                <a:ea typeface="1훈새마을운동 R" panose="02020603020101020101" pitchFamily="18" charset="-127"/>
-              </a:rPr>
-              <a:t>	</a:t>
-            </a:r>
-            <a:r>
-              <a:rPr lang="en-US" altLang="ko-KR">
-                <a:solidFill>
-                  <a:schemeClr val="tx1"/>
-                </a:solidFill>
-                <a:latin typeface="1훈새마을운동 R" panose="02020603020101020101" pitchFamily="18" charset="-127"/>
-                <a:ea typeface="1훈새마을운동 R" panose="02020603020101020101" pitchFamily="18" charset="-127"/>
-              </a:rPr>
-              <a:t>	2. </a:t>
-            </a:r>
-            <a:r>
-              <a:rPr lang="ko-KR" altLang="en-US">
-                <a:solidFill>
-                  <a:schemeClr val="tx1"/>
-                </a:solidFill>
-                <a:latin typeface="1훈새마을운동 R" panose="02020603020101020101" pitchFamily="18" charset="-127"/>
-                <a:ea typeface="1훈새마을운동 R" panose="02020603020101020101" pitchFamily="18" charset="-127"/>
-              </a:rPr>
-              <a:t>인수 </a:t>
-            </a:r>
-            <a:r>
-              <a:rPr lang="en-US" altLang="ko-KR">
-                <a:solidFill>
-                  <a:schemeClr val="tx1"/>
-                </a:solidFill>
-                <a:latin typeface="1훈새마을운동 R" panose="02020603020101020101" pitchFamily="18" charset="-127"/>
-                <a:ea typeface="1훈새마을운동 R" panose="02020603020101020101" pitchFamily="18" charset="-127"/>
-              </a:rPr>
-              <a:t>X </a:t>
-            </a:r>
-            <a:r>
-              <a:rPr lang="ko-KR" altLang="en-US">
-                <a:solidFill>
-                  <a:schemeClr val="tx1"/>
-                </a:solidFill>
-                <a:latin typeface="1훈새마을운동 R" panose="02020603020101020101" pitchFamily="18" charset="-127"/>
-                <a:ea typeface="1훈새마을운동 R" panose="02020603020101020101" pitchFamily="18" charset="-127"/>
-              </a:rPr>
-              <a:t>반환</a:t>
-            </a:r>
-            <a:r>
-              <a:rPr lang="en-US" altLang="ko-KR">
-                <a:solidFill>
-                  <a:schemeClr val="tx1"/>
-                </a:solidFill>
-                <a:latin typeface="1훈새마을운동 R" panose="02020603020101020101" pitchFamily="18" charset="-127"/>
-                <a:ea typeface="1훈새마을운동 R" panose="02020603020101020101" pitchFamily="18" charset="-127"/>
-              </a:rPr>
-              <a:t> O </a:t>
-            </a:r>
-            <a:r>
-              <a:rPr lang="ko-KR" altLang="en-US">
-                <a:solidFill>
-                  <a:schemeClr val="tx1"/>
-                </a:solidFill>
-                <a:latin typeface="1훈새마을운동 R" panose="02020603020101020101" pitchFamily="18" charset="-127"/>
-                <a:ea typeface="1훈새마을운동 R" panose="02020603020101020101" pitchFamily="18" charset="-127"/>
-              </a:rPr>
-              <a:t>메소드 </a:t>
-            </a:r>
-            <a:r>
-              <a:rPr lang="en-US" altLang="ko-KR" smtClean="0">
-                <a:solidFill>
-                  <a:schemeClr val="tx1"/>
-                </a:solidFill>
-                <a:latin typeface="1훈새마을운동 R" panose="02020603020101020101" pitchFamily="18" charset="-127"/>
-                <a:ea typeface="1훈새마을운동 R" panose="02020603020101020101" pitchFamily="18" charset="-127"/>
-              </a:rPr>
-              <a:t>	double </a:t>
-            </a:r>
-            <a:r>
-              <a:rPr lang="ko-KR" altLang="en-US" smtClean="0">
-                <a:solidFill>
-                  <a:schemeClr val="tx1"/>
-                </a:solidFill>
-                <a:latin typeface="1훈새마을운동 R" panose="02020603020101020101" pitchFamily="18" charset="-127"/>
-                <a:ea typeface="1훈새마을운동 R" panose="02020603020101020101" pitchFamily="18" charset="-127"/>
-              </a:rPr>
-              <a:t>변수 </a:t>
-            </a:r>
-            <a:r>
-              <a:rPr lang="en-US" altLang="ko-KR" smtClean="0">
-                <a:solidFill>
-                  <a:schemeClr val="tx1"/>
-                </a:solidFill>
-                <a:latin typeface="1훈새마을운동 R" panose="02020603020101020101" pitchFamily="18" charset="-127"/>
-                <a:ea typeface="1훈새마을운동 R" panose="02020603020101020101" pitchFamily="18" charset="-127"/>
-              </a:rPr>
-              <a:t>= </a:t>
-            </a:r>
-            <a:r>
-              <a:rPr lang="ko-KR" altLang="en-US" smtClean="0">
-                <a:solidFill>
-                  <a:schemeClr val="tx1"/>
-                </a:solidFill>
-                <a:latin typeface="1훈새마을운동 R" panose="02020603020101020101" pitchFamily="18" charset="-127"/>
-                <a:ea typeface="1훈새마을운동 R" panose="02020603020101020101" pitchFamily="18" charset="-127"/>
-              </a:rPr>
-              <a:t>메소드명</a:t>
-            </a:r>
-            <a:r>
-              <a:rPr lang="en-US" altLang="ko-KR" smtClean="0">
-                <a:solidFill>
-                  <a:schemeClr val="tx1"/>
-                </a:solidFill>
-                <a:latin typeface="1훈새마을운동 R" panose="02020603020101020101" pitchFamily="18" charset="-127"/>
-                <a:ea typeface="1훈새마을운동 R" panose="02020603020101020101" pitchFamily="18" charset="-127"/>
-              </a:rPr>
-              <a:t>( )</a:t>
-            </a:r>
-          </a:p>
-          <a:p>
-            <a:r>
-              <a:rPr lang="en-US" altLang="ko-KR">
-                <a:solidFill>
-                  <a:schemeClr val="tx1"/>
-                </a:solidFill>
-                <a:latin typeface="1훈새마을운동 R" panose="02020603020101020101" pitchFamily="18" charset="-127"/>
-                <a:ea typeface="1훈새마을운동 R" panose="02020603020101020101" pitchFamily="18" charset="-127"/>
-              </a:rPr>
-              <a:t>	</a:t>
-            </a:r>
-            <a:r>
-              <a:rPr lang="en-US" altLang="ko-KR">
-                <a:solidFill>
-                  <a:schemeClr val="tx1"/>
-                </a:solidFill>
-                <a:latin typeface="1훈새마을운동 R" panose="02020603020101020101" pitchFamily="18" charset="-127"/>
-                <a:ea typeface="1훈새마을운동 R" panose="02020603020101020101" pitchFamily="18" charset="-127"/>
-              </a:rPr>
-              <a:t>	</a:t>
-            </a:r>
-            <a:r>
-              <a:rPr lang="en-US" altLang="ko-KR" smtClean="0">
-                <a:solidFill>
-                  <a:schemeClr val="tx1"/>
-                </a:solidFill>
-                <a:latin typeface="1훈새마을운동 R" panose="02020603020101020101" pitchFamily="18" charset="-127"/>
-                <a:ea typeface="1훈새마을운동 R" panose="02020603020101020101" pitchFamily="18" charset="-127"/>
-              </a:rPr>
-              <a:t>3. </a:t>
-            </a:r>
-            <a:r>
-              <a:rPr lang="ko-KR" altLang="en-US">
-                <a:solidFill>
-                  <a:schemeClr val="tx1"/>
-                </a:solidFill>
-                <a:latin typeface="1훈새마을운동 R" panose="02020603020101020101" pitchFamily="18" charset="-127"/>
-                <a:ea typeface="1훈새마을운동 R" panose="02020603020101020101" pitchFamily="18" charset="-127"/>
-              </a:rPr>
-              <a:t>인수 </a:t>
-            </a:r>
-            <a:r>
-              <a:rPr lang="en-US" altLang="ko-KR">
-                <a:solidFill>
-                  <a:schemeClr val="tx1"/>
-                </a:solidFill>
-                <a:latin typeface="1훈새마을운동 R" panose="02020603020101020101" pitchFamily="18" charset="-127"/>
-                <a:ea typeface="1훈새마을운동 R" panose="02020603020101020101" pitchFamily="18" charset="-127"/>
-              </a:rPr>
-              <a:t>X </a:t>
-            </a:r>
-            <a:r>
-              <a:rPr lang="ko-KR" altLang="en-US">
-                <a:solidFill>
-                  <a:schemeClr val="tx1"/>
-                </a:solidFill>
-                <a:latin typeface="1훈새마을운동 R" panose="02020603020101020101" pitchFamily="18" charset="-127"/>
-                <a:ea typeface="1훈새마을운동 R" panose="02020603020101020101" pitchFamily="18" charset="-127"/>
-              </a:rPr>
-              <a:t>반환</a:t>
-            </a:r>
-            <a:r>
-              <a:rPr lang="en-US" altLang="ko-KR">
-                <a:solidFill>
-                  <a:schemeClr val="tx1"/>
-                </a:solidFill>
-                <a:latin typeface="1훈새마을운동 R" panose="02020603020101020101" pitchFamily="18" charset="-127"/>
-                <a:ea typeface="1훈새마을운동 R" panose="02020603020101020101" pitchFamily="18" charset="-127"/>
-              </a:rPr>
-              <a:t> </a:t>
-            </a:r>
-            <a:r>
-              <a:rPr lang="en-US" altLang="ko-KR" smtClean="0">
-                <a:solidFill>
-                  <a:schemeClr val="tx1"/>
-                </a:solidFill>
-                <a:latin typeface="1훈새마을운동 R" panose="02020603020101020101" pitchFamily="18" charset="-127"/>
-                <a:ea typeface="1훈새마을운동 R" panose="02020603020101020101" pitchFamily="18" charset="-127"/>
-              </a:rPr>
-              <a:t>x </a:t>
-            </a:r>
-            <a:r>
-              <a:rPr lang="ko-KR" altLang="en-US">
-                <a:solidFill>
-                  <a:schemeClr val="tx1"/>
-                </a:solidFill>
-                <a:latin typeface="1훈새마을운동 R" panose="02020603020101020101" pitchFamily="18" charset="-127"/>
-                <a:ea typeface="1훈새마을운동 R" panose="02020603020101020101" pitchFamily="18" charset="-127"/>
-              </a:rPr>
-              <a:t>메소드 </a:t>
-            </a:r>
-            <a:r>
-              <a:rPr lang="en-US" altLang="ko-KR">
-                <a:solidFill>
-                  <a:schemeClr val="tx1"/>
-                </a:solidFill>
-                <a:latin typeface="1훈새마을운동 R" panose="02020603020101020101" pitchFamily="18" charset="-127"/>
-                <a:ea typeface="1훈새마을운동 R" panose="02020603020101020101" pitchFamily="18" charset="-127"/>
-              </a:rPr>
-              <a:t>	</a:t>
-            </a:r>
-            <a:r>
-              <a:rPr lang="ko-KR" altLang="en-US" smtClean="0">
-                <a:solidFill>
-                  <a:schemeClr val="tx1"/>
-                </a:solidFill>
-                <a:latin typeface="1훈새마을운동 R" panose="02020603020101020101" pitchFamily="18" charset="-127"/>
-                <a:ea typeface="1훈새마을운동 R" panose="02020603020101020101" pitchFamily="18" charset="-127"/>
-              </a:rPr>
-              <a:t>메소드명</a:t>
-            </a:r>
-            <a:r>
-              <a:rPr lang="en-US" altLang="ko-KR">
-                <a:solidFill>
-                  <a:schemeClr val="tx1"/>
-                </a:solidFill>
-                <a:latin typeface="1훈새마을운동 R" panose="02020603020101020101" pitchFamily="18" charset="-127"/>
-                <a:ea typeface="1훈새마을운동 R" panose="02020603020101020101" pitchFamily="18" charset="-127"/>
-              </a:rPr>
-              <a:t>( </a:t>
-            </a:r>
-            <a:r>
-              <a:rPr lang="en-US" altLang="ko-KR" smtClean="0">
-                <a:solidFill>
-                  <a:schemeClr val="tx1"/>
-                </a:solidFill>
-                <a:latin typeface="1훈새마을운동 R" panose="02020603020101020101" pitchFamily="18" charset="-127"/>
-                <a:ea typeface="1훈새마을운동 R" panose="02020603020101020101" pitchFamily="18" charset="-127"/>
-              </a:rPr>
-              <a:t>)</a:t>
-            </a:r>
-          </a:p>
-          <a:p>
-            <a:r>
-              <a:rPr lang="en-US" altLang="ko-KR">
-                <a:solidFill>
-                  <a:schemeClr val="tx1"/>
-                </a:solidFill>
-                <a:latin typeface="1훈새마을운동 R" panose="02020603020101020101" pitchFamily="18" charset="-127"/>
-                <a:ea typeface="1훈새마을운동 R" panose="02020603020101020101" pitchFamily="18" charset="-127"/>
-              </a:rPr>
-              <a:t>	</a:t>
-            </a:r>
-            <a:r>
-              <a:rPr lang="en-US" altLang="ko-KR" smtClean="0">
-                <a:solidFill>
-                  <a:schemeClr val="tx1"/>
-                </a:solidFill>
-                <a:latin typeface="1훈새마을운동 R" panose="02020603020101020101" pitchFamily="18" charset="-127"/>
-                <a:ea typeface="1훈새마을운동 R" panose="02020603020101020101" pitchFamily="18" charset="-127"/>
-              </a:rPr>
-              <a:t>	4. </a:t>
-            </a:r>
-            <a:r>
-              <a:rPr lang="ko-KR" altLang="en-US">
-                <a:solidFill>
-                  <a:schemeClr val="tx1"/>
-                </a:solidFill>
-                <a:latin typeface="1훈새마을운동 R" panose="02020603020101020101" pitchFamily="18" charset="-127"/>
-                <a:ea typeface="1훈새마을운동 R" panose="02020603020101020101" pitchFamily="18" charset="-127"/>
-              </a:rPr>
-              <a:t>인수 </a:t>
-            </a:r>
-            <a:r>
-              <a:rPr lang="en-US" altLang="ko-KR">
-                <a:solidFill>
-                  <a:schemeClr val="tx1"/>
-                </a:solidFill>
-                <a:latin typeface="1훈새마을운동 R" panose="02020603020101020101" pitchFamily="18" charset="-127"/>
-                <a:ea typeface="1훈새마을운동 R" panose="02020603020101020101" pitchFamily="18" charset="-127"/>
-              </a:rPr>
-              <a:t>O </a:t>
-            </a:r>
-            <a:r>
-              <a:rPr lang="ko-KR" altLang="en-US">
-                <a:solidFill>
-                  <a:schemeClr val="tx1"/>
-                </a:solidFill>
-                <a:latin typeface="1훈새마을운동 R" panose="02020603020101020101" pitchFamily="18" charset="-127"/>
-                <a:ea typeface="1훈새마을운동 R" panose="02020603020101020101" pitchFamily="18" charset="-127"/>
-              </a:rPr>
-              <a:t>반환</a:t>
-            </a:r>
-            <a:r>
-              <a:rPr lang="en-US" altLang="ko-KR">
-                <a:solidFill>
-                  <a:schemeClr val="tx1"/>
-                </a:solidFill>
-                <a:latin typeface="1훈새마을운동 R" panose="02020603020101020101" pitchFamily="18" charset="-127"/>
-                <a:ea typeface="1훈새마을운동 R" panose="02020603020101020101" pitchFamily="18" charset="-127"/>
-              </a:rPr>
-              <a:t> X </a:t>
-            </a:r>
-            <a:r>
-              <a:rPr lang="ko-KR" altLang="en-US">
-                <a:solidFill>
-                  <a:schemeClr val="tx1"/>
-                </a:solidFill>
-                <a:latin typeface="1훈새마을운동 R" panose="02020603020101020101" pitchFamily="18" charset="-127"/>
-                <a:ea typeface="1훈새마을운동 R" panose="02020603020101020101" pitchFamily="18" charset="-127"/>
-              </a:rPr>
-              <a:t>메소드 </a:t>
-            </a:r>
-            <a:r>
-              <a:rPr lang="en-US" altLang="ko-KR" smtClean="0">
-                <a:solidFill>
-                  <a:schemeClr val="tx1"/>
-                </a:solidFill>
-                <a:latin typeface="1훈새마을운동 R" panose="02020603020101020101" pitchFamily="18" charset="-127"/>
-                <a:ea typeface="1훈새마을운동 R" panose="02020603020101020101" pitchFamily="18" charset="-127"/>
-              </a:rPr>
-              <a:t>	</a:t>
-            </a:r>
-            <a:r>
-              <a:rPr lang="ko-KR" altLang="en-US" smtClean="0">
-                <a:solidFill>
-                  <a:schemeClr val="tx1"/>
-                </a:solidFill>
-                <a:latin typeface="1훈새마을운동 R" panose="02020603020101020101" pitchFamily="18" charset="-127"/>
-                <a:ea typeface="1훈새마을운동 R" panose="02020603020101020101" pitchFamily="18" charset="-127"/>
-              </a:rPr>
-              <a:t>메소드명</a:t>
-            </a:r>
-            <a:r>
-              <a:rPr lang="en-US" altLang="ko-KR" smtClean="0">
-                <a:solidFill>
-                  <a:schemeClr val="tx1"/>
-                </a:solidFill>
-                <a:latin typeface="1훈새마을운동 R" panose="02020603020101020101" pitchFamily="18" charset="-127"/>
-                <a:ea typeface="1훈새마을운동 R" panose="02020603020101020101" pitchFamily="18" charset="-127"/>
-              </a:rPr>
-              <a:t>( 3 , 5 ) </a:t>
-            </a:r>
-          </a:p>
-          <a:p>
-            <a:r>
-              <a:rPr lang="en-US" altLang="ko-KR">
-                <a:solidFill>
-                  <a:schemeClr val="tx1"/>
-                </a:solidFill>
-                <a:latin typeface="1훈새마을운동 R" panose="02020603020101020101" pitchFamily="18" charset="-127"/>
-                <a:ea typeface="1훈새마을운동 R" panose="02020603020101020101" pitchFamily="18" charset="-127"/>
-              </a:rPr>
-              <a:t>	</a:t>
-            </a:r>
-            <a:r>
-              <a:rPr lang="en-US" altLang="ko-KR" smtClean="0">
-                <a:solidFill>
-                  <a:schemeClr val="tx1"/>
-                </a:solidFill>
-                <a:latin typeface="1훈새마을운동 R" panose="02020603020101020101" pitchFamily="18" charset="-127"/>
-                <a:ea typeface="1훈새마을운동 R" panose="02020603020101020101" pitchFamily="18" charset="-127"/>
-              </a:rPr>
-              <a:t>5. </a:t>
-            </a:r>
-            <a:r>
-              <a:rPr lang="ko-KR" altLang="en-US" smtClean="0">
-                <a:solidFill>
-                  <a:schemeClr val="tx1"/>
-                </a:solidFill>
-                <a:latin typeface="1훈새마을운동 R" panose="02020603020101020101" pitchFamily="18" charset="-127"/>
-                <a:ea typeface="1훈새마을운동 R" panose="02020603020101020101" pitchFamily="18" charset="-127"/>
-              </a:rPr>
-              <a:t>호출 방법 </a:t>
-            </a:r>
-            <a:endParaRPr lang="en-US" altLang="ko-KR" smtClean="0">
+            <a:endParaRPr lang="en-US" altLang="ko-KR" sz="1400" dirty="0" smtClean="0">
               <a:solidFill>
                 <a:schemeClr val="tx1"/>
               </a:solidFill>
@@ -9927,7 +9844,7 @@
           </a:p>
           <a:p>
             <a:r>
-              <a:rPr lang="en-US" altLang="ko-KR">
+              <a:rPr lang="en-US" altLang="ko-KR" sz="1400" dirty="0">
                 <a:solidFill>
                   <a:schemeClr val="tx1"/>
                 </a:solidFill>
@@ -9937,27 +9854,37 @@
               <a:t>	</a:t>
             </a:r>
             <a:r>
-              <a:rPr lang="en-US" altLang="ko-KR" smtClean="0">
-                <a:solidFill>
-                  <a:schemeClr val="tx1"/>
-                </a:solidFill>
-                <a:latin typeface="1훈새마을운동 R" panose="02020603020101020101" pitchFamily="18" charset="-127"/>
-                <a:ea typeface="1훈새마을운동 R" panose="02020603020101020101" pitchFamily="18" charset="-127"/>
-              </a:rPr>
-              <a:t>	1. </a:t>
-            </a:r>
-            <a:r>
-              <a:rPr lang="ko-KR" altLang="en-US" smtClean="0">
-                <a:solidFill>
-                  <a:schemeClr val="tx1"/>
-                </a:solidFill>
-                <a:latin typeface="1훈새마을운동 R" panose="02020603020101020101" pitchFamily="18" charset="-127"/>
-                <a:ea typeface="1훈새마을운동 R" panose="02020603020101020101" pitchFamily="18" charset="-127"/>
-              </a:rPr>
-              <a:t>객체 생성 </a:t>
-            </a:r>
-            <a:r>
-              <a:rPr lang="en-US" altLang="ko-KR" smtClean="0">
+              <a:rPr lang="en-US" altLang="ko-KR" sz="1400" dirty="0" smtClean="0">
+                <a:solidFill>
+                  <a:schemeClr val="tx1"/>
+                </a:solidFill>
+                <a:latin typeface="1훈새마을운동 R" panose="02020603020101020101" pitchFamily="18" charset="-127"/>
+                <a:ea typeface="1훈새마을운동 R" panose="02020603020101020101" pitchFamily="18" charset="-127"/>
+              </a:rPr>
+              <a:t>	2. static</a:t>
+            </a:r>
+            <a:r>
+              <a:rPr lang="ko-KR" altLang="en-US" sz="1400" dirty="0" err="1" smtClean="0">
+                <a:solidFill>
+                  <a:schemeClr val="tx1"/>
+                </a:solidFill>
+                <a:latin typeface="1훈새마을운동 R" panose="02020603020101020101" pitchFamily="18" charset="-127"/>
+                <a:ea typeface="1훈새마을운동 R" panose="02020603020101020101" pitchFamily="18" charset="-127"/>
+              </a:rPr>
+              <a:t>메소드</a:t>
+            </a:r>
+            <a:r>
+              <a:rPr lang="ko-KR" altLang="en-US" sz="1400" dirty="0" smtClean="0">
+                <a:solidFill>
+                  <a:schemeClr val="tx1"/>
+                </a:solidFill>
+                <a:latin typeface="1훈새마을운동 R" panose="02020603020101020101" pitchFamily="18" charset="-127"/>
+                <a:ea typeface="1훈새마을운동 R" panose="02020603020101020101" pitchFamily="18" charset="-127"/>
+              </a:rPr>
+              <a:t> </a:t>
+            </a:r>
+            <a:r>
+              <a:rPr lang="en-US" altLang="ko-KR" sz="1400" dirty="0" smtClean="0">
                 <a:solidFill>
                   <a:schemeClr val="tx1"/>
                 </a:solidFill>
@@ -9967,17 +9894,17 @@
               <a:t>: </a:t>
             </a:r>
             <a:r>
-              <a:rPr lang="ko-KR" altLang="en-US" smtClean="0">
-                <a:solidFill>
-                  <a:schemeClr val="tx1"/>
-                </a:solidFill>
-                <a:latin typeface="1훈새마을운동 R" panose="02020603020101020101" pitchFamily="18" charset="-127"/>
-                <a:ea typeface="1훈새마을운동 R" panose="02020603020101020101" pitchFamily="18" charset="-127"/>
-              </a:rPr>
-              <a:t>객체명</a:t>
-            </a:r>
-            <a:r>
-              <a:rPr lang="en-US" altLang="ko-KR" smtClean="0">
+              <a:rPr lang="ko-KR" altLang="en-US" sz="1400" dirty="0" err="1" smtClean="0">
+                <a:solidFill>
+                  <a:schemeClr val="tx1"/>
+                </a:solidFill>
+                <a:latin typeface="1훈새마을운동 R" panose="02020603020101020101" pitchFamily="18" charset="-127"/>
+                <a:ea typeface="1훈새마을운동 R" panose="02020603020101020101" pitchFamily="18" charset="-127"/>
+              </a:rPr>
+              <a:t>클래스명</a:t>
+            </a:r>
+            <a:r>
+              <a:rPr lang="en-US" altLang="ko-KR" sz="1400" dirty="0" smtClean="0">
                 <a:solidFill>
                   <a:schemeClr val="tx1"/>
                 </a:solidFill>
@@ -9987,16 +9914,26 @@
               <a:t>.</a:t>
             </a:r>
             <a:r>
-              <a:rPr lang="ko-KR" altLang="en-US" smtClean="0">
-                <a:solidFill>
-                  <a:schemeClr val="tx1"/>
-                </a:solidFill>
-                <a:latin typeface="1훈새마을운동 R" panose="02020603020101020101" pitchFamily="18" charset="-127"/>
-                <a:ea typeface="1훈새마을운동 R" panose="02020603020101020101" pitchFamily="18" charset="-127"/>
-              </a:rPr>
-              <a:t>메소드명 </a:t>
-            </a:r>
-            <a:endParaRPr lang="en-US" altLang="ko-KR" smtClean="0">
+              <a:rPr lang="ko-KR" altLang="en-US" sz="1400" dirty="0" err="1" smtClean="0">
+                <a:solidFill>
+                  <a:schemeClr val="tx1"/>
+                </a:solidFill>
+                <a:latin typeface="1훈새마을운동 R" panose="02020603020101020101" pitchFamily="18" charset="-127"/>
+                <a:ea typeface="1훈새마을운동 R" panose="02020603020101020101" pitchFamily="18" charset="-127"/>
+              </a:rPr>
+              <a:t>메소드명</a:t>
+            </a:r>
+            <a:r>
+              <a:rPr lang="ko-KR" altLang="en-US" sz="1400" dirty="0" smtClean="0">
+                <a:solidFill>
+                  <a:schemeClr val="tx1"/>
+                </a:solidFill>
+                <a:latin typeface="1훈새마을운동 R" panose="02020603020101020101" pitchFamily="18" charset="-127"/>
+                <a:ea typeface="1훈새마을운동 R" panose="02020603020101020101" pitchFamily="18" charset="-127"/>
+              </a:rPr>
+              <a:t> </a:t>
+            </a:r>
+            <a:endParaRPr lang="en-US" altLang="ko-KR" sz="1400" dirty="0">
               <a:solidFill>
                 <a:schemeClr val="tx1"/>
               </a:solidFill>
@@ -10005,86 +9942,7 @@
             </a:endParaRPr>
           </a:p>
           <a:p>
-            <a:r>
-              <a:rPr lang="en-US" altLang="ko-KR">
-                <a:solidFill>
-                  <a:schemeClr val="tx1"/>
-                </a:solidFill>
-                <a:latin typeface="1훈새마을운동 R" panose="02020603020101020101" pitchFamily="18" charset="-127"/>
-                <a:ea typeface="1훈새마을운동 R" panose="02020603020101020101" pitchFamily="18" charset="-127"/>
-              </a:rPr>
-              <a:t>	</a:t>
-            </a:r>
-            <a:r>
-              <a:rPr lang="en-US" altLang="ko-KR" smtClean="0">
-                <a:solidFill>
-                  <a:schemeClr val="tx1"/>
-                </a:solidFill>
-                <a:latin typeface="1훈새마을운동 R" panose="02020603020101020101" pitchFamily="18" charset="-127"/>
-                <a:ea typeface="1훈새마을운동 R" panose="02020603020101020101" pitchFamily="18" charset="-127"/>
-              </a:rPr>
-              <a:t>	2. static</a:t>
-            </a:r>
-            <a:r>
-              <a:rPr lang="ko-KR" altLang="en-US" smtClean="0">
-                <a:solidFill>
-                  <a:schemeClr val="tx1"/>
-                </a:solidFill>
-                <a:latin typeface="1훈새마을운동 R" panose="02020603020101020101" pitchFamily="18" charset="-127"/>
-                <a:ea typeface="1훈새마을운동 R" panose="02020603020101020101" pitchFamily="18" charset="-127"/>
-              </a:rPr>
-              <a:t>메소드 </a:t>
-            </a:r>
-            <a:r>
-              <a:rPr lang="en-US" altLang="ko-KR" smtClean="0">
-                <a:solidFill>
-                  <a:schemeClr val="tx1"/>
-                </a:solidFill>
-                <a:latin typeface="1훈새마을운동 R" panose="02020603020101020101" pitchFamily="18" charset="-127"/>
-                <a:ea typeface="1훈새마을운동 R" panose="02020603020101020101" pitchFamily="18" charset="-127"/>
-              </a:rPr>
-              <a:t>: </a:t>
-            </a:r>
-            <a:r>
-              <a:rPr lang="ko-KR" altLang="en-US" smtClean="0">
-                <a:solidFill>
-                  <a:schemeClr val="tx1"/>
-                </a:solidFill>
-                <a:latin typeface="1훈새마을운동 R" panose="02020603020101020101" pitchFamily="18" charset="-127"/>
-                <a:ea typeface="1훈새마을운동 R" panose="02020603020101020101" pitchFamily="18" charset="-127"/>
-              </a:rPr>
-              <a:t>클래스명</a:t>
-            </a:r>
-            <a:r>
-              <a:rPr lang="en-US" altLang="ko-KR" smtClean="0">
-                <a:solidFill>
-                  <a:schemeClr val="tx1"/>
-                </a:solidFill>
-                <a:latin typeface="1훈새마을운동 R" panose="02020603020101020101" pitchFamily="18" charset="-127"/>
-                <a:ea typeface="1훈새마을운동 R" panose="02020603020101020101" pitchFamily="18" charset="-127"/>
-              </a:rPr>
-              <a:t>.</a:t>
-            </a:r>
-            <a:r>
-              <a:rPr lang="ko-KR" altLang="en-US" smtClean="0">
-                <a:solidFill>
-                  <a:schemeClr val="tx1"/>
-                </a:solidFill>
-                <a:latin typeface="1훈새마을운동 R" panose="02020603020101020101" pitchFamily="18" charset="-127"/>
-                <a:ea typeface="1훈새마을운동 R" panose="02020603020101020101" pitchFamily="18" charset="-127"/>
-              </a:rPr>
-              <a:t>메소드명 </a:t>
-            </a:r>
-            <a:endParaRPr lang="en-US" altLang="ko-KR">
-              <a:solidFill>
-                <a:schemeClr val="tx1"/>
-              </a:solidFill>
-              <a:latin typeface="1훈새마을운동 R" panose="02020603020101020101" pitchFamily="18" charset="-127"/>
-              <a:ea typeface="1훈새마을운동 R" panose="02020603020101020101" pitchFamily="18" charset="-127"/>
-            </a:endParaRPr>
-          </a:p>
-          <a:p>
-            <a:endParaRPr lang="en-US" altLang="ko-KR" smtClean="0">
+            <a:endParaRPr lang="en-US" altLang="ko-KR" sz="1400" dirty="0" smtClean="0">
               <a:solidFill>
                 <a:schemeClr val="tx1"/>
               </a:solidFill>
@@ -10307,13 +10165,6 @@
                   </a:rPr>
                   <a:t>] </a:t>
                 </a:r>
-                <a:endParaRPr lang="en-US" altLang="ko-KR" sz="1200" smtClean="0">
-                  <a:solidFill>
-                    <a:schemeClr val="tx1"/>
-                  </a:solidFill>
-                  <a:latin typeface="1훈새마을운동 R" panose="02020603020101020101" pitchFamily="18" charset="-127"/>
-                  <a:ea typeface="1훈새마을운동 R" panose="02020603020101020101" pitchFamily="18" charset="-127"/>
-                </a:endParaRPr>
               </a:p>
               <a:p>
                 <a:r>
@@ -10390,13 +10241,6 @@
                   </a:rPr>
                   <a:t>[ return ]  </a:t>
                 </a:r>
-                <a:endParaRPr lang="en-US" altLang="ko-KR" sz="1200" smtClean="0">
-                  <a:solidFill>
-                    <a:schemeClr val="tx1"/>
-                  </a:solidFill>
-                  <a:latin typeface="1훈새마을운동 R" panose="02020603020101020101" pitchFamily="18" charset="-127"/>
-                  <a:ea typeface="1훈새마을운동 R" panose="02020603020101020101" pitchFamily="18" charset="-127"/>
-                </a:endParaRPr>
               </a:p>
               <a:p>
                 <a:r>
@@ -10792,7 +10636,7 @@
           <a:lstStyle/>
           <a:p>
             <a:r>
-              <a:rPr lang="en-US" altLang="ko-KR" smtClean="0">
+              <a:rPr lang="en-US" altLang="ko-KR" dirty="0" smtClean="0">
                 <a:solidFill>
                   <a:schemeClr val="tx1"/>
                 </a:solidFill>
@@ -10802,7 +10646,7 @@
               <a:t>*</a:t>
             </a:r>
             <a:r>
-              <a:rPr lang="ko-KR" altLang="en-US" smtClean="0">
+              <a:rPr lang="ko-KR" altLang="en-US" dirty="0" smtClean="0">
                 <a:solidFill>
                   <a:schemeClr val="tx1"/>
                 </a:solidFill>
@@ -10812,7 +10656,7 @@
               <a:t>중간체크</a:t>
             </a:r>
             <a:r>
-              <a:rPr lang="en-US" altLang="ko-KR" smtClean="0">
+              <a:rPr lang="en-US" altLang="ko-KR" dirty="0" smtClean="0">
                 <a:solidFill>
                   <a:schemeClr val="tx1"/>
                 </a:solidFill>
@@ -10821,180 +10665,150 @@
               </a:rPr>
               <a:t>_2</a:t>
             </a:r>
-            <a:endParaRPr lang="en-US" altLang="ko-KR" smtClean="0">
+          </a:p>
+          <a:p>
+            <a:r>
+              <a:rPr lang="en-US" altLang="ko-KR" dirty="0">
+                <a:solidFill>
+                  <a:schemeClr val="tx1"/>
+                </a:solidFill>
+                <a:latin typeface="1훈새마을운동 R" panose="02020603020101020101" pitchFamily="18" charset="-127"/>
+                <a:ea typeface="1훈새마을운동 R" panose="02020603020101020101" pitchFamily="18" charset="-127"/>
+              </a:rPr>
+              <a:t>	</a:t>
+            </a:r>
+            <a:r>
+              <a:rPr lang="en-US" altLang="ko-KR" dirty="0" smtClean="0">
+                <a:solidFill>
+                  <a:schemeClr val="tx1"/>
+                </a:solidFill>
+                <a:latin typeface="1훈새마을운동 R" panose="02020603020101020101" pitchFamily="18" charset="-127"/>
+                <a:ea typeface="1훈새마을운동 R" panose="02020603020101020101" pitchFamily="18" charset="-127"/>
+              </a:rPr>
+              <a:t>1. </a:t>
+            </a:r>
+            <a:r>
+              <a:rPr lang="ko-KR" altLang="en-US" dirty="0" smtClean="0">
+                <a:solidFill>
+                  <a:schemeClr val="tx1"/>
+                </a:solidFill>
+                <a:latin typeface="1훈새마을운동 R" panose="02020603020101020101" pitchFamily="18" charset="-127"/>
+                <a:ea typeface="1훈새마을운동 R" panose="02020603020101020101" pitchFamily="18" charset="-127"/>
+              </a:rPr>
+              <a:t>클래스 </a:t>
+            </a:r>
+            <a:r>
+              <a:rPr lang="en-US" altLang="ko-KR" dirty="0" smtClean="0">
+                <a:solidFill>
+                  <a:schemeClr val="tx1"/>
+                </a:solidFill>
+                <a:latin typeface="1훈새마을운동 R" panose="02020603020101020101" pitchFamily="18" charset="-127"/>
+                <a:ea typeface="1훈새마을운동 R" panose="02020603020101020101" pitchFamily="18" charset="-127"/>
+              </a:rPr>
+              <a:t>[ Day05 ~ Day07 ]</a:t>
+            </a:r>
+          </a:p>
+          <a:p>
+            <a:r>
+              <a:rPr lang="en-US" altLang="ko-KR" dirty="0">
+                <a:solidFill>
+                  <a:schemeClr val="tx1"/>
+                </a:solidFill>
+                <a:latin typeface="1훈새마을운동 R" panose="02020603020101020101" pitchFamily="18" charset="-127"/>
+                <a:ea typeface="1훈새마을운동 R" panose="02020603020101020101" pitchFamily="18" charset="-127"/>
+              </a:rPr>
+              <a:t/>
+            </a:r>
+            <a:br>
+              <a:rPr lang="en-US" altLang="ko-KR" dirty="0">
+                <a:solidFill>
+                  <a:schemeClr val="tx1"/>
+                </a:solidFill>
+                <a:latin typeface="1훈새마을운동 R" panose="02020603020101020101" pitchFamily="18" charset="-127"/>
+                <a:ea typeface="1훈새마을운동 R" panose="02020603020101020101" pitchFamily="18" charset="-127"/>
+              </a:rPr>
+            </a:br>
+            <a:r>
+              <a:rPr lang="en-US" altLang="ko-KR" dirty="0" smtClean="0">
+                <a:solidFill>
+                  <a:schemeClr val="tx1"/>
+                </a:solidFill>
+                <a:latin typeface="1훈새마을운동 R" panose="02020603020101020101" pitchFamily="18" charset="-127"/>
+                <a:ea typeface="1훈새마을운동 R" panose="02020603020101020101" pitchFamily="18" charset="-127"/>
+              </a:rPr>
+              <a:t>*</a:t>
+            </a:r>
+            <a:r>
+              <a:rPr lang="ko-KR" altLang="en-US" dirty="0" smtClean="0">
+                <a:solidFill>
+                  <a:schemeClr val="tx1"/>
+                </a:solidFill>
+                <a:latin typeface="1훈새마을운동 R" panose="02020603020101020101" pitchFamily="18" charset="-127"/>
+                <a:ea typeface="1훈새마을운동 R" panose="02020603020101020101" pitchFamily="18" charset="-127"/>
+              </a:rPr>
+              <a:t>활용 </a:t>
+            </a:r>
+            <a:r>
+              <a:rPr lang="en-US" altLang="ko-KR" dirty="0" smtClean="0">
+                <a:solidFill>
+                  <a:schemeClr val="tx1"/>
+                </a:solidFill>
+                <a:latin typeface="1훈새마을운동 R" panose="02020603020101020101" pitchFamily="18" charset="-127"/>
+                <a:ea typeface="1훈새마을운동 R" panose="02020603020101020101" pitchFamily="18" charset="-127"/>
+              </a:rPr>
+              <a:t>Mini Program</a:t>
+            </a:r>
+          </a:p>
+          <a:p>
+            <a:r>
+              <a:rPr lang="en-US" altLang="ko-KR" dirty="0">
+                <a:solidFill>
+                  <a:schemeClr val="tx1"/>
+                </a:solidFill>
+                <a:latin typeface="1훈새마을운동 R" panose="02020603020101020101" pitchFamily="18" charset="-127"/>
+                <a:ea typeface="1훈새마을운동 R" panose="02020603020101020101" pitchFamily="18" charset="-127"/>
+              </a:rPr>
+              <a:t>	</a:t>
+            </a:r>
+            <a:r>
+              <a:rPr lang="en-US" altLang="ko-KR" dirty="0" smtClean="0">
+                <a:solidFill>
+                  <a:schemeClr val="tx1"/>
+                </a:solidFill>
+                <a:latin typeface="1훈새마을운동 R" panose="02020603020101020101" pitchFamily="18" charset="-127"/>
+                <a:ea typeface="1훈새마을운동 R" panose="02020603020101020101" pitchFamily="18" charset="-127"/>
+              </a:rPr>
+              <a:t>1. Day05_5_Board_Class</a:t>
+            </a:r>
+          </a:p>
+          <a:p>
+            <a:r>
+              <a:rPr lang="en-US" altLang="ko-KR" dirty="0">
+                <a:solidFill>
+                  <a:schemeClr val="tx1"/>
+                </a:solidFill>
+                <a:latin typeface="1훈새마을운동 R" panose="02020603020101020101" pitchFamily="18" charset="-127"/>
+                <a:ea typeface="1훈새마을운동 R" panose="02020603020101020101" pitchFamily="18" charset="-127"/>
+              </a:rPr>
+              <a:t>	2. Day07 : </a:t>
+            </a:r>
+            <a:r>
+              <a:rPr lang="en-US" altLang="ko-KR" dirty="0" err="1" smtClean="0">
+                <a:solidFill>
+                  <a:schemeClr val="tx1"/>
+                </a:solidFill>
+                <a:latin typeface="1훈새마을운동 R" panose="02020603020101020101" pitchFamily="18" charset="-127"/>
+                <a:ea typeface="1훈새마을운동 R" panose="02020603020101020101" pitchFamily="18" charset="-127"/>
+              </a:rPr>
+              <a:t>BookApplication</a:t>
+            </a:r>
+            <a:endParaRPr lang="en-US" altLang="ko-KR" dirty="0" smtClean="0">
               <a:solidFill>
                 <a:schemeClr val="tx1"/>
               </a:solidFill>
               <a:latin typeface="1훈새마을운동 R" panose="02020603020101020101" pitchFamily="18" charset="-127"/>
               <a:ea typeface="1훈새마을운동 R" panose="02020603020101020101" pitchFamily="18" charset="-127"/>
             </a:endParaRPr>
-          </a:p>
-          <a:p>
-            <a:r>
-              <a:rPr lang="en-US" altLang="ko-KR">
-                <a:solidFill>
-                  <a:schemeClr val="tx1"/>
-                </a:solidFill>
-                <a:latin typeface="1훈새마을운동 R" panose="02020603020101020101" pitchFamily="18" charset="-127"/>
-                <a:ea typeface="1훈새마을운동 R" panose="02020603020101020101" pitchFamily="18" charset="-127"/>
-              </a:rPr>
-              <a:t>	</a:t>
-            </a:r>
-            <a:r>
-              <a:rPr lang="en-US" altLang="ko-KR" smtClean="0">
-                <a:solidFill>
-                  <a:schemeClr val="tx1"/>
-                </a:solidFill>
-                <a:latin typeface="1훈새마을운동 R" panose="02020603020101020101" pitchFamily="18" charset="-127"/>
-                <a:ea typeface="1훈새마을운동 R" panose="02020603020101020101" pitchFamily="18" charset="-127"/>
-              </a:rPr>
-              <a:t>1. </a:t>
-            </a:r>
-            <a:r>
-              <a:rPr lang="ko-KR" altLang="en-US" smtClean="0">
-                <a:solidFill>
-                  <a:schemeClr val="tx1"/>
-                </a:solidFill>
-                <a:latin typeface="1훈새마을운동 R" panose="02020603020101020101" pitchFamily="18" charset="-127"/>
-                <a:ea typeface="1훈새마을운동 R" panose="02020603020101020101" pitchFamily="18" charset="-127"/>
-              </a:rPr>
-              <a:t>클래스 </a:t>
-            </a:r>
-            <a:r>
-              <a:rPr lang="en-US" altLang="ko-KR" smtClean="0">
-                <a:solidFill>
-                  <a:schemeClr val="tx1"/>
-                </a:solidFill>
-                <a:latin typeface="1훈새마을운동 R" panose="02020603020101020101" pitchFamily="18" charset="-127"/>
-                <a:ea typeface="1훈새마을운동 R" panose="02020603020101020101" pitchFamily="18" charset="-127"/>
-              </a:rPr>
-              <a:t>[ Day05 ~ Day07 ]</a:t>
-            </a:r>
-          </a:p>
-          <a:p>
-            <a:r>
-              <a:rPr lang="en-US" altLang="ko-KR">
-                <a:solidFill>
-                  <a:schemeClr val="tx1"/>
-                </a:solidFill>
-                <a:latin typeface="1훈새마을운동 R" panose="02020603020101020101" pitchFamily="18" charset="-127"/>
-                <a:ea typeface="1훈새마을운동 R" panose="02020603020101020101" pitchFamily="18" charset="-127"/>
-              </a:rPr>
-              <a:t/>
-            </a:r>
-            <a:br>
-              <a:rPr lang="en-US" altLang="ko-KR">
-                <a:solidFill>
-                  <a:schemeClr val="tx1"/>
-                </a:solidFill>
-                <a:latin typeface="1훈새마을운동 R" panose="02020603020101020101" pitchFamily="18" charset="-127"/>
-                <a:ea typeface="1훈새마을운동 R" panose="02020603020101020101" pitchFamily="18" charset="-127"/>
-              </a:rPr>
-            </a:br>
-            <a:r>
-              <a:rPr lang="en-US" altLang="ko-KR" smtClean="0">
-                <a:solidFill>
-                  <a:schemeClr val="tx1"/>
-                </a:solidFill>
-                <a:latin typeface="1훈새마을운동 R" panose="02020603020101020101" pitchFamily="18" charset="-127"/>
-                <a:ea typeface="1훈새마을운동 R" panose="02020603020101020101" pitchFamily="18" charset="-127"/>
-              </a:rPr>
-              <a:t>*</a:t>
-            </a:r>
-            <a:r>
-              <a:rPr lang="ko-KR" altLang="en-US" smtClean="0">
-                <a:solidFill>
-                  <a:schemeClr val="tx1"/>
-                </a:solidFill>
-                <a:latin typeface="1훈새마을운동 R" panose="02020603020101020101" pitchFamily="18" charset="-127"/>
-                <a:ea typeface="1훈새마을운동 R" panose="02020603020101020101" pitchFamily="18" charset="-127"/>
-              </a:rPr>
-              <a:t>활용 </a:t>
-            </a:r>
-            <a:r>
-              <a:rPr lang="en-US" altLang="ko-KR" smtClean="0">
-                <a:solidFill>
-                  <a:schemeClr val="tx1"/>
-                </a:solidFill>
-                <a:latin typeface="1훈새마을운동 R" panose="02020603020101020101" pitchFamily="18" charset="-127"/>
-                <a:ea typeface="1훈새마을운동 R" panose="02020603020101020101" pitchFamily="18" charset="-127"/>
-              </a:rPr>
-              <a:t>Mini Program</a:t>
-            </a:r>
-          </a:p>
-          <a:p>
-            <a:r>
-              <a:rPr lang="en-US" altLang="ko-KR">
-                <a:solidFill>
-                  <a:schemeClr val="tx1"/>
-                </a:solidFill>
-                <a:latin typeface="1훈새마을운동 R" panose="02020603020101020101" pitchFamily="18" charset="-127"/>
-                <a:ea typeface="1훈새마을운동 R" panose="02020603020101020101" pitchFamily="18" charset="-127"/>
-              </a:rPr>
-              <a:t>	</a:t>
-            </a:r>
-            <a:r>
-              <a:rPr lang="en-US" altLang="ko-KR" smtClean="0">
-                <a:solidFill>
-                  <a:schemeClr val="tx1"/>
-                </a:solidFill>
-                <a:latin typeface="1훈새마을운동 R" panose="02020603020101020101" pitchFamily="18" charset="-127"/>
-                <a:ea typeface="1훈새마을운동 R" panose="02020603020101020101" pitchFamily="18" charset="-127"/>
-              </a:rPr>
-              <a:t>1. </a:t>
-            </a:r>
-            <a:r>
-              <a:rPr lang="en-US" altLang="ko-KR" smtClean="0">
-                <a:solidFill>
-                  <a:schemeClr val="tx1"/>
-                </a:solidFill>
-                <a:latin typeface="1훈새마을운동 R" panose="02020603020101020101" pitchFamily="18" charset="-127"/>
-                <a:ea typeface="1훈새마을운동 R" panose="02020603020101020101" pitchFamily="18" charset="-127"/>
-              </a:rPr>
-              <a:t>Day05_5_Board_Class</a:t>
-            </a:r>
-          </a:p>
-          <a:p>
-            <a:r>
-              <a:rPr lang="en-US" altLang="ko-KR">
-                <a:solidFill>
-                  <a:schemeClr val="tx1"/>
-                </a:solidFill>
-                <a:latin typeface="1훈새마을운동 R" panose="02020603020101020101" pitchFamily="18" charset="-127"/>
-                <a:ea typeface="1훈새마을운동 R" panose="02020603020101020101" pitchFamily="18" charset="-127"/>
-              </a:rPr>
-              <a:t>	</a:t>
-            </a:r>
-            <a:r>
-              <a:rPr lang="en-US" altLang="ko-KR">
-                <a:solidFill>
-                  <a:schemeClr val="tx1"/>
-                </a:solidFill>
-                <a:latin typeface="1훈새마을운동 R" panose="02020603020101020101" pitchFamily="18" charset="-127"/>
-                <a:ea typeface="1훈새마을운동 R" panose="02020603020101020101" pitchFamily="18" charset="-127"/>
-              </a:rPr>
-              <a:t>2. Day07 </a:t>
-            </a:r>
-            <a:r>
-              <a:rPr lang="en-US" altLang="ko-KR">
-                <a:solidFill>
-                  <a:schemeClr val="tx1"/>
-                </a:solidFill>
-                <a:latin typeface="1훈새마을운동 R" panose="02020603020101020101" pitchFamily="18" charset="-127"/>
-                <a:ea typeface="1훈새마을운동 R" panose="02020603020101020101" pitchFamily="18" charset="-127"/>
-              </a:rPr>
-              <a:t>: </a:t>
-            </a:r>
-            <a:r>
-              <a:rPr lang="en-US" altLang="ko-KR" smtClean="0">
-                <a:solidFill>
-                  <a:schemeClr val="tx1"/>
-                </a:solidFill>
-                <a:latin typeface="1훈새마을운동 R" panose="02020603020101020101" pitchFamily="18" charset="-127"/>
-                <a:ea typeface="1훈새마을운동 R" panose="02020603020101020101" pitchFamily="18" charset="-127"/>
-              </a:rPr>
-              <a:t>BookApplication</a:t>
-            </a:r>
           </a:p>
         </p:txBody>
       </p:sp>
@@ -20382,7 +20196,29 @@
                 <a:latin typeface="1훈새마을운동 R" panose="02020603020101020101" pitchFamily="18" charset="-127"/>
                 <a:ea typeface="1훈새마을운동 R" panose="02020603020101020101" pitchFamily="18" charset="-127"/>
               </a:rPr>
-              <a:t>배열 </a:t>
+              <a:t>배열 버전 </a:t>
+            </a:r>
+            <a:r>
+              <a:rPr lang="en-US" altLang="ko-KR" smtClean="0">
+                <a:solidFill>
+                  <a:schemeClr val="tx1"/>
+                </a:solidFill>
+                <a:latin typeface="1훈새마을운동 R" panose="02020603020101020101" pitchFamily="18" charset="-127"/>
+                <a:ea typeface="1훈새마을운동 R" panose="02020603020101020101" pitchFamily="18" charset="-127"/>
+              </a:rPr>
+              <a:t>] </a:t>
+            </a:r>
+          </a:p>
+          <a:p>
+            <a:r>
+              <a:rPr lang="en-US" altLang="ko-KR">
+                <a:solidFill>
+                  <a:schemeClr val="tx1"/>
+                </a:solidFill>
+                <a:latin typeface="1훈새마을운동 R" panose="02020603020101020101" pitchFamily="18" charset="-127"/>
+                <a:ea typeface="1훈새마을운동 R" panose="02020603020101020101" pitchFamily="18" charset="-127"/>
+              </a:rPr>
+              <a:t>	5. Day04_6_</a:t>
             </a:r>
             <a:r>
               <a:rPr lang="ko-KR" altLang="en-US" smtClean="0">
@@ -20392,17 +20228,7 @@
                 <a:latin typeface="1훈새마을운동 R" panose="02020603020101020101" pitchFamily="18" charset="-127"/>
                 <a:ea typeface="1훈새마을운동 R" panose="02020603020101020101" pitchFamily="18" charset="-127"/>
               </a:rPr>
-              <a:t>버전 </a:t>
-            </a:r>
-            <a:r>
-              <a:rPr lang="en-US" altLang="ko-KR" smtClean="0">
-                <a:solidFill>
-                  <a:schemeClr val="tx1"/>
-                </a:solidFill>
-                <a:latin typeface="1훈새마을운동 R" panose="02020603020101020101" pitchFamily="18" charset="-127"/>
-                <a:ea typeface="1훈새마을운동 R" panose="02020603020101020101" pitchFamily="18" charset="-127"/>
-              </a:rPr>
-              <a:t>] </a:t>
+              <a:t>틱택토게임</a:t>
             </a:r>
             <a:endParaRPr lang="en-US" altLang="ko-KR" smtClean="0">
               <a:solidFill>
@@ -20421,7 +20247,7 @@
                 <a:latin typeface="1훈새마을운동 R" panose="02020603020101020101" pitchFamily="18" charset="-127"/>
                 <a:ea typeface="1훈새마을운동 R" panose="02020603020101020101" pitchFamily="18" charset="-127"/>
               </a:rPr>
-              <a:t>	5. Day04_6_</a:t>
+              <a:t>	6. Day04_7_</a:t>
             </a:r>
             <a:r>
               <a:rPr lang="ko-KR" altLang="en-US" smtClean="0">
@@ -20431,7 +20257,7 @@
                 <a:latin typeface="1훈새마을운동 R" panose="02020603020101020101" pitchFamily="18" charset="-127"/>
                 <a:ea typeface="1훈새마을운동 R" panose="02020603020101020101" pitchFamily="18" charset="-127"/>
               </a:rPr>
-              <a:t>틱택토게임</a:t>
+              <a:t>로또판별기</a:t>
             </a:r>
             <a:endParaRPr lang="en-US" altLang="ko-KR" smtClean="0">
               <a:solidFill>
@@ -20450,7 +20276,7 @@
                 <a:latin typeface="1훈새마을운동 R" panose="02020603020101020101" pitchFamily="18" charset="-127"/>
                 <a:ea typeface="1훈새마을운동 R" panose="02020603020101020101" pitchFamily="18" charset="-127"/>
               </a:rPr>
-              <a:t>	6. Day04_7_</a:t>
+              <a:t>	7. Day05_2_</a:t>
             </a:r>
             <a:r>
               <a:rPr lang="ko-KR" altLang="en-US" smtClean="0">
@@ -20460,7 +20286,7 @@
                 <a:latin typeface="1훈새마을운동 R" panose="02020603020101020101" pitchFamily="18" charset="-127"/>
                 <a:ea typeface="1훈새마을운동 R" panose="02020603020101020101" pitchFamily="18" charset="-127"/>
               </a:rPr>
-              <a:t>로또판별기</a:t>
+              <a:t>회원제방문록</a:t>
             </a:r>
             <a:endParaRPr lang="en-US" altLang="ko-KR" smtClean="0">
               <a:solidFill>
@@ -20479,7 +20305,17 @@
                 <a:latin typeface="1훈새마을운동 R" panose="02020603020101020101" pitchFamily="18" charset="-127"/>
                 <a:ea typeface="1훈새마을운동 R" panose="02020603020101020101" pitchFamily="18" charset="-127"/>
               </a:rPr>
-              <a:t>	7. Day05_2_</a:t>
+              <a:t>	8. </a:t>
+            </a:r>
+            <a:r>
+              <a:rPr lang="en-US" altLang="ko-KR" smtClean="0">
+                <a:solidFill>
+                  <a:schemeClr val="tx1"/>
+                </a:solidFill>
+                <a:latin typeface="1훈새마을운동 R" panose="02020603020101020101" pitchFamily="18" charset="-127"/>
+                <a:ea typeface="1훈새마을운동 R" panose="02020603020101020101" pitchFamily="18" charset="-127"/>
+              </a:rPr>
+              <a:t>Day05_4_Board [ </a:t>
             </a:r>
             <a:r>
               <a:rPr lang="ko-KR" altLang="en-US" smtClean="0">
@@ -20489,45 +20325,6 @@
                 <a:latin typeface="1훈새마을운동 R" panose="02020603020101020101" pitchFamily="18" charset="-127"/>
                 <a:ea typeface="1훈새마을운동 R" panose="02020603020101020101" pitchFamily="18" charset="-127"/>
               </a:rPr>
-              <a:t>회원제방문록</a:t>
-            </a:r>
-            <a:endParaRPr lang="en-US" altLang="ko-KR" smtClean="0">
-              <a:solidFill>
-                <a:schemeClr val="tx1"/>
-              </a:solidFill>
-              <a:latin typeface="1훈새마을운동 R" panose="02020603020101020101" pitchFamily="18" charset="-127"/>
-              <a:ea typeface="1훈새마을운동 R" panose="02020603020101020101" pitchFamily="18" charset="-127"/>
-            </a:endParaRPr>
-          </a:p>
-          <a:p>
-            <a:r>
-              <a:rPr lang="en-US" altLang="ko-KR">
-                <a:solidFill>
-                  <a:schemeClr val="tx1"/>
-                </a:solidFill>
-                <a:latin typeface="1훈새마을운동 R" panose="02020603020101020101" pitchFamily="18" charset="-127"/>
-                <a:ea typeface="1훈새마을운동 R" panose="02020603020101020101" pitchFamily="18" charset="-127"/>
-              </a:rPr>
-              <a:t>	8. </a:t>
-            </a:r>
-            <a:r>
-              <a:rPr lang="en-US" altLang="ko-KR" smtClean="0">
-                <a:solidFill>
-                  <a:schemeClr val="tx1"/>
-                </a:solidFill>
-                <a:latin typeface="1훈새마을운동 R" panose="02020603020101020101" pitchFamily="18" charset="-127"/>
-                <a:ea typeface="1훈새마을운동 R" panose="02020603020101020101" pitchFamily="18" charset="-127"/>
-              </a:rPr>
-              <a:t>Day05_4_Board [ </a:t>
-            </a:r>
-            <a:r>
-              <a:rPr lang="ko-KR" altLang="en-US" smtClean="0">
-                <a:solidFill>
-                  <a:schemeClr val="tx1"/>
-                </a:solidFill>
-                <a:latin typeface="1훈새마을운동 R" panose="02020603020101020101" pitchFamily="18" charset="-127"/>
-                <a:ea typeface="1훈새마을운동 R" panose="02020603020101020101" pitchFamily="18" charset="-127"/>
-              </a:rPr>
               <a:t>배열버전 </a:t>
             </a:r>
             <a:r>
@@ -20540,13 +20337,6 @@
               </a:rPr>
               <a:t>] </a:t>
             </a:r>
-            <a:endParaRPr lang="en-US" altLang="ko-KR" smtClean="0">
-              <a:solidFill>
-                <a:schemeClr val="tx1"/>
-              </a:solidFill>
-              <a:latin typeface="1훈새마을운동 R" panose="02020603020101020101" pitchFamily="18" charset="-127"/>
-              <a:ea typeface="1훈새마을운동 R" panose="02020603020101020101" pitchFamily="18" charset="-127"/>
-            </a:endParaRPr>
           </a:p>
         </p:txBody>
       </p:sp>
